--- a/Reacherch Paper Review.pptx
+++ b/Reacherch Paper Review.pptx
@@ -5,86 +5,87 @@
     <p:sldMasterId id="2147483660" r:id="rId1"/>
   </p:sldMasterIdLst>
   <p:notesMasterIdLst>
-    <p:notesMasterId r:id="rId15"/>
+    <p:notesMasterId r:id="rId16"/>
   </p:notesMasterIdLst>
   <p:handoutMasterIdLst>
-    <p:handoutMasterId r:id="rId16"/>
+    <p:handoutMasterId r:id="rId17"/>
   </p:handoutMasterIdLst>
   <p:sldIdLst>
     <p:sldId id="256" r:id="rId2"/>
     <p:sldId id="259" r:id="rId3"/>
     <p:sldId id="270" r:id="rId4"/>
-    <p:sldId id="264" r:id="rId5"/>
-    <p:sldId id="271" r:id="rId6"/>
-    <p:sldId id="272" r:id="rId7"/>
-    <p:sldId id="269" r:id="rId8"/>
-    <p:sldId id="265" r:id="rId9"/>
-    <p:sldId id="268" r:id="rId10"/>
-    <p:sldId id="266" r:id="rId11"/>
-    <p:sldId id="260" r:id="rId12"/>
-    <p:sldId id="261" r:id="rId13"/>
-    <p:sldId id="263" r:id="rId14"/>
+    <p:sldId id="273" r:id="rId5"/>
+    <p:sldId id="264" r:id="rId6"/>
+    <p:sldId id="271" r:id="rId7"/>
+    <p:sldId id="272" r:id="rId8"/>
+    <p:sldId id="269" r:id="rId9"/>
+    <p:sldId id="265" r:id="rId10"/>
+    <p:sldId id="268" r:id="rId11"/>
+    <p:sldId id="266" r:id="rId12"/>
+    <p:sldId id="260" r:id="rId13"/>
+    <p:sldId id="261" r:id="rId14"/>
+    <p:sldId id="263" r:id="rId15"/>
   </p:sldIdLst>
   <p:sldSz cx="9144000" cy="5143500" type="screen16x9"/>
   <p:notesSz cx="6858000" cy="9144000"/>
   <p:embeddedFontLst>
     <p:embeddedFont>
       <p:font typeface="Roboto" panose="02000000000000000000" pitchFamily="2" charset="0"/>
-      <p:regular r:id="rId17"/>
-      <p:bold r:id="rId18"/>
-      <p:italic r:id="rId19"/>
-      <p:boldItalic r:id="rId20"/>
+      <p:regular r:id="rId18"/>
+      <p:bold r:id="rId19"/>
+      <p:italic r:id="rId20"/>
+      <p:boldItalic r:id="rId21"/>
     </p:embeddedFont>
     <p:embeddedFont>
-      <p:font typeface="Arial Black" panose="020B0A04020102020204" pitchFamily="34" charset="0"/>
-      <p:bold r:id="rId21"/>
-    </p:embeddedFont>
-    <p:embeddedFont>
-      <p:font typeface="Montserrat Medium" panose="020B0604020202020204" charset="0"/>
+      <p:font typeface="DM Sans" panose="020B0604020202020204" charset="0"/>
       <p:regular r:id="rId22"/>
       <p:bold r:id="rId23"/>
       <p:italic r:id="rId24"/>
       <p:boldItalic r:id="rId25"/>
     </p:embeddedFont>
     <p:embeddedFont>
-      <p:font typeface="Tahoma" panose="020B0604030504040204" pitchFamily="34" charset="0"/>
+      <p:font typeface="Century Schoolbook" panose="02040604050505020304" pitchFamily="18" charset="0"/>
       <p:regular r:id="rId26"/>
       <p:bold r:id="rId27"/>
+      <p:italic r:id="rId28"/>
+      <p:boldItalic r:id="rId29"/>
     </p:embeddedFont>
     <p:embeddedFont>
       <p:font typeface="Fira Sans Extra Condensed" panose="020B0604020202020204" charset="0"/>
-      <p:regular r:id="rId28"/>
-      <p:bold r:id="rId29"/>
-      <p:italic r:id="rId30"/>
-      <p:boldItalic r:id="rId31"/>
+      <p:regular r:id="rId30"/>
+      <p:bold r:id="rId31"/>
+      <p:italic r:id="rId32"/>
+      <p:boldItalic r:id="rId33"/>
+    </p:embeddedFont>
+    <p:embeddedFont>
+      <p:font typeface="Arial Black" panose="020B0A04020102020204" pitchFamily="34" charset="0"/>
+      <p:bold r:id="rId34"/>
+    </p:embeddedFont>
+    <p:embeddedFont>
+      <p:font typeface="Montserrat" panose="020B0604020202020204" charset="0"/>
+      <p:regular r:id="rId35"/>
+      <p:bold r:id="rId36"/>
+      <p:italic r:id="rId37"/>
+      <p:boldItalic r:id="rId38"/>
+    </p:embeddedFont>
+    <p:embeddedFont>
+      <p:font typeface="Montserrat Medium" panose="020B0604020202020204" charset="0"/>
+      <p:regular r:id="rId39"/>
+      <p:bold r:id="rId40"/>
+      <p:italic r:id="rId41"/>
+      <p:boldItalic r:id="rId42"/>
     </p:embeddedFont>
     <p:embeddedFont>
       <p:font typeface="Verdana" panose="020B0604030504040204" pitchFamily="34" charset="0"/>
-      <p:regular r:id="rId32"/>
-      <p:bold r:id="rId33"/>
-      <p:italic r:id="rId34"/>
-      <p:boldItalic r:id="rId35"/>
+      <p:regular r:id="rId43"/>
+      <p:bold r:id="rId44"/>
+      <p:italic r:id="rId45"/>
+      <p:boldItalic r:id="rId46"/>
     </p:embeddedFont>
     <p:embeddedFont>
-      <p:font typeface="Montserrat" panose="020B0604020202020204" charset="0"/>
-      <p:regular r:id="rId36"/>
-      <p:bold r:id="rId37"/>
-      <p:italic r:id="rId38"/>
-      <p:boldItalic r:id="rId39"/>
-    </p:embeddedFont>
-    <p:embeddedFont>
-      <p:font typeface="Century Schoolbook" panose="02040604050505020304" pitchFamily="18" charset="0"/>
-      <p:regular r:id="rId40"/>
-      <p:bold r:id="rId41"/>
-      <p:italic r:id="rId42"/>
-      <p:boldItalic r:id="rId43"/>
-    </p:embeddedFont>
-    <p:embeddedFont>
-      <p:font typeface="DM Sans" panose="020B0604020202020204" charset="0"/>
-      <p:regular r:id="rId44"/>
-      <p:bold r:id="rId45"/>
-      <p:italic r:id="rId46"/>
-      <p:boldItalic r:id="rId47"/>
+      <p:font typeface="Tahoma" panose="020B0604030504040204" pitchFamily="34" charset="0"/>
+      <p:regular r:id="rId47"/>
+      <p:bold r:id="rId48"/>
     </p:embeddedFont>
   </p:embeddedFontLst>
   <p:defaultTextStyle>
@@ -406,7 +407,7 @@
           <a:p>
             <a:fld id="{246373C3-5698-471F-9308-38CF10C2DB54}" type="datetime1">
               <a:rPr lang="en-US" smtClean="0"/>
-              <a:t>4/19/2024</a:t>
+              <a:t>4/20/2024</a:t>
             </a:fld>
             <a:endParaRPr lang="en-US"/>
           </a:p>
@@ -1148,7 +1149,7 @@
     </p:spTree>
     <p:extLst>
       <p:ext uri="{BB962C8B-B14F-4D97-AF65-F5344CB8AC3E}">
-        <p14:creationId xmlns:p14="http://schemas.microsoft.com/office/powerpoint/2010/main" val="1646783099"/>
+        <p14:creationId xmlns:p14="http://schemas.microsoft.com/office/powerpoint/2010/main" val="3734253931"/>
       </p:ext>
     </p:extLst>
   </p:cSld>
@@ -1257,7 +1258,7 @@
     </p:spTree>
     <p:extLst>
       <p:ext uri="{BB962C8B-B14F-4D97-AF65-F5344CB8AC3E}">
-        <p14:creationId xmlns:p14="http://schemas.microsoft.com/office/powerpoint/2010/main" val="2687572029"/>
+        <p14:creationId xmlns:p14="http://schemas.microsoft.com/office/powerpoint/2010/main" val="1646783099"/>
       </p:ext>
     </p:extLst>
   </p:cSld>
@@ -1366,6 +1367,115 @@
     </p:spTree>
     <p:extLst>
       <p:ext uri="{BB962C8B-B14F-4D97-AF65-F5344CB8AC3E}">
+        <p14:creationId xmlns:p14="http://schemas.microsoft.com/office/powerpoint/2010/main" val="2687572029"/>
+      </p:ext>
+    </p:extLst>
+  </p:cSld>
+  <p:clrMapOvr>
+    <a:masterClrMapping/>
+  </p:clrMapOvr>
+</p:notes>
+</file>
+
+<file path=ppt/notesSlides/notesSlide13.xml><?xml version="1.0" encoding="utf-8"?>
+<p:notes xmlns:a="http://schemas.openxmlformats.org/drawingml/2006/main" xmlns:r="http://schemas.openxmlformats.org/officeDocument/2006/relationships" xmlns:p="http://schemas.openxmlformats.org/presentationml/2006/main" showMasterSp="0" showMasterPhAnim="0">
+  <p:cSld>
+    <p:spTree>
+      <p:nvGrpSpPr>
+        <p:cNvPr id="1" name="Shape 44"/>
+        <p:cNvGrpSpPr/>
+        <p:nvPr/>
+      </p:nvGrpSpPr>
+      <p:grpSpPr>
+        <a:xfrm>
+          <a:off x="0" y="0"/>
+          <a:ext cx="0" cy="0"/>
+          <a:chOff x="0" y="0"/>
+          <a:chExt cx="0" cy="0"/>
+        </a:xfrm>
+      </p:grpSpPr>
+      <p:sp>
+        <p:nvSpPr>
+          <p:cNvPr id="45" name="Google Shape;45;g25fc6f885eb_0_6:notes"/>
+          <p:cNvSpPr>
+            <a:spLocks noGrp="1" noRot="1" noChangeAspect="1"/>
+          </p:cNvSpPr>
+          <p:nvPr>
+            <p:ph type="sldImg" idx="2"/>
+          </p:nvPr>
+        </p:nvSpPr>
+        <p:spPr>
+          <a:xfrm>
+            <a:off x="381000" y="685800"/>
+            <a:ext cx="6096000" cy="3429000"/>
+          </a:xfrm>
+          <a:custGeom>
+            <a:avLst/>
+            <a:gdLst/>
+            <a:ahLst/>
+            <a:cxnLst/>
+            <a:rect l="l" t="t" r="r" b="b"/>
+            <a:pathLst>
+              <a:path w="120000" h="120000" extrusionOk="0">
+                <a:moveTo>
+                  <a:pt x="0" y="0"/>
+                </a:moveTo>
+                <a:lnTo>
+                  <a:pt x="120000" y="0"/>
+                </a:lnTo>
+                <a:lnTo>
+                  <a:pt x="120000" y="120000"/>
+                </a:lnTo>
+                <a:lnTo>
+                  <a:pt x="0" y="120000"/>
+                </a:lnTo>
+                <a:close/>
+              </a:path>
+            </a:pathLst>
+          </a:custGeom>
+        </p:spPr>
+      </p:sp>
+      <p:sp>
+        <p:nvSpPr>
+          <p:cNvPr id="46" name="Google Shape;46;g25fc6f885eb_0_6:notes"/>
+          <p:cNvSpPr txBox="1">
+            <a:spLocks noGrp="1"/>
+          </p:cNvSpPr>
+          <p:nvPr>
+            <p:ph type="body" idx="1"/>
+          </p:nvPr>
+        </p:nvSpPr>
+        <p:spPr>
+          <a:xfrm>
+            <a:off x="685800" y="4343400"/>
+            <a:ext cx="5486400" cy="4114800"/>
+          </a:xfrm>
+          <a:prstGeom prst="rect">
+            <a:avLst/>
+          </a:prstGeom>
+        </p:spPr>
+        <p:txBody>
+          <a:bodyPr spcFirstLastPara="1" wrap="square" lIns="91425" tIns="91425" rIns="91425" bIns="91425" anchor="t" anchorCtr="0">
+            <a:noAutofit/>
+          </a:bodyPr>
+          <a:lstStyle/>
+          <a:p>
+            <a:pPr marL="0" lvl="0" indent="0" algn="l" rtl="0">
+              <a:spcBef>
+                <a:spcPts val="0"/>
+              </a:spcBef>
+              <a:spcAft>
+                <a:spcPts val="0"/>
+              </a:spcAft>
+              <a:buNone/>
+            </a:pPr>
+            <a:endParaRPr/>
+          </a:p>
+        </p:txBody>
+      </p:sp>
+    </p:spTree>
+    <p:extLst>
+      <p:ext uri="{BB962C8B-B14F-4D97-AF65-F5344CB8AC3E}">
         <p14:creationId xmlns:p14="http://schemas.microsoft.com/office/powerpoint/2010/main" val="1530271851"/>
       </p:ext>
     </p:extLst>
@@ -1376,7 +1486,7 @@
 </p:notes>
 </file>
 
-<file path=ppt/notesSlides/notesSlide13.xml><?xml version="1.0" encoding="utf-8"?>
+<file path=ppt/notesSlides/notesSlide14.xml><?xml version="1.0" encoding="utf-8"?>
 <p:notes xmlns:a="http://schemas.openxmlformats.org/drawingml/2006/main" xmlns:r="http://schemas.openxmlformats.org/officeDocument/2006/relationships" xmlns:p="http://schemas.openxmlformats.org/presentationml/2006/main" showMasterSp="0" showMasterPhAnim="0">
   <p:cSld>
     <p:spTree>
@@ -1802,7 +1912,7 @@
     </p:spTree>
     <p:extLst>
       <p:ext uri="{BB962C8B-B14F-4D97-AF65-F5344CB8AC3E}">
-        <p14:creationId xmlns:p14="http://schemas.microsoft.com/office/powerpoint/2010/main" val="2522445846"/>
+        <p14:creationId xmlns:p14="http://schemas.microsoft.com/office/powerpoint/2010/main" val="1857470743"/>
       </p:ext>
     </p:extLst>
   </p:cSld>
@@ -1911,7 +2021,7 @@
     </p:spTree>
     <p:extLst>
       <p:ext uri="{BB962C8B-B14F-4D97-AF65-F5344CB8AC3E}">
-        <p14:creationId xmlns:p14="http://schemas.microsoft.com/office/powerpoint/2010/main" val="2491444152"/>
+        <p14:creationId xmlns:p14="http://schemas.microsoft.com/office/powerpoint/2010/main" val="2522445846"/>
       </p:ext>
     </p:extLst>
   </p:cSld>
@@ -2020,7 +2130,7 @@
     </p:spTree>
     <p:extLst>
       <p:ext uri="{BB962C8B-B14F-4D97-AF65-F5344CB8AC3E}">
-        <p14:creationId xmlns:p14="http://schemas.microsoft.com/office/powerpoint/2010/main" val="3833114275"/>
+        <p14:creationId xmlns:p14="http://schemas.microsoft.com/office/powerpoint/2010/main" val="2491444152"/>
       </p:ext>
     </p:extLst>
   </p:cSld>
@@ -2129,7 +2239,7 @@
     </p:spTree>
     <p:extLst>
       <p:ext uri="{BB962C8B-B14F-4D97-AF65-F5344CB8AC3E}">
-        <p14:creationId xmlns:p14="http://schemas.microsoft.com/office/powerpoint/2010/main" val="3499854548"/>
+        <p14:creationId xmlns:p14="http://schemas.microsoft.com/office/powerpoint/2010/main" val="3833114275"/>
       </p:ext>
     </p:extLst>
   </p:cSld>
@@ -2238,7 +2348,7 @@
     </p:spTree>
     <p:extLst>
       <p:ext uri="{BB962C8B-B14F-4D97-AF65-F5344CB8AC3E}">
-        <p14:creationId xmlns:p14="http://schemas.microsoft.com/office/powerpoint/2010/main" val="29692038"/>
+        <p14:creationId xmlns:p14="http://schemas.microsoft.com/office/powerpoint/2010/main" val="3499854548"/>
       </p:ext>
     </p:extLst>
   </p:cSld>
@@ -2347,7 +2457,7 @@
     </p:spTree>
     <p:extLst>
       <p:ext uri="{BB962C8B-B14F-4D97-AF65-F5344CB8AC3E}">
-        <p14:creationId xmlns:p14="http://schemas.microsoft.com/office/powerpoint/2010/main" val="3734253931"/>
+        <p14:creationId xmlns:p14="http://schemas.microsoft.com/office/powerpoint/2010/main" val="29692038"/>
       </p:ext>
     </p:extLst>
   </p:cSld>
@@ -7429,7 +7539,14 @@
             </a:br>
             <a:r>
               <a:rPr lang="en-US" sz="2400" dirty="0"/>
-              <a:t>and Design Modelling Methods</a:t>
+              <a:t>and Design Modelling Methods - </a:t>
+            </a:r>
+            <a:r>
+              <a:rPr lang="en-US" sz="2400" dirty="0">
+                <a:latin typeface="Verdana" panose="020B0604030504040204" pitchFamily="34" charset="0"/>
+                <a:ea typeface="Verdana" panose="020B0604030504040204" pitchFamily="34" charset="0"/>
+              </a:rPr>
+              <a:t>a review and comparative analysis</a:t>
             </a:r>
             <a:endParaRPr sz="2400" dirty="0"/>
           </a:p>
@@ -31245,12 +31362,12 @@
               <a:buSzPts val="1800"/>
             </a:pPr>
             <a:r>
-              <a:rPr lang="en-US" sz="1200" dirty="0">
+              <a:rPr lang="en-US" sz="1200" b="1" dirty="0">
                 <a:latin typeface="Montserrat Medium" panose="020B0604020202020204" charset="0"/>
               </a:rPr>
               <a:t>Dept. of CSE</a:t>
             </a:r>
-            <a:endParaRPr lang="en-US" dirty="0"/>
+            <a:endParaRPr lang="en-US" b="1" dirty="0"/>
           </a:p>
         </p:txBody>
       </p:sp>
@@ -31407,6 +31524,13 @@
   <p:clrMapOvr>
     <a:masterClrMapping/>
   </p:clrMapOvr>
+  <p:timing>
+    <p:tnLst>
+      <p:par>
+        <p:cTn id="1" dur="indefinite" restart="never" nodeType="tmRoot"/>
+      </p:par>
+    </p:tnLst>
+  </p:timing>
 </p:sld>
 </file>
 
@@ -31694,7 +31818,7 @@
         <p:spPr>
           <a:xfrm>
             <a:off x="7809595" y="4624832"/>
-            <a:ext cx="958917" cy="246221"/>
+            <a:ext cx="923651" cy="246221"/>
           </a:xfrm>
           <a:prstGeom prst="rect">
             <a:avLst/>
@@ -31711,17 +31835,8 @@
               <a:rPr lang="en-US" sz="1000" b="1" dirty="0">
                 <a:latin typeface="Montserrat Medium" panose="020B0604020202020204" charset="0"/>
               </a:rPr>
-              <a:t>Page No: </a:t>
+              <a:t>Page No: 10</a:t>
             </a:r>
-            <a:r>
-              <a:rPr lang="en-US" sz="1000" b="1" dirty="0" smtClean="0">
-                <a:latin typeface="Montserrat Medium" panose="020B0604020202020204" charset="0"/>
-              </a:rPr>
-              <a:t>10</a:t>
-            </a:r>
-            <a:endParaRPr lang="en-US" sz="1000" b="1" dirty="0">
-              <a:latin typeface="Montserrat Medium" panose="020B0604020202020204" charset="0"/>
-            </a:endParaRPr>
           </a:p>
         </p:txBody>
       </p:sp>
@@ -32000,94 +32115,389 @@
           <a:p>
             <a:pPr algn="ctr"/>
             <a:r>
-              <a:rPr lang="en-US" sz="2800" dirty="0">
-                <a:solidFill>
-                  <a:schemeClr val="tx1"/>
-                </a:solidFill>
-                <a:latin typeface="DM Sans" pitchFamily="2" charset="0"/>
-              </a:rPr>
-              <a:t>L</a:t>
+              <a:rPr lang="en-US" sz="2800" dirty="0"/>
+              <a:t>Research Gap Analysis</a:t>
             </a:r>
-            <a:r>
-              <a:rPr lang="en-US" sz="2800" b="1" dirty="0">
-                <a:solidFill>
-                  <a:schemeClr val="tx1"/>
-                </a:solidFill>
-                <a:latin typeface="DM Sans" pitchFamily="2" charset="0"/>
-              </a:rPr>
-              <a:t>imitations</a:t>
-            </a:r>
-            <a:endParaRPr lang="en-US" sz="2800" dirty="0"/>
           </a:p>
         </p:txBody>
       </p:sp>
       <p:sp>
         <p:nvSpPr>
-          <p:cNvPr id="4" name="Text Placeholder 3"/>
-          <p:cNvSpPr>
-            <a:spLocks noGrp="1"/>
-          </p:cNvSpPr>
-          <p:nvPr>
-            <p:ph type="body" idx="1"/>
-          </p:nvPr>
+          <p:cNvPr id="5" name="TextBox 4"/>
+          <p:cNvSpPr txBox="1"/>
+          <p:nvPr/>
         </p:nvSpPr>
-        <p:spPr/>
+        <p:spPr>
+          <a:xfrm>
+            <a:off x="1021308" y="1264612"/>
+            <a:ext cx="7335884" cy="2677656"/>
+          </a:xfrm>
+          <a:prstGeom prst="rect">
+            <a:avLst/>
+          </a:prstGeom>
+          <a:noFill/>
+        </p:spPr>
         <p:txBody>
-          <a:bodyPr/>
+          <a:bodyPr wrap="square" rtlCol="0">
+            <a:spAutoFit/>
+          </a:bodyPr>
           <a:lstStyle/>
           <a:p>
+            <a:pPr marL="285750" indent="-285750">
+              <a:buFont typeface="Wingdings" panose="05000000000000000000" pitchFamily="2" charset="2"/>
+              <a:buChar char="§"/>
+            </a:pPr>
+            <a:r>
+              <a:rPr lang="en-US" dirty="0" smtClean="0">
+                <a:solidFill>
+                  <a:schemeClr val="tx1"/>
+                </a:solidFill>
+                <a:latin typeface="Verdana" panose="020B0604030504040204" pitchFamily="34" charset="0"/>
+                <a:ea typeface="Verdana" panose="020B0604030504040204" pitchFamily="34" charset="0"/>
+              </a:rPr>
+              <a:t>Need </a:t>
+            </a:r>
             <a:r>
               <a:rPr lang="en-US" dirty="0">
+                <a:solidFill>
+                  <a:schemeClr val="tx1"/>
+                </a:solidFill>
                 <a:latin typeface="Verdana" panose="020B0604030504040204" pitchFamily="34" charset="0"/>
                 <a:ea typeface="Verdana" panose="020B0604030504040204" pitchFamily="34" charset="0"/>
-                <a:cs typeface="Tahoma" panose="020B0604030504040204" pitchFamily="34" charset="0"/>
               </a:rPr>
-              <a:t>The paper mainly focuses on evaluating systems analysis and design methods, potentially overlooking other aspects of systems development.</a:t>
+              <a:t>more real-world tests for </a:t>
             </a:r>
-            <a:endParaRPr lang="en-US" dirty="0">
-              <a:latin typeface="Verdana" panose="020B0604030504040204" pitchFamily="34" charset="0"/>
-              <a:ea typeface="Verdana" panose="020B0604030504040204" pitchFamily="34" charset="0"/>
-              <a:cs typeface="Tahoma" panose="020B0604030504040204" pitchFamily="34" charset="0"/>
-            </a:endParaRPr>
+            <a:r>
+              <a:rPr lang="en-US" dirty="0" err="1">
+                <a:solidFill>
+                  <a:schemeClr val="tx1"/>
+                </a:solidFill>
+                <a:latin typeface="Verdana" panose="020B0604030504040204" pitchFamily="34" charset="0"/>
+                <a:ea typeface="Verdana" panose="020B0604030504040204" pitchFamily="34" charset="0"/>
+              </a:rPr>
+              <a:t>metamodelling</a:t>
+            </a:r>
+            <a:r>
+              <a:rPr lang="en-US" dirty="0">
+                <a:solidFill>
+                  <a:schemeClr val="tx1"/>
+                </a:solidFill>
+                <a:latin typeface="Verdana" panose="020B0604030504040204" pitchFamily="34" charset="0"/>
+                <a:ea typeface="Verdana" panose="020B0604030504040204" pitchFamily="34" charset="0"/>
+              </a:rPr>
+              <a:t> and metrics analysis.</a:t>
+            </a:r>
+          </a:p>
+          <a:p>
+            <a:pPr marL="285750" indent="-285750">
+              <a:buFont typeface="Wingdings" panose="05000000000000000000" pitchFamily="2" charset="2"/>
+              <a:buChar char="§"/>
+            </a:pPr>
+            <a:r>
+              <a:rPr lang="en-US" dirty="0" smtClean="0">
+                <a:solidFill>
+                  <a:schemeClr val="tx1"/>
+                </a:solidFill>
+                <a:latin typeface="Verdana" panose="020B0604030504040204" pitchFamily="34" charset="0"/>
+                <a:ea typeface="Verdana" panose="020B0604030504040204" pitchFamily="34" charset="0"/>
+              </a:rPr>
+              <a:t>Not </a:t>
+            </a:r>
+            <a:r>
+              <a:rPr lang="en-US" dirty="0">
+                <a:solidFill>
+                  <a:schemeClr val="tx1"/>
+                </a:solidFill>
+                <a:latin typeface="Verdana" panose="020B0604030504040204" pitchFamily="34" charset="0"/>
+                <a:ea typeface="Verdana" panose="020B0604030504040204" pitchFamily="34" charset="0"/>
+              </a:rPr>
+              <a:t>much testing for contingency identification in real organizations.</a:t>
+            </a:r>
+          </a:p>
+          <a:p>
+            <a:pPr marL="285750" indent="-285750">
+              <a:buFont typeface="Wingdings" panose="05000000000000000000" pitchFamily="2" charset="2"/>
+              <a:buChar char="§"/>
+            </a:pPr>
+            <a:r>
+              <a:rPr lang="en-US" dirty="0" smtClean="0">
+                <a:solidFill>
+                  <a:schemeClr val="tx1"/>
+                </a:solidFill>
+                <a:latin typeface="Verdana" panose="020B0604030504040204" pitchFamily="34" charset="0"/>
+                <a:ea typeface="Verdana" panose="020B0604030504040204" pitchFamily="34" charset="0"/>
+              </a:rPr>
+              <a:t>Not </a:t>
+            </a:r>
+            <a:r>
+              <a:rPr lang="en-US" dirty="0">
+                <a:solidFill>
+                  <a:schemeClr val="tx1"/>
+                </a:solidFill>
+                <a:latin typeface="Verdana" panose="020B0604030504040204" pitchFamily="34" charset="0"/>
+                <a:ea typeface="Verdana" panose="020B0604030504040204" pitchFamily="34" charset="0"/>
+              </a:rPr>
+              <a:t>sure if the ideas used in ontological evaluation are right.</a:t>
+            </a:r>
+          </a:p>
+          <a:p>
+            <a:pPr marL="285750" indent="-285750">
+              <a:buFont typeface="Wingdings" panose="05000000000000000000" pitchFamily="2" charset="2"/>
+              <a:buChar char="§"/>
+            </a:pPr>
+            <a:r>
+              <a:rPr lang="en-US" dirty="0" smtClean="0">
+                <a:solidFill>
+                  <a:schemeClr val="tx1"/>
+                </a:solidFill>
+                <a:latin typeface="Verdana" panose="020B0604030504040204" pitchFamily="34" charset="0"/>
+                <a:ea typeface="Verdana" panose="020B0604030504040204" pitchFamily="34" charset="0"/>
+              </a:rPr>
+              <a:t>Might </a:t>
+            </a:r>
+            <a:r>
+              <a:rPr lang="en-US" dirty="0">
+                <a:solidFill>
+                  <a:schemeClr val="tx1"/>
+                </a:solidFill>
+                <a:latin typeface="Verdana" panose="020B0604030504040204" pitchFamily="34" charset="0"/>
+                <a:ea typeface="Verdana" panose="020B0604030504040204" pitchFamily="34" charset="0"/>
+              </a:rPr>
+              <a:t>not show how methods work in real life with laboratory </a:t>
+            </a:r>
+            <a:r>
+              <a:rPr lang="en-US" dirty="0" smtClean="0">
+                <a:solidFill>
+                  <a:schemeClr val="tx1"/>
+                </a:solidFill>
+                <a:latin typeface="Verdana" panose="020B0604030504040204" pitchFamily="34" charset="0"/>
+                <a:ea typeface="Verdana" panose="020B0604030504040204" pitchFamily="34" charset="0"/>
+              </a:rPr>
+              <a:t> experiments</a:t>
+            </a:r>
+            <a:r>
+              <a:rPr lang="en-US" dirty="0">
+                <a:solidFill>
+                  <a:schemeClr val="tx1"/>
+                </a:solidFill>
+                <a:latin typeface="Verdana" panose="020B0604030504040204" pitchFamily="34" charset="0"/>
+                <a:ea typeface="Verdana" panose="020B0604030504040204" pitchFamily="34" charset="0"/>
+              </a:rPr>
+              <a:t>.</a:t>
+            </a:r>
+          </a:p>
+          <a:p>
+            <a:pPr marL="285750" indent="-285750">
+              <a:buFont typeface="Wingdings" panose="05000000000000000000" pitchFamily="2" charset="2"/>
+              <a:buChar char="§"/>
+            </a:pPr>
+            <a:r>
+              <a:rPr lang="en-US" dirty="0" smtClean="0">
+                <a:solidFill>
+                  <a:schemeClr val="tx1"/>
+                </a:solidFill>
+                <a:latin typeface="Verdana" panose="020B0604030504040204" pitchFamily="34" charset="0"/>
+                <a:ea typeface="Verdana" panose="020B0604030504040204" pitchFamily="34" charset="0"/>
+              </a:rPr>
+              <a:t>Hard </a:t>
+            </a:r>
+            <a:r>
+              <a:rPr lang="en-US" dirty="0">
+                <a:solidFill>
+                  <a:schemeClr val="tx1"/>
+                </a:solidFill>
+                <a:latin typeface="Verdana" panose="020B0604030504040204" pitchFamily="34" charset="0"/>
+                <a:ea typeface="Verdana" panose="020B0604030504040204" pitchFamily="34" charset="0"/>
+              </a:rPr>
+              <a:t>to test methods in real situations with field experiments.</a:t>
+            </a:r>
+          </a:p>
+          <a:p>
+            <a:pPr marL="285750" indent="-285750">
+              <a:buFont typeface="Wingdings" panose="05000000000000000000" pitchFamily="2" charset="2"/>
+              <a:buChar char="§"/>
+            </a:pPr>
+            <a:r>
+              <a:rPr lang="en-US" dirty="0" smtClean="0">
+                <a:solidFill>
+                  <a:schemeClr val="tx1"/>
+                </a:solidFill>
+                <a:latin typeface="Verdana" panose="020B0604030504040204" pitchFamily="34" charset="0"/>
+                <a:ea typeface="Verdana" panose="020B0604030504040204" pitchFamily="34" charset="0"/>
+              </a:rPr>
+              <a:t>Personal </a:t>
+            </a:r>
+            <a:r>
+              <a:rPr lang="en-US" dirty="0">
+                <a:solidFill>
+                  <a:schemeClr val="tx1"/>
+                </a:solidFill>
+                <a:latin typeface="Verdana" panose="020B0604030504040204" pitchFamily="34" charset="0"/>
+                <a:ea typeface="Verdana" panose="020B0604030504040204" pitchFamily="34" charset="0"/>
+              </a:rPr>
+              <a:t>opinions can influence case studies.</a:t>
+            </a:r>
+          </a:p>
+          <a:p>
+            <a:pPr marL="285750" indent="-285750">
+              <a:buFont typeface="Wingdings" panose="05000000000000000000" pitchFamily="2" charset="2"/>
+              <a:buChar char="§"/>
+            </a:pPr>
+            <a:r>
+              <a:rPr lang="en-US" dirty="0" smtClean="0">
+                <a:solidFill>
+                  <a:schemeClr val="tx1"/>
+                </a:solidFill>
+                <a:latin typeface="Verdana" panose="020B0604030504040204" pitchFamily="34" charset="0"/>
+                <a:ea typeface="Verdana" panose="020B0604030504040204" pitchFamily="34" charset="0"/>
+              </a:rPr>
+              <a:t>People </a:t>
+            </a:r>
+            <a:r>
+              <a:rPr lang="en-US" dirty="0">
+                <a:solidFill>
+                  <a:schemeClr val="tx1"/>
+                </a:solidFill>
+                <a:latin typeface="Verdana" panose="020B0604030504040204" pitchFamily="34" charset="0"/>
+                <a:ea typeface="Verdana" panose="020B0604030504040204" pitchFamily="34" charset="0"/>
+              </a:rPr>
+              <a:t>doing action research might affect the results.</a:t>
+            </a:r>
+          </a:p>
+          <a:p>
+            <a:pPr marL="285750" indent="-285750">
+              <a:buFont typeface="Wingdings" panose="05000000000000000000" pitchFamily="2" charset="2"/>
+              <a:buChar char="§"/>
+            </a:pPr>
+            <a:r>
+              <a:rPr lang="en-US" dirty="0" smtClean="0">
+                <a:solidFill>
+                  <a:schemeClr val="tx1"/>
+                </a:solidFill>
+                <a:latin typeface="Verdana" panose="020B0604030504040204" pitchFamily="34" charset="0"/>
+                <a:ea typeface="Verdana" panose="020B0604030504040204" pitchFamily="34" charset="0"/>
+              </a:rPr>
+              <a:t>Might </a:t>
+            </a:r>
+            <a:r>
+              <a:rPr lang="en-US" dirty="0">
+                <a:solidFill>
+                  <a:schemeClr val="tx1"/>
+                </a:solidFill>
+                <a:latin typeface="Verdana" panose="020B0604030504040204" pitchFamily="34" charset="0"/>
+                <a:ea typeface="Verdana" panose="020B0604030504040204" pitchFamily="34" charset="0"/>
+              </a:rPr>
+              <a:t>change depending on who’s watching in verbal protocol analysis.</a:t>
+            </a:r>
+          </a:p>
+          <a:p>
+            <a:pPr marL="285750" indent="-285750">
+              <a:buFont typeface="Wingdings" panose="05000000000000000000" pitchFamily="2" charset="2"/>
+              <a:buChar char="§"/>
+            </a:pPr>
+            <a:r>
+              <a:rPr lang="en-US" dirty="0" smtClean="0">
+                <a:solidFill>
+                  <a:schemeClr val="tx1"/>
+                </a:solidFill>
+                <a:latin typeface="Verdana" panose="020B0604030504040204" pitchFamily="34" charset="0"/>
+                <a:ea typeface="Verdana" panose="020B0604030504040204" pitchFamily="34" charset="0"/>
+              </a:rPr>
+              <a:t>Comparing </a:t>
+            </a:r>
+            <a:r>
+              <a:rPr lang="en-US" dirty="0">
+                <a:solidFill>
+                  <a:schemeClr val="tx1"/>
+                </a:solidFill>
+                <a:latin typeface="Verdana" panose="020B0604030504040204" pitchFamily="34" charset="0"/>
+                <a:ea typeface="Verdana" panose="020B0604030504040204" pitchFamily="34" charset="0"/>
+              </a:rPr>
+              <a:t>methods might be biased because of who makes the list.</a:t>
+            </a:r>
+          </a:p>
+          <a:p>
+            <a:pPr marL="285750" indent="-285750">
+              <a:buFont typeface="Wingdings" panose="05000000000000000000" pitchFamily="2" charset="2"/>
+              <a:buChar char="§"/>
+            </a:pPr>
+            <a:r>
+              <a:rPr lang="en-US" dirty="0" smtClean="0">
+                <a:solidFill>
+                  <a:schemeClr val="tx1"/>
+                </a:solidFill>
+                <a:latin typeface="Verdana" panose="020B0604030504040204" pitchFamily="34" charset="0"/>
+                <a:ea typeface="Verdana" panose="020B0604030504040204" pitchFamily="34" charset="0"/>
+              </a:rPr>
+              <a:t>Cognitive </a:t>
+            </a:r>
+            <a:r>
+              <a:rPr lang="en-US" dirty="0">
+                <a:solidFill>
+                  <a:schemeClr val="tx1"/>
+                </a:solidFill>
+                <a:latin typeface="Verdana" panose="020B0604030504040204" pitchFamily="34" charset="0"/>
+                <a:ea typeface="Verdana" panose="020B0604030504040204" pitchFamily="34" charset="0"/>
+              </a:rPr>
+              <a:t>evaluation might not be good for </a:t>
+            </a:r>
+            <a:r>
+              <a:rPr lang="en-US" dirty="0" smtClean="0">
+                <a:solidFill>
+                  <a:schemeClr val="tx1"/>
+                </a:solidFill>
+                <a:latin typeface="Verdana" panose="020B0604030504040204" pitchFamily="34" charset="0"/>
+                <a:ea typeface="Verdana" panose="020B0604030504040204" pitchFamily="34" charset="0"/>
+              </a:rPr>
+              <a:t>evaluating</a:t>
+            </a:r>
+            <a:r>
+              <a:rPr lang="en-US" dirty="0" smtClean="0">
+                <a:solidFill>
+                  <a:schemeClr val="tx1"/>
+                </a:solidFill>
+                <a:latin typeface="Verdana" panose="020B0604030504040204" pitchFamily="34" charset="0"/>
+                <a:ea typeface="Verdana" panose="020B0604030504040204" pitchFamily="34" charset="0"/>
+              </a:rPr>
+              <a:t> </a:t>
+            </a:r>
+            <a:r>
+              <a:rPr lang="en-US" dirty="0">
+                <a:solidFill>
+                  <a:schemeClr val="tx1"/>
+                </a:solidFill>
+                <a:latin typeface="Verdana" panose="020B0604030504040204" pitchFamily="34" charset="0"/>
+                <a:ea typeface="Verdana" panose="020B0604030504040204" pitchFamily="34" charset="0"/>
+              </a:rPr>
+              <a:t>methods.</a:t>
+            </a:r>
           </a:p>
           <a:p>
             <a:r>
               <a:rPr lang="en-US" dirty="0">
+                <a:solidFill>
+                  <a:schemeClr val="tx1"/>
+                </a:solidFill>
                 <a:latin typeface="Verdana" panose="020B0604030504040204" pitchFamily="34" charset="0"/>
                 <a:ea typeface="Verdana" panose="020B0604030504040204" pitchFamily="34" charset="0"/>
-                <a:cs typeface="Tahoma" panose="020B0604030504040204" pitchFamily="34" charset="0"/>
               </a:rPr>
-              <a:t>The categorization of evaluation techniques into four quadrants may oversimplify the complex nature of evaluating methods.</a:t>
+              <a:t/>
             </a:r>
+            <a:br>
+              <a:rPr lang="en-US" dirty="0">
+                <a:solidFill>
+                  <a:schemeClr val="tx1"/>
+                </a:solidFill>
+                <a:latin typeface="Verdana" panose="020B0604030504040204" pitchFamily="34" charset="0"/>
+                <a:ea typeface="Verdana" panose="020B0604030504040204" pitchFamily="34" charset="0"/>
+              </a:rPr>
+            </a:br>
             <a:endParaRPr lang="en-US" dirty="0">
+              <a:solidFill>
+                <a:schemeClr val="tx1"/>
+              </a:solidFill>
               <a:latin typeface="Verdana" panose="020B0604030504040204" pitchFamily="34" charset="0"/>
               <a:ea typeface="Verdana" panose="020B0604030504040204" pitchFamily="34" charset="0"/>
-              <a:cs typeface="Tahoma" panose="020B0604030504040204" pitchFamily="34" charset="0"/>
-            </a:endParaRPr>
-          </a:p>
-          <a:p>
-            <a:r>
-              <a:rPr lang="en-US" dirty="0">
-                <a:latin typeface="Verdana" panose="020B0604030504040204" pitchFamily="34" charset="0"/>
-                <a:ea typeface="Verdana" panose="020B0604030504040204" pitchFamily="34" charset="0"/>
-                <a:cs typeface="Tahoma" panose="020B0604030504040204" pitchFamily="34" charset="0"/>
-              </a:rPr>
-              <a:t>The research gaps identified may not cover all possible limitations or challenges in evaluating systems analysis and design methods.</a:t>
-            </a:r>
-            <a:endParaRPr lang="en-US" dirty="0">
-              <a:latin typeface="Verdana" panose="020B0604030504040204" pitchFamily="34" charset="0"/>
-              <a:ea typeface="Verdana" panose="020B0604030504040204" pitchFamily="34" charset="0"/>
-              <a:cs typeface="Tahoma" panose="020B0604030504040204" pitchFamily="34" charset="0"/>
-            </a:endParaRPr>
-          </a:p>
-          <a:p>
-            <a:pPr marL="139700" indent="0">
-              <a:buNone/>
-            </a:pPr>
-            <a:endParaRPr lang="en-US" dirty="0">
-              <a:latin typeface="Verdana" panose="020B0604030504040204" pitchFamily="34" charset="0"/>
-              <a:ea typeface="Verdana" panose="020B0604030504040204" pitchFamily="34" charset="0"/>
-              <a:cs typeface="Tahoma" panose="020B0604030504040204" pitchFamily="34" charset="0"/>
             </a:endParaRPr>
           </a:p>
         </p:txBody>
@@ -32095,13 +32505,20 @@
     </p:spTree>
     <p:extLst>
       <p:ext uri="{BB962C8B-B14F-4D97-AF65-F5344CB8AC3E}">
-        <p14:creationId xmlns:p14="http://schemas.microsoft.com/office/powerpoint/2010/main" val="4398519"/>
+        <p14:creationId xmlns:p14="http://schemas.microsoft.com/office/powerpoint/2010/main" val="919159030"/>
       </p:ext>
     </p:extLst>
   </p:cSld>
   <p:clrMapOvr>
     <a:masterClrMapping/>
   </p:clrMapOvr>
+  <p:timing>
+    <p:tnLst>
+      <p:par>
+        <p:cTn id="1" dur="indefinite" restart="never" nodeType="tmRoot"/>
+      </p:par>
+    </p:tnLst>
+  </p:timing>
 </p:sld>
 </file>
 
@@ -32389,7 +32806,7 @@
         <p:spPr>
           <a:xfrm>
             <a:off x="7809595" y="4624832"/>
-            <a:ext cx="922047" cy="246221"/>
+            <a:ext cx="886781" cy="246221"/>
           </a:xfrm>
           <a:prstGeom prst="rect">
             <a:avLst/>
@@ -32406,17 +32823,8 @@
               <a:rPr lang="en-US" sz="1000" b="1" dirty="0">
                 <a:latin typeface="Montserrat Medium" panose="020B0604020202020204" charset="0"/>
               </a:rPr>
-              <a:t>Page No: </a:t>
+              <a:t>Page No: 11</a:t>
             </a:r>
-            <a:r>
-              <a:rPr lang="en-US" sz="1000" b="1" dirty="0" smtClean="0">
-                <a:latin typeface="Montserrat Medium" panose="020B0604020202020204" charset="0"/>
-              </a:rPr>
-              <a:t>11</a:t>
-            </a:r>
-            <a:endParaRPr lang="en-US" sz="1000" b="1" dirty="0">
-              <a:latin typeface="Montserrat Medium" panose="020B0604020202020204" charset="0"/>
-            </a:endParaRPr>
           </a:p>
         </p:txBody>
       </p:sp>
@@ -32695,9 +33103,24 @@
           <a:p>
             <a:pPr algn="ctr"/>
             <a:r>
-              <a:rPr lang="en-US" sz="2800" dirty="0"/>
-              <a:t>Conclusion</a:t>
+              <a:rPr lang="en-US" sz="2800" dirty="0">
+                <a:solidFill>
+                  <a:schemeClr val="tx1"/>
+                </a:solidFill>
+                <a:latin typeface="DM Sans" pitchFamily="2" charset="0"/>
+              </a:rPr>
+              <a:t>L</a:t>
             </a:r>
+            <a:r>
+              <a:rPr lang="en-US" sz="2800" b="1" dirty="0">
+                <a:solidFill>
+                  <a:schemeClr val="tx1"/>
+                </a:solidFill>
+                <a:latin typeface="DM Sans" pitchFamily="2" charset="0"/>
+              </a:rPr>
+              <a:t>imitations</a:t>
+            </a:r>
+            <a:endParaRPr lang="en-US" sz="2800" dirty="0"/>
           </a:p>
         </p:txBody>
       </p:sp>
@@ -32717,84 +33140,54 @@
           <a:lstStyle/>
           <a:p>
             <a:r>
-              <a:rPr lang="en-US" dirty="0" smtClean="0">
+              <a:rPr lang="en-US" dirty="0">
+                <a:solidFill>
+                  <a:schemeClr val="tx1"/>
+                </a:solidFill>
                 <a:latin typeface="Verdana" panose="020B0604030504040204" pitchFamily="34" charset="0"/>
                 <a:ea typeface="Verdana" panose="020B0604030504040204" pitchFamily="34" charset="0"/>
+                <a:cs typeface="Tahoma" panose="020B0604030504040204" pitchFamily="34" charset="0"/>
               </a:rPr>
-              <a:t>Shows importance </a:t>
-            </a:r>
-            <a:r>
-              <a:rPr lang="en-US" dirty="0">
-                <a:latin typeface="Verdana" panose="020B0604030504040204" pitchFamily="34" charset="0"/>
-                <a:ea typeface="Verdana" panose="020B0604030504040204" pitchFamily="34" charset="0"/>
-              </a:rPr>
-              <a:t>of using a combination of evaluation techniques for understanding systems analysis and design methods fully.</a:t>
+              <a:t>The paper mainly focuses on evaluating systems analysis and design methods, potentially overlooking other aspects of systems development.</a:t>
             </a:r>
           </a:p>
           <a:p>
             <a:r>
-              <a:rPr lang="en-US" dirty="0" smtClean="0">
+              <a:rPr lang="en-US" dirty="0">
+                <a:solidFill>
+                  <a:schemeClr val="tx1"/>
+                </a:solidFill>
                 <a:latin typeface="Verdana" panose="020B0604030504040204" pitchFamily="34" charset="0"/>
                 <a:ea typeface="Verdana" panose="020B0604030504040204" pitchFamily="34" charset="0"/>
+                <a:cs typeface="Tahoma" panose="020B0604030504040204" pitchFamily="34" charset="0"/>
               </a:rPr>
-              <a:t>Highlights </a:t>
-            </a:r>
-            <a:r>
-              <a:rPr lang="en-US" dirty="0">
-                <a:latin typeface="Verdana" panose="020B0604030504040204" pitchFamily="34" charset="0"/>
-                <a:ea typeface="Verdana" panose="020B0604030504040204" pitchFamily="34" charset="0"/>
-              </a:rPr>
-              <a:t>the importance of evaluating methods both in theory and in real-world situations to see how well they work and how people use them</a:t>
-            </a:r>
-            <a:r>
-              <a:rPr lang="en-US" dirty="0" smtClean="0">
-                <a:latin typeface="Verdana" panose="020B0604030504040204" pitchFamily="34" charset="0"/>
-                <a:ea typeface="Verdana" panose="020B0604030504040204" pitchFamily="34" charset="0"/>
-              </a:rPr>
-              <a:t>.</a:t>
+              <a:t>The categorization of evaluation techniques into four quadrants may oversimplify the complex nature of evaluating methods.</a:t>
             </a:r>
           </a:p>
           <a:p>
             <a:r>
-              <a:rPr lang="en-US" dirty="0" smtClean="0">
+              <a:rPr lang="en-US" dirty="0">
+                <a:solidFill>
+                  <a:schemeClr val="tx1"/>
+                </a:solidFill>
                 <a:latin typeface="Verdana" panose="020B0604030504040204" pitchFamily="34" charset="0"/>
                 <a:ea typeface="Verdana" panose="020B0604030504040204" pitchFamily="34" charset="0"/>
+                <a:cs typeface="Tahoma" panose="020B0604030504040204" pitchFamily="34" charset="0"/>
               </a:rPr>
-              <a:t>Encourages </a:t>
-            </a:r>
-            <a:r>
-              <a:rPr lang="en-US" dirty="0">
-                <a:latin typeface="Verdana" panose="020B0604030504040204" pitchFamily="34" charset="0"/>
-                <a:ea typeface="Verdana" panose="020B0604030504040204" pitchFamily="34" charset="0"/>
-              </a:rPr>
-              <a:t>developers to use what we already know and the theories we have to make their methods better</a:t>
-            </a:r>
-            <a:r>
-              <a:rPr lang="en-US" dirty="0" smtClean="0">
-                <a:latin typeface="Verdana" panose="020B0604030504040204" pitchFamily="34" charset="0"/>
-                <a:ea typeface="Verdana" panose="020B0604030504040204" pitchFamily="34" charset="0"/>
-              </a:rPr>
-              <a:t>.</a:t>
+              <a:t>The research gaps identified may not cover all possible limitations or challenges in evaluating systems analysis and design methods.</a:t>
             </a:r>
           </a:p>
           <a:p>
-            <a:r>
-              <a:rPr lang="en-US" dirty="0" smtClean="0">
-                <a:latin typeface="Verdana" panose="020B0604030504040204" pitchFamily="34" charset="0"/>
-                <a:ea typeface="Verdana" panose="020B0604030504040204" pitchFamily="34" charset="0"/>
-              </a:rPr>
-              <a:t>Highlights </a:t>
-            </a:r>
-            <a:r>
-              <a:rPr lang="en-US" dirty="0">
-                <a:latin typeface="Verdana" panose="020B0604030504040204" pitchFamily="34" charset="0"/>
-                <a:ea typeface="Verdana" panose="020B0604030504040204" pitchFamily="34" charset="0"/>
-              </a:rPr>
-              <a:t>the importance of looking at methods from different angles to improve both academic research and real-world applications in building systems.</a:t>
-            </a:r>
+            <a:pPr marL="139700" indent="0">
+              <a:buNone/>
+            </a:pPr>
             <a:endParaRPr lang="en-US" dirty="0">
+              <a:solidFill>
+                <a:schemeClr val="tx1"/>
+              </a:solidFill>
               <a:latin typeface="Verdana" panose="020B0604030504040204" pitchFamily="34" charset="0"/>
               <a:ea typeface="Verdana" panose="020B0604030504040204" pitchFamily="34" charset="0"/>
+              <a:cs typeface="Tahoma" panose="020B0604030504040204" pitchFamily="34" charset="0"/>
             </a:endParaRPr>
           </a:p>
         </p:txBody>
@@ -32802,13 +33195,20 @@
     </p:spTree>
     <p:extLst>
       <p:ext uri="{BB962C8B-B14F-4D97-AF65-F5344CB8AC3E}">
-        <p14:creationId xmlns:p14="http://schemas.microsoft.com/office/powerpoint/2010/main" val="3767488082"/>
+        <p14:creationId xmlns:p14="http://schemas.microsoft.com/office/powerpoint/2010/main" val="4398519"/>
       </p:ext>
     </p:extLst>
   </p:cSld>
   <p:clrMapOvr>
     <a:masterClrMapping/>
   </p:clrMapOvr>
+  <p:timing>
+    <p:tnLst>
+      <p:par>
+        <p:cTn id="1" dur="indefinite" restart="never" nodeType="tmRoot"/>
+      </p:par>
+    </p:tnLst>
+  </p:timing>
 </p:sld>
 </file>
 
@@ -33096,7 +33496,7 @@
         <p:spPr>
           <a:xfrm>
             <a:off x="7809595" y="4624832"/>
-            <a:ext cx="947695" cy="246221"/>
+            <a:ext cx="912429" cy="246221"/>
           </a:xfrm>
           <a:prstGeom prst="rect">
             <a:avLst/>
@@ -33113,17 +33513,8 @@
               <a:rPr lang="en-US" sz="1000" b="1" dirty="0">
                 <a:latin typeface="Montserrat Medium" panose="020B0604020202020204" charset="0"/>
               </a:rPr>
-              <a:t>Page No: </a:t>
+              <a:t>Page No: 12</a:t>
             </a:r>
-            <a:r>
-              <a:rPr lang="en-US" sz="1000" b="1" dirty="0" smtClean="0">
-                <a:latin typeface="Montserrat Medium" panose="020B0604020202020204" charset="0"/>
-              </a:rPr>
-              <a:t>12</a:t>
-            </a:r>
-            <a:endParaRPr lang="en-US" sz="1000" b="1" dirty="0">
-              <a:latin typeface="Montserrat Medium" panose="020B0604020202020204" charset="0"/>
-            </a:endParaRPr>
           </a:p>
         </p:txBody>
       </p:sp>
@@ -33403,66 +33794,92 @@
             <a:pPr algn="ctr"/>
             <a:r>
               <a:rPr lang="en-US" sz="2800" dirty="0"/>
-              <a:t>References</a:t>
+              <a:t>Conclusion</a:t>
             </a:r>
           </a:p>
         </p:txBody>
       </p:sp>
       <p:sp>
         <p:nvSpPr>
-          <p:cNvPr id="5" name="TextBox 4"/>
-          <p:cNvSpPr txBox="1"/>
-          <p:nvPr/>
+          <p:cNvPr id="4" name="Text Placeholder 3"/>
+          <p:cNvSpPr>
+            <a:spLocks noGrp="1"/>
+          </p:cNvSpPr>
+          <p:nvPr>
+            <p:ph type="body" idx="1"/>
+          </p:nvPr>
         </p:nvSpPr>
-        <p:spPr>
-          <a:xfrm>
-            <a:off x="1272209" y="1136780"/>
-            <a:ext cx="6770994" cy="738664"/>
-          </a:xfrm>
-          <a:prstGeom prst="rect">
-            <a:avLst/>
-          </a:prstGeom>
-          <a:noFill/>
-        </p:spPr>
+        <p:spPr/>
         <p:txBody>
-          <a:bodyPr wrap="square" rtlCol="0">
-            <a:spAutoFit/>
-          </a:bodyPr>
+          <a:bodyPr/>
           <a:lstStyle/>
           <a:p>
             <a:r>
-              <a:rPr lang="en-US" dirty="0" err="1"/>
-              <a:t>Siau</a:t>
+              <a:rPr lang="en-US" dirty="0">
+                <a:solidFill>
+                  <a:schemeClr val="tx1"/>
+                </a:solidFill>
+                <a:latin typeface="Verdana" panose="020B0604030504040204" pitchFamily="34" charset="0"/>
+                <a:ea typeface="Verdana" panose="020B0604030504040204" pitchFamily="34" charset="0"/>
+              </a:rPr>
+              <a:t>Shows importance of using a combination of evaluation techniques for understanding systems analysis and design methods fully.</a:t>
             </a:r>
+          </a:p>
+          <a:p>
             <a:r>
-              <a:rPr lang="en-US" dirty="0"/>
-              <a:t>, K., &amp; Rossi, M. (2011). Evaluation techniques for systems analysis and design modelling methods - a review and comparative analysis. </a:t>
+              <a:rPr lang="en-US" dirty="0">
+                <a:solidFill>
+                  <a:schemeClr val="tx1"/>
+                </a:solidFill>
+                <a:latin typeface="Verdana" panose="020B0604030504040204" pitchFamily="34" charset="0"/>
+                <a:ea typeface="Verdana" panose="020B0604030504040204" pitchFamily="34" charset="0"/>
+              </a:rPr>
+              <a:t>Highlights the importance of evaluating methods both in theory and in real-world situations to see how well they work and how people use them.</a:t>
             </a:r>
+          </a:p>
+          <a:p>
             <a:r>
-              <a:rPr lang="en-US" i="1" dirty="0"/>
-              <a:t>Information Systems Journal, 21</a:t>
+              <a:rPr lang="en-US" dirty="0">
+                <a:solidFill>
+                  <a:schemeClr val="tx1"/>
+                </a:solidFill>
+                <a:latin typeface="Verdana" panose="020B0604030504040204" pitchFamily="34" charset="0"/>
+                <a:ea typeface="Verdana" panose="020B0604030504040204" pitchFamily="34" charset="0"/>
+              </a:rPr>
+              <a:t>Encourages developers to use what we already know and the theories we have to make their methods better.</a:t>
             </a:r>
+          </a:p>
+          <a:p>
             <a:r>
-              <a:rPr lang="en-US" dirty="0"/>
-              <a:t>(3), 249–268. doi:10.1111/j.1365-2575.2007.00255.x</a:t>
+              <a:rPr lang="en-US" dirty="0">
+                <a:solidFill>
+                  <a:schemeClr val="tx1"/>
+                </a:solidFill>
+                <a:latin typeface="Verdana" panose="020B0604030504040204" pitchFamily="34" charset="0"/>
+                <a:ea typeface="Verdana" panose="020B0604030504040204" pitchFamily="34" charset="0"/>
+              </a:rPr>
+              <a:t>Highlights the importance of looking at methods from different angles to improve both academic research and real-world applications in building systems.</a:t>
             </a:r>
-            <a:endParaRPr lang="en-US" sz="1200" dirty="0">
-              <a:latin typeface="Verdana" panose="020B0604030504040204" pitchFamily="34" charset="0"/>
-              <a:ea typeface="Verdana" panose="020B0604030504040204" pitchFamily="34" charset="0"/>
-            </a:endParaRPr>
           </a:p>
         </p:txBody>
       </p:sp>
     </p:spTree>
     <p:extLst>
       <p:ext uri="{BB962C8B-B14F-4D97-AF65-F5344CB8AC3E}">
-        <p14:creationId xmlns:p14="http://schemas.microsoft.com/office/powerpoint/2010/main" val="173518021"/>
+        <p14:creationId xmlns:p14="http://schemas.microsoft.com/office/powerpoint/2010/main" val="3767488082"/>
       </p:ext>
     </p:extLst>
   </p:cSld>
   <p:clrMapOvr>
     <a:masterClrMapping/>
   </p:clrMapOvr>
+  <p:timing>
+    <p:tnLst>
+      <p:par>
+        <p:cTn id="1" dur="indefinite" restart="never" nodeType="tmRoot"/>
+      </p:par>
+    </p:tnLst>
+  </p:timing>
 </p:sld>
 </file>
 
@@ -33750,7 +34167,7 @@
         <p:spPr>
           <a:xfrm>
             <a:off x="7809595" y="4624832"/>
-            <a:ext cx="947695" cy="246221"/>
+            <a:ext cx="912429" cy="246221"/>
           </a:xfrm>
           <a:prstGeom prst="rect">
             <a:avLst/>
@@ -33767,17 +34184,8 @@
               <a:rPr lang="en-US" sz="1000" b="1" dirty="0">
                 <a:latin typeface="Montserrat Medium" panose="020B0604020202020204" charset="0"/>
               </a:rPr>
-              <a:t>Page No: </a:t>
+              <a:t>Page No: 13</a:t>
             </a:r>
-            <a:r>
-              <a:rPr lang="en-US" sz="1000" b="1" dirty="0" smtClean="0">
-                <a:latin typeface="Montserrat Medium" panose="020B0604020202020204" charset="0"/>
-              </a:rPr>
-              <a:t>13</a:t>
-            </a:r>
-            <a:endParaRPr lang="en-US" sz="1000" b="1" dirty="0">
-              <a:latin typeface="Montserrat Medium" panose="020B0604020202020204" charset="0"/>
-            </a:endParaRPr>
           </a:p>
         </p:txBody>
       </p:sp>
@@ -33791,7 +34199,7 @@
         </p:nvSpPr>
         <p:spPr>
           <a:xfrm>
-            <a:off x="333280" y="1822831"/>
+            <a:off x="452550" y="411475"/>
             <a:ext cx="8238900" cy="561600"/>
           </a:xfrm>
           <a:prstGeom prst="rect">
@@ -34057,25 +34465,77 @@
             <a:pPr algn="ctr"/>
             <a:r>
               <a:rPr lang="en-US" sz="2800" dirty="0"/>
-              <a:t>Thanks </a:t>
+              <a:t>References</a:t>
             </a:r>
+          </a:p>
+        </p:txBody>
+      </p:sp>
+      <p:sp>
+        <p:nvSpPr>
+          <p:cNvPr id="5" name="TextBox 4"/>
+          <p:cNvSpPr txBox="1"/>
+          <p:nvPr/>
+        </p:nvSpPr>
+        <p:spPr>
+          <a:xfrm>
+            <a:off x="1272209" y="1136780"/>
+            <a:ext cx="6770994" cy="738664"/>
+          </a:xfrm>
+          <a:prstGeom prst="rect">
+            <a:avLst/>
+          </a:prstGeom>
+          <a:noFill/>
+        </p:spPr>
+        <p:txBody>
+          <a:bodyPr wrap="square" rtlCol="0">
+            <a:spAutoFit/>
+          </a:bodyPr>
+          <a:lstStyle/>
+          <a:p>
+            <a:r>
+              <a:rPr lang="en-US" dirty="0" err="1"/>
+              <a:t>Siau</a:t>
+            </a:r>
+            <a:r>
+              <a:rPr lang="en-US" dirty="0"/>
+              <a:t>, K., &amp; Rossi, M. (2011). Evaluation techniques for systems analysis and design modelling methods - a review and comparative analysis. </a:t>
+            </a:r>
+            <a:r>
+              <a:rPr lang="en-US" i="1" dirty="0"/>
+              <a:t>Information Systems Journal, 21</a:t>
+            </a:r>
+            <a:r>
+              <a:rPr lang="en-US" dirty="0"/>
+              <a:t>(3), 249–268. doi:10.1111/j.1365-2575.2007.00255.x</a:t>
+            </a:r>
+            <a:endParaRPr lang="en-US" sz="1200" dirty="0">
+              <a:latin typeface="Verdana" panose="020B0604030504040204" pitchFamily="34" charset="0"/>
+              <a:ea typeface="Verdana" panose="020B0604030504040204" pitchFamily="34" charset="0"/>
+            </a:endParaRPr>
           </a:p>
         </p:txBody>
       </p:sp>
     </p:spTree>
     <p:extLst>
       <p:ext uri="{BB962C8B-B14F-4D97-AF65-F5344CB8AC3E}">
-        <p14:creationId xmlns:p14="http://schemas.microsoft.com/office/powerpoint/2010/main" val="3362990682"/>
+        <p14:creationId xmlns:p14="http://schemas.microsoft.com/office/powerpoint/2010/main" val="173518021"/>
       </p:ext>
     </p:extLst>
   </p:cSld>
   <p:clrMapOvr>
     <a:masterClrMapping/>
   </p:clrMapOvr>
+  <p:timing>
+    <p:tnLst>
+      <p:par>
+        <p:cTn id="1" dur="indefinite" restart="never" nodeType="tmRoot"/>
+      </p:par>
+    </p:tnLst>
+  </p:timing>
 </p:sld>
 </file>
 
-<file path=ppt/slides/slide2.xml><?xml version="1.0" encoding="utf-8"?>
+<file path=ppt/slides/slide14.xml><?xml version="1.0" encoding="utf-8"?>
 <p:sld xmlns:a="http://schemas.openxmlformats.org/drawingml/2006/main" xmlns:r="http://schemas.openxmlformats.org/officeDocument/2006/relationships" xmlns:p="http://schemas.openxmlformats.org/presentationml/2006/main">
   <p:cSld>
     <p:spTree>
@@ -34359,7 +34819,7 @@
         <p:spPr>
           <a:xfrm>
             <a:off x="7809595" y="4624832"/>
-            <a:ext cx="984565" cy="246221"/>
+            <a:ext cx="925253" cy="246221"/>
           </a:xfrm>
           <a:prstGeom prst="rect">
             <a:avLst/>
@@ -34376,7 +34836,7 @@
               <a:rPr lang="en-US" sz="1000" b="1" dirty="0">
                 <a:latin typeface="Montserrat Medium" panose="020B0604020202020204" charset="0"/>
               </a:rPr>
-              <a:t>Page No: 02</a:t>
+              <a:t>Page No: 14</a:t>
             </a:r>
           </a:p>
         </p:txBody>
@@ -34391,7 +34851,7 @@
         </p:nvSpPr>
         <p:spPr>
           <a:xfrm>
-            <a:off x="452550" y="411475"/>
+            <a:off x="333280" y="1822831"/>
             <a:ext cx="8238900" cy="561600"/>
           </a:xfrm>
           <a:prstGeom prst="rect">
@@ -34656,104 +35116,33 @@
           <a:p>
             <a:pPr algn="ctr"/>
             <a:r>
-              <a:rPr lang="en-US" sz="2800" dirty="0" smtClean="0">
-                <a:solidFill>
-                  <a:srgbClr val="3F3F3F"/>
-                </a:solidFill>
-                <a:latin typeface="DM Sans" pitchFamily="2" charset="0"/>
-                <a:sym typeface="Arial Black"/>
-              </a:rPr>
-              <a:t>Title</a:t>
+              <a:rPr lang="en-US" sz="2800" dirty="0"/>
+              <a:t>Thanks </a:t>
             </a:r>
-            <a:endParaRPr lang="en-US" sz="2800" dirty="0"/>
-          </a:p>
-        </p:txBody>
-      </p:sp>
-      <p:sp>
-        <p:nvSpPr>
-          <p:cNvPr id="5" name="TextBox 4"/>
-          <p:cNvSpPr txBox="1"/>
-          <p:nvPr/>
-        </p:nvSpPr>
-        <p:spPr>
-          <a:xfrm>
-            <a:off x="1252039" y="1904696"/>
-            <a:ext cx="6770994" cy="1200329"/>
-          </a:xfrm>
-          <a:prstGeom prst="rect">
-            <a:avLst/>
-          </a:prstGeom>
-          <a:noFill/>
-        </p:spPr>
-        <p:txBody>
-          <a:bodyPr wrap="square" rtlCol="0">
-            <a:spAutoFit/>
-          </a:bodyPr>
-          <a:lstStyle/>
-          <a:p>
-            <a:pPr algn="ctr"/>
-            <a:r>
-              <a:rPr lang="en-US" sz="1800" dirty="0">
-                <a:latin typeface="Verdana" panose="020B0604030504040204" pitchFamily="34" charset="0"/>
-                <a:ea typeface="Verdana" panose="020B0604030504040204" pitchFamily="34" charset="0"/>
-              </a:rPr>
-              <a:t>Evaluation techniques for systems analysis and design modelling methods – a </a:t>
-            </a:r>
-            <a:r>
-              <a:rPr lang="en-US" sz="1800" dirty="0" smtClean="0">
-                <a:latin typeface="Verdana" panose="020B0604030504040204" pitchFamily="34" charset="0"/>
-                <a:ea typeface="Verdana" panose="020B0604030504040204" pitchFamily="34" charset="0"/>
-              </a:rPr>
-              <a:t>review and </a:t>
-            </a:r>
-            <a:r>
-              <a:rPr lang="en-US" sz="1800" dirty="0">
-                <a:latin typeface="Verdana" panose="020B0604030504040204" pitchFamily="34" charset="0"/>
-                <a:ea typeface="Verdana" panose="020B0604030504040204" pitchFamily="34" charset="0"/>
-              </a:rPr>
-              <a:t>comparative analysis</a:t>
-            </a:r>
-            <a:endParaRPr lang="en-US" sz="1800" dirty="0">
-              <a:latin typeface="Verdana" panose="020B0604030504040204" pitchFamily="34" charset="0"/>
-              <a:ea typeface="Verdana" panose="020B0604030504040204" pitchFamily="34" charset="0"/>
-            </a:endParaRPr>
-          </a:p>
-          <a:p>
-            <a:pPr algn="ctr"/>
-            <a:r>
-              <a:rPr lang="en-US" sz="1800" dirty="0">
-                <a:latin typeface="Verdana" panose="020B0604030504040204" pitchFamily="34" charset="0"/>
-                <a:ea typeface="Verdana" panose="020B0604030504040204" pitchFamily="34" charset="0"/>
-              </a:rPr>
-              <a:t/>
-            </a:r>
-            <a:br>
-              <a:rPr lang="en-US" sz="1800" dirty="0">
-                <a:latin typeface="Verdana" panose="020B0604030504040204" pitchFamily="34" charset="0"/>
-                <a:ea typeface="Verdana" panose="020B0604030504040204" pitchFamily="34" charset="0"/>
-              </a:rPr>
-            </a:br>
-            <a:endParaRPr lang="en-US" sz="1800" dirty="0">
-              <a:latin typeface="Verdana" panose="020B0604030504040204" pitchFamily="34" charset="0"/>
-              <a:ea typeface="Verdana" panose="020B0604030504040204" pitchFamily="34" charset="0"/>
-            </a:endParaRPr>
           </a:p>
         </p:txBody>
       </p:sp>
     </p:spTree>
     <p:extLst>
       <p:ext uri="{BB962C8B-B14F-4D97-AF65-F5344CB8AC3E}">
-        <p14:creationId xmlns:p14="http://schemas.microsoft.com/office/powerpoint/2010/main" val="1165225596"/>
+        <p14:creationId xmlns:p14="http://schemas.microsoft.com/office/powerpoint/2010/main" val="3362990682"/>
       </p:ext>
     </p:extLst>
   </p:cSld>
   <p:clrMapOvr>
     <a:masterClrMapping/>
   </p:clrMapOvr>
+  <p:timing>
+    <p:tnLst>
+      <p:par>
+        <p:cTn id="1" dur="indefinite" restart="never" nodeType="tmRoot"/>
+      </p:par>
+    </p:tnLst>
+  </p:timing>
 </p:sld>
 </file>
 
-<file path=ppt/slides/slide3.xml><?xml version="1.0" encoding="utf-8"?>
+<file path=ppt/slides/slide2.xml><?xml version="1.0" encoding="utf-8"?>
 <p:sld xmlns:a="http://schemas.openxmlformats.org/drawingml/2006/main" xmlns:r="http://schemas.openxmlformats.org/officeDocument/2006/relationships" xmlns:p="http://schemas.openxmlformats.org/presentationml/2006/main">
   <p:cSld>
     <p:spTree>
@@ -35054,17 +35443,8 @@
               <a:rPr lang="en-US" sz="1000" b="1" dirty="0">
                 <a:latin typeface="Montserrat Medium" panose="020B0604020202020204" charset="0"/>
               </a:rPr>
-              <a:t>Page No: </a:t>
+              <a:t>Page No: 02</a:t>
             </a:r>
-            <a:r>
-              <a:rPr lang="en-US" sz="1000" b="1" dirty="0" smtClean="0">
-                <a:latin typeface="Montserrat Medium" panose="020B0604020202020204" charset="0"/>
-              </a:rPr>
-              <a:t>03</a:t>
-            </a:r>
-            <a:endParaRPr lang="en-US" sz="1000" b="1" dirty="0">
-              <a:latin typeface="Montserrat Medium" panose="020B0604020202020204" charset="0"/>
-            </a:endParaRPr>
           </a:p>
         </p:txBody>
       </p:sp>
@@ -35343,16 +35723,14 @@
           <a:p>
             <a:pPr algn="ctr"/>
             <a:r>
-              <a:rPr lang="en-US" sz="2800" b="1" dirty="0">
+              <a:rPr lang="en-US" sz="2800" dirty="0">
                 <a:solidFill>
                   <a:srgbClr val="3F3F3F"/>
                 </a:solidFill>
                 <a:latin typeface="DM Sans" pitchFamily="2" charset="0"/>
-                <a:ea typeface="Arial Black"/>
-                <a:cs typeface="Arial Black"/>
                 <a:sym typeface="Arial Black"/>
               </a:rPr>
-              <a:t>Introduction</a:t>
+              <a:t>Title</a:t>
             </a:r>
             <a:endParaRPr lang="en-US" sz="2800" dirty="0"/>
           </a:p>
@@ -35360,7 +35738,7 @@
       </p:sp>
       <p:sp>
         <p:nvSpPr>
-          <p:cNvPr id="4" name="Text Placeholder 3"/>
+          <p:cNvPr id="9" name="Text Placeholder 8"/>
           <p:cNvSpPr>
             <a:spLocks noGrp="1"/>
           </p:cNvSpPr>
@@ -35368,26 +35746,36 @@
             <p:ph type="body" idx="1"/>
           </p:nvPr>
         </p:nvSpPr>
-        <p:spPr/>
+        <p:spPr>
+          <a:xfrm>
+            <a:off x="720000" y="1632171"/>
+            <a:ext cx="7704000" cy="1839031"/>
+          </a:xfrm>
+        </p:spPr>
         <p:txBody>
           <a:bodyPr/>
           <a:lstStyle/>
           <a:p>
-            <a:pPr marL="139700" indent="0">
+            <a:pPr marL="139700" indent="0" algn="ctr">
               <a:buNone/>
             </a:pPr>
             <a:r>
-              <a:rPr lang="en-US" dirty="0">
+              <a:rPr lang="en-US" sz="1800" dirty="0">
+                <a:solidFill>
+                  <a:schemeClr val="tx1"/>
+                </a:solidFill>
                 <a:latin typeface="Verdana" panose="020B0604030504040204" pitchFamily="34" charset="0"/>
                 <a:ea typeface="Verdana" panose="020B0604030504040204" pitchFamily="34" charset="0"/>
               </a:rPr>
-              <a:t>The paper talks about how to evaluate if systems analysis and design methods work well. It says we need to understand the thinking behind different ways of judging them. Also, it says we should both think about methods and test them in real situations.</a:t>
+              <a:t>Evaluation techniques for systems analysis and design modelling methods – a review and comparative analysis</a:t>
             </a:r>
           </a:p>
           <a:p>
-            <a:endParaRPr lang="en-US" dirty="0">
-              <a:latin typeface="Verdana" panose="020B0604030504040204" pitchFamily="34" charset="0"/>
-              <a:ea typeface="Verdana" panose="020B0604030504040204" pitchFamily="34" charset="0"/>
+            <a:pPr algn="ctr"/>
+            <a:endParaRPr lang="en-US" sz="1800" dirty="0">
+              <a:solidFill>
+                <a:schemeClr val="tx1"/>
+              </a:solidFill>
             </a:endParaRPr>
           </a:p>
         </p:txBody>
@@ -35395,17 +35783,24 @@
     </p:spTree>
     <p:extLst>
       <p:ext uri="{BB962C8B-B14F-4D97-AF65-F5344CB8AC3E}">
-        <p14:creationId xmlns:p14="http://schemas.microsoft.com/office/powerpoint/2010/main" val="2691306538"/>
+        <p14:creationId xmlns:p14="http://schemas.microsoft.com/office/powerpoint/2010/main" val="1165225596"/>
       </p:ext>
     </p:extLst>
   </p:cSld>
   <p:clrMapOvr>
     <a:masterClrMapping/>
   </p:clrMapOvr>
+  <p:timing>
+    <p:tnLst>
+      <p:par>
+        <p:cTn id="1" dur="indefinite" restart="never" nodeType="tmRoot"/>
+      </p:par>
+    </p:tnLst>
+  </p:timing>
 </p:sld>
 </file>
 
-<file path=ppt/slides/slide4.xml><?xml version="1.0" encoding="utf-8"?>
+<file path=ppt/slides/slide3.xml><?xml version="1.0" encoding="utf-8"?>
 <p:sld xmlns:a="http://schemas.openxmlformats.org/drawingml/2006/main" xmlns:r="http://schemas.openxmlformats.org/officeDocument/2006/relationships" xmlns:p="http://schemas.openxmlformats.org/presentationml/2006/main">
   <p:cSld>
     <p:spTree>
@@ -35689,7 +36084,7 @@
         <p:spPr>
           <a:xfrm>
             <a:off x="7809595" y="4624832"/>
-            <a:ext cx="997389" cy="246221"/>
+            <a:ext cx="984565" cy="246221"/>
           </a:xfrm>
           <a:prstGeom prst="rect">
             <a:avLst/>
@@ -35706,17 +36101,8 @@
               <a:rPr lang="en-US" sz="1000" b="1" dirty="0">
                 <a:latin typeface="Montserrat Medium" panose="020B0604020202020204" charset="0"/>
               </a:rPr>
-              <a:t>Page No: </a:t>
+              <a:t>Page No: 03</a:t>
             </a:r>
-            <a:r>
-              <a:rPr lang="en-US" sz="1000" b="1" dirty="0" smtClean="0">
-                <a:latin typeface="Montserrat Medium" panose="020B0604020202020204" charset="0"/>
-              </a:rPr>
-              <a:t>04</a:t>
-            </a:r>
-            <a:endParaRPr lang="en-US" sz="1000" b="1" dirty="0">
-              <a:latin typeface="Montserrat Medium" panose="020B0604020202020204" charset="0"/>
-            </a:endParaRPr>
           </a:p>
         </p:txBody>
       </p:sp>
@@ -35995,8 +36381,16 @@
           <a:p>
             <a:pPr algn="ctr"/>
             <a:r>
-              <a:rPr lang="en-US" sz="2800" dirty="0" smtClean="0"/>
-              <a:t>Literature Review</a:t>
+              <a:rPr lang="en-US" sz="2800" b="1" dirty="0">
+                <a:solidFill>
+                  <a:srgbClr val="3F3F3F"/>
+                </a:solidFill>
+                <a:latin typeface="DM Sans" pitchFamily="2" charset="0"/>
+                <a:ea typeface="Arial Black"/>
+                <a:cs typeface="Arial Black"/>
+                <a:sym typeface="Arial Black"/>
+              </a:rPr>
+              <a:t>Introduction</a:t>
             </a:r>
             <a:endParaRPr lang="en-US" sz="2800" dirty="0"/>
           </a:p>
@@ -36017,99 +36411,82 @@
           <a:bodyPr/>
           <a:lstStyle/>
           <a:p>
+            <a:pPr marL="139700" indent="0">
+              <a:buNone/>
+            </a:pPr>
             <a:r>
               <a:rPr lang="en-US" dirty="0">
+                <a:solidFill>
+                  <a:schemeClr val="tx1"/>
+                </a:solidFill>
                 <a:latin typeface="Verdana" panose="020B0604030504040204" pitchFamily="34" charset="0"/>
                 <a:ea typeface="Verdana" panose="020B0604030504040204" pitchFamily="34" charset="0"/>
               </a:rPr>
-              <a:t>Avison &amp; Fitzgerald (1995): Explored ontology and epistemology in methodology.</a:t>
+              <a:t>The paper talks about how to evaluate if systems analysis and design methods work well. It says we need to understand the thinking behind different ways of </a:t>
+            </a:r>
+            <a:r>
+              <a:rPr lang="en-US" dirty="0" smtClean="0">
+                <a:solidFill>
+                  <a:schemeClr val="tx1"/>
+                </a:solidFill>
+                <a:latin typeface="Verdana" panose="020B0604030504040204" pitchFamily="34" charset="0"/>
+                <a:ea typeface="Verdana" panose="020B0604030504040204" pitchFamily="34" charset="0"/>
+              </a:rPr>
+              <a:t>evaluat</a:t>
+            </a:r>
+            <a:r>
+              <a:rPr lang="en-US" dirty="0" smtClean="0">
+                <a:solidFill>
+                  <a:schemeClr val="tx1"/>
+                </a:solidFill>
+                <a:latin typeface="Verdana" panose="020B0604030504040204" pitchFamily="34" charset="0"/>
+                <a:ea typeface="Verdana" panose="020B0604030504040204" pitchFamily="34" charset="0"/>
+              </a:rPr>
+              <a:t>ing </a:t>
+            </a:r>
+            <a:r>
+              <a:rPr lang="en-US" dirty="0">
+                <a:solidFill>
+                  <a:schemeClr val="tx1"/>
+                </a:solidFill>
+                <a:latin typeface="Verdana" panose="020B0604030504040204" pitchFamily="34" charset="0"/>
+                <a:ea typeface="Verdana" panose="020B0604030504040204" pitchFamily="34" charset="0"/>
+              </a:rPr>
+              <a:t>them. Also, it says we should both think about methods and test them in real situations.</a:t>
             </a:r>
           </a:p>
           <a:p>
-            <a:r>
-              <a:rPr lang="en-US" dirty="0">
-                <a:latin typeface="Verdana" panose="020B0604030504040204" pitchFamily="34" charset="0"/>
-                <a:ea typeface="Verdana" panose="020B0604030504040204" pitchFamily="34" charset="0"/>
-              </a:rPr>
-              <a:t>Wand &amp; Weber (1990; 1993; 2004): Contributed to </a:t>
-            </a:r>
-            <a:r>
-              <a:rPr lang="en-US" dirty="0" err="1">
-                <a:latin typeface="Verdana" panose="020B0604030504040204" pitchFamily="34" charset="0"/>
-                <a:ea typeface="Verdana" panose="020B0604030504040204" pitchFamily="34" charset="0"/>
-              </a:rPr>
-              <a:t>metamodelling</a:t>
-            </a:r>
-            <a:r>
-              <a:rPr lang="en-US" dirty="0">
-                <a:latin typeface="Verdana" panose="020B0604030504040204" pitchFamily="34" charset="0"/>
-                <a:ea typeface="Verdana" panose="020B0604030504040204" pitchFamily="34" charset="0"/>
-              </a:rPr>
-              <a:t> and theoretical investigations.</a:t>
-            </a:r>
-          </a:p>
-          <a:p>
-            <a:r>
-              <a:rPr lang="en-US" dirty="0" err="1">
-                <a:latin typeface="Verdana" panose="020B0604030504040204" pitchFamily="34" charset="0"/>
-                <a:ea typeface="Verdana" panose="020B0604030504040204" pitchFamily="34" charset="0"/>
-              </a:rPr>
-              <a:t>Opdahl</a:t>
-            </a:r>
-            <a:r>
-              <a:rPr lang="en-US" dirty="0">
-                <a:latin typeface="Verdana" panose="020B0604030504040204" pitchFamily="34" charset="0"/>
-                <a:ea typeface="Verdana" panose="020B0604030504040204" pitchFamily="34" charset="0"/>
-              </a:rPr>
-              <a:t> &amp; Henderson-Sellers (2002): Studied ontological evaluation methods.</a:t>
-            </a:r>
-          </a:p>
-          <a:p>
-            <a:r>
-              <a:rPr lang="en-US" dirty="0" err="1">
-                <a:latin typeface="Verdana" panose="020B0604030504040204" pitchFamily="34" charset="0"/>
-                <a:ea typeface="Verdana" panose="020B0604030504040204" pitchFamily="34" charset="0"/>
-              </a:rPr>
-              <a:t>Salo</a:t>
-            </a:r>
-            <a:r>
-              <a:rPr lang="en-US" dirty="0">
-                <a:latin typeface="Verdana" panose="020B0604030504040204" pitchFamily="34" charset="0"/>
-                <a:ea typeface="Verdana" panose="020B0604030504040204" pitchFamily="34" charset="0"/>
-              </a:rPr>
-              <a:t> &amp; </a:t>
-            </a:r>
-            <a:r>
-              <a:rPr lang="en-US" dirty="0" err="1">
-                <a:latin typeface="Verdana" panose="020B0604030504040204" pitchFamily="34" charset="0"/>
-                <a:ea typeface="Verdana" panose="020B0604030504040204" pitchFamily="34" charset="0"/>
-              </a:rPr>
-              <a:t>Abrahamsson</a:t>
-            </a:r>
-            <a:r>
-              <a:rPr lang="en-US" dirty="0">
-                <a:latin typeface="Verdana" panose="020B0604030504040204" pitchFamily="34" charset="0"/>
-                <a:ea typeface="Verdana" panose="020B0604030504040204" pitchFamily="34" charset="0"/>
-              </a:rPr>
-              <a:t> (2004): Investigated feature comparison techniques.</a:t>
-            </a:r>
+            <a:endParaRPr lang="en-US" dirty="0">
+              <a:solidFill>
+                <a:schemeClr val="tx1"/>
+              </a:solidFill>
+              <a:latin typeface="Verdana" panose="020B0604030504040204" pitchFamily="34" charset="0"/>
+              <a:ea typeface="Verdana" panose="020B0604030504040204" pitchFamily="34" charset="0"/>
+            </a:endParaRPr>
           </a:p>
         </p:txBody>
       </p:sp>
     </p:spTree>
     <p:extLst>
       <p:ext uri="{BB962C8B-B14F-4D97-AF65-F5344CB8AC3E}">
-        <p14:creationId xmlns:p14="http://schemas.microsoft.com/office/powerpoint/2010/main" val="3996789915"/>
+        <p14:creationId xmlns:p14="http://schemas.microsoft.com/office/powerpoint/2010/main" val="2691306538"/>
       </p:ext>
     </p:extLst>
   </p:cSld>
   <p:clrMapOvr>
     <a:masterClrMapping/>
   </p:clrMapOvr>
+  <p:timing>
+    <p:tnLst>
+      <p:par>
+        <p:cTn id="1" dur="indefinite" restart="never" nodeType="tmRoot"/>
+      </p:par>
+    </p:tnLst>
+  </p:timing>
 </p:sld>
 </file>
 
-<file path=ppt/slides/slide5.xml><?xml version="1.0" encoding="utf-8"?>
+<file path=ppt/slides/slide4.xml><?xml version="1.0" encoding="utf-8"?>
 <p:sld xmlns:a="http://schemas.openxmlformats.org/drawingml/2006/main" xmlns:r="http://schemas.openxmlformats.org/officeDocument/2006/relationships" xmlns:p="http://schemas.openxmlformats.org/presentationml/2006/main">
   <p:cSld>
     <p:spTree>
@@ -36393,7 +36770,7 @@
         <p:spPr>
           <a:xfrm>
             <a:off x="7809595" y="4624832"/>
-            <a:ext cx="986167" cy="246221"/>
+            <a:ext cx="962123" cy="246221"/>
           </a:xfrm>
           <a:prstGeom prst="rect">
             <a:avLst/>
@@ -36410,17 +36787,8 @@
               <a:rPr lang="en-US" sz="1000" b="1" dirty="0">
                 <a:latin typeface="Montserrat Medium" panose="020B0604020202020204" charset="0"/>
               </a:rPr>
-              <a:t>Page No: </a:t>
+              <a:t>Page No: 04</a:t>
             </a:r>
-            <a:r>
-              <a:rPr lang="en-US" sz="1000" b="1" dirty="0" smtClean="0">
-                <a:latin typeface="Montserrat Medium" panose="020B0604020202020204" charset="0"/>
-              </a:rPr>
-              <a:t>05</a:t>
-            </a:r>
-            <a:endParaRPr lang="en-US" sz="1000" b="1" dirty="0">
-              <a:latin typeface="Montserrat Medium" panose="020B0604020202020204" charset="0"/>
-            </a:endParaRPr>
           </a:p>
         </p:txBody>
       </p:sp>
@@ -36700,540 +37068,456 @@
             <a:pPr algn="ctr"/>
             <a:r>
               <a:rPr lang="en-US" sz="2800" dirty="0"/>
-              <a:t>Literature </a:t>
+              <a:t>Area of Contribution</a:t>
             </a:r>
-            <a:r>
-              <a:rPr lang="en-US" sz="2800" dirty="0" smtClean="0"/>
-              <a:t>Review(Tabular)</a:t>
-            </a:r>
-            <a:endParaRPr lang="en-US" sz="2800" dirty="0"/>
           </a:p>
         </p:txBody>
       </p:sp>
-      <p:graphicFrame>
-        <p:nvGraphicFramePr>
-          <p:cNvPr id="5" name="Table 4"/>
-          <p:cNvGraphicFramePr>
-            <a:graphicFrameLocks noGrp="1"/>
-          </p:cNvGraphicFramePr>
-          <p:nvPr>
-            <p:extLst>
-              <p:ext uri="{D42A27DB-BD31-4B8C-83A1-F6EECF244321}">
-                <p14:modId xmlns:p14="http://schemas.microsoft.com/office/powerpoint/2010/main" val="1229372623"/>
-              </p:ext>
-            </p:extLst>
-          </p:nvPr>
-        </p:nvGraphicFramePr>
-        <p:xfrm>
-          <a:off x="695929" y="999541"/>
-          <a:ext cx="7852647" cy="3461585"/>
-        </p:xfrm>
-        <a:graphic>
-          <a:graphicData uri="http://schemas.openxmlformats.org/drawingml/2006/table">
-            <a:tbl>
-              <a:tblPr firstRow="1" bandRow="1">
-                <a:tableStyleId>{7E3E1DBF-5C15-4629-BDE5-5346A9AC08C9}</a:tableStyleId>
-              </a:tblPr>
-              <a:tblGrid>
-                <a:gridCol w="2617549">
-                  <a:extLst>
-                    <a:ext uri="{9D8B030D-6E8A-4147-A177-3AD203B41FA5}">
-                      <a16:colId xmlns:a16="http://schemas.microsoft.com/office/drawing/2014/main" val="2593039826"/>
-                    </a:ext>
-                  </a:extLst>
-                </a:gridCol>
-                <a:gridCol w="2617549">
-                  <a:extLst>
-                    <a:ext uri="{9D8B030D-6E8A-4147-A177-3AD203B41FA5}">
-                      <a16:colId xmlns:a16="http://schemas.microsoft.com/office/drawing/2014/main" val="546350218"/>
-                    </a:ext>
-                  </a:extLst>
-                </a:gridCol>
-                <a:gridCol w="2617549">
-                  <a:extLst>
-                    <a:ext uri="{9D8B030D-6E8A-4147-A177-3AD203B41FA5}">
-                      <a16:colId xmlns:a16="http://schemas.microsoft.com/office/drawing/2014/main" val="3230549002"/>
-                    </a:ext>
-                  </a:extLst>
-                </a:gridCol>
-              </a:tblGrid>
-              <a:tr h="327055">
-                <a:tc>
-                  <a:txBody>
-                    <a:bodyPr/>
-                    <a:lstStyle/>
-                    <a:p>
-                      <a:pPr algn="ctr"/>
-                      <a:r>
-                        <a:rPr lang="en-US" sz="1400" b="1" i="0" u="none" strike="noStrike" cap="none" dirty="0" smtClean="0">
-                          <a:solidFill>
-                            <a:srgbClr val="000000"/>
-                          </a:solidFill>
-                          <a:effectLst/>
-                          <a:latin typeface="Arial"/>
-                          <a:ea typeface="Arial"/>
-                          <a:cs typeface="Arial"/>
-                          <a:sym typeface="Arial"/>
-                        </a:rPr>
-                        <a:t>Evaluation Technique</a:t>
-                      </a:r>
-                      <a:endParaRPr lang="en-US" dirty="0"/>
-                    </a:p>
-                  </a:txBody>
-                  <a:tcPr/>
-                </a:tc>
-                <a:tc>
-                  <a:txBody>
-                    <a:bodyPr/>
-                    <a:lstStyle/>
-                    <a:p>
-                      <a:pPr algn="ctr"/>
-                      <a:r>
-                        <a:rPr lang="en-US" sz="1400" b="1" i="0" u="none" strike="noStrike" cap="none" dirty="0" smtClean="0">
-                          <a:solidFill>
-                            <a:srgbClr val="000000"/>
-                          </a:solidFill>
-                          <a:effectLst/>
-                          <a:latin typeface="Arial"/>
-                          <a:ea typeface="Arial"/>
-                          <a:cs typeface="Arial"/>
-                          <a:sym typeface="Arial"/>
-                        </a:rPr>
-                        <a:t>Summary</a:t>
-                      </a:r>
-                      <a:endParaRPr lang="en-US" dirty="0"/>
-                    </a:p>
-                  </a:txBody>
-                  <a:tcPr/>
-                </a:tc>
-                <a:tc>
-                  <a:txBody>
-                    <a:bodyPr/>
-                    <a:lstStyle/>
-                    <a:p>
-                      <a:pPr algn="ctr"/>
-                      <a:r>
-                        <a:rPr lang="en-US" sz="1400" b="1" i="0" u="none" strike="noStrike" cap="none" dirty="0" smtClean="0">
-                          <a:solidFill>
-                            <a:srgbClr val="000000"/>
-                          </a:solidFill>
-                          <a:effectLst/>
-                          <a:latin typeface="Arial"/>
-                          <a:ea typeface="Arial"/>
-                          <a:cs typeface="Arial"/>
-                          <a:sym typeface="Arial"/>
-                        </a:rPr>
-                        <a:t>Research Gap</a:t>
-                      </a:r>
-                      <a:endParaRPr lang="en-US" dirty="0"/>
-                    </a:p>
-                  </a:txBody>
-                  <a:tcPr/>
-                </a:tc>
-                <a:extLst>
-                  <a:ext uri="{0D108BD9-81ED-4DB2-BD59-A6C34878D82A}">
-                    <a16:rowId xmlns:a16="http://schemas.microsoft.com/office/drawing/2014/main" val="2658897656"/>
-                  </a:ext>
-                </a:extLst>
-              </a:tr>
-              <a:tr h="555994">
-                <a:tc>
-                  <a:txBody>
-                    <a:bodyPr/>
-                    <a:lstStyle/>
-                    <a:p>
-                      <a:r>
-                        <a:rPr lang="en-US" sz="1400" b="0" i="0" u="none" strike="noStrike" cap="none" dirty="0" err="1" smtClean="0">
-                          <a:solidFill>
-                            <a:srgbClr val="000000"/>
-                          </a:solidFill>
-                          <a:effectLst/>
-                          <a:latin typeface="Arial"/>
-                          <a:ea typeface="Arial"/>
-                          <a:cs typeface="Arial"/>
-                          <a:sym typeface="Arial"/>
-                        </a:rPr>
-                        <a:t>Metamodelling</a:t>
-                      </a:r>
-                      <a:endParaRPr lang="en-US" dirty="0"/>
-                    </a:p>
-                  </a:txBody>
-                  <a:tcPr/>
-                </a:tc>
-                <a:tc>
-                  <a:txBody>
-                    <a:bodyPr/>
-                    <a:lstStyle/>
-                    <a:p>
-                      <a:r>
-                        <a:rPr lang="en-US" sz="1400" b="0" i="0" u="none" strike="noStrike" cap="none" dirty="0" smtClean="0">
-                          <a:solidFill>
-                            <a:srgbClr val="000000"/>
-                          </a:solidFill>
-                          <a:effectLst/>
-                          <a:latin typeface="Arial"/>
-                          <a:ea typeface="Arial"/>
-                          <a:cs typeface="Arial"/>
-                          <a:sym typeface="Arial"/>
-                        </a:rPr>
-                        <a:t>Examines the designs of methods for evaluation.</a:t>
-                      </a:r>
-                      <a:endParaRPr lang="en-US" dirty="0"/>
-                    </a:p>
-                  </a:txBody>
-                  <a:tcPr/>
-                </a:tc>
-                <a:tc>
-                  <a:txBody>
-                    <a:bodyPr/>
-                    <a:lstStyle/>
-                    <a:p>
-                      <a:r>
-                        <a:rPr lang="en-US" sz="1400" b="0" i="0" u="none" strike="noStrike" cap="none" dirty="0" smtClean="0">
-                          <a:solidFill>
-                            <a:srgbClr val="000000"/>
-                          </a:solidFill>
-                          <a:effectLst/>
-                          <a:latin typeface="Arial"/>
-                          <a:ea typeface="Arial"/>
-                          <a:cs typeface="Arial"/>
-                          <a:sym typeface="Arial"/>
-                        </a:rPr>
-                        <a:t>Requires more real-world testing.</a:t>
-                      </a:r>
-                      <a:endParaRPr lang="en-US" dirty="0"/>
-                    </a:p>
-                  </a:txBody>
-                  <a:tcPr/>
-                </a:tc>
-                <a:extLst>
-                  <a:ext uri="{0D108BD9-81ED-4DB2-BD59-A6C34878D82A}">
-                    <a16:rowId xmlns:a16="http://schemas.microsoft.com/office/drawing/2014/main" val="3378789688"/>
-                  </a:ext>
-                </a:extLst>
-              </a:tr>
-              <a:tr h="555994">
-                <a:tc>
-                  <a:txBody>
-                    <a:bodyPr/>
-                    <a:lstStyle/>
-                    <a:p>
-                      <a:r>
-                        <a:rPr lang="en-US" sz="1400" b="0" i="0" u="none" strike="noStrike" cap="none" dirty="0" smtClean="0">
-                          <a:solidFill>
-                            <a:srgbClr val="000000"/>
-                          </a:solidFill>
-                          <a:effectLst/>
-                          <a:latin typeface="Arial"/>
-                          <a:ea typeface="Arial"/>
-                          <a:cs typeface="Arial"/>
-                          <a:sym typeface="Arial"/>
-                        </a:rPr>
-                        <a:t>Metrics Analysis</a:t>
-                      </a:r>
-                      <a:endParaRPr lang="en-US" dirty="0"/>
-                    </a:p>
-                  </a:txBody>
-                  <a:tcPr/>
-                </a:tc>
-                <a:tc>
-                  <a:txBody>
-                    <a:bodyPr/>
-                    <a:lstStyle/>
-                    <a:p>
-                      <a:r>
-                        <a:rPr lang="en-US" sz="1400" b="0" i="0" u="none" strike="noStrike" cap="none" dirty="0" smtClean="0">
-                          <a:solidFill>
-                            <a:srgbClr val="000000"/>
-                          </a:solidFill>
-                          <a:effectLst/>
-                          <a:latin typeface="Arial"/>
-                          <a:ea typeface="Arial"/>
-                          <a:cs typeface="Arial"/>
-                          <a:sym typeface="Arial"/>
-                        </a:rPr>
-                        <a:t>Assesses the complexity of methods.</a:t>
-                      </a:r>
-                      <a:endParaRPr lang="en-US" dirty="0"/>
-                    </a:p>
-                  </a:txBody>
-                  <a:tcPr/>
-                </a:tc>
-                <a:tc>
-                  <a:txBody>
-                    <a:bodyPr/>
-                    <a:lstStyle/>
-                    <a:p>
-                      <a:r>
-                        <a:rPr lang="en-US" sz="1400" b="0" i="0" u="none" strike="noStrike" cap="none" dirty="0" smtClean="0">
-                          <a:solidFill>
-                            <a:srgbClr val="000000"/>
-                          </a:solidFill>
-                          <a:effectLst/>
-                          <a:latin typeface="Arial"/>
-                          <a:ea typeface="Arial"/>
-                          <a:cs typeface="Arial"/>
-                          <a:sym typeface="Arial"/>
-                        </a:rPr>
-                        <a:t>Needs more validation in real-world contexts.</a:t>
-                      </a:r>
-                      <a:endParaRPr lang="en-US" dirty="0"/>
-                    </a:p>
-                  </a:txBody>
-                  <a:tcPr/>
-                </a:tc>
-                <a:extLst>
-                  <a:ext uri="{0D108BD9-81ED-4DB2-BD59-A6C34878D82A}">
-                    <a16:rowId xmlns:a16="http://schemas.microsoft.com/office/drawing/2014/main" val="3794036056"/>
-                  </a:ext>
-                </a:extLst>
-              </a:tr>
-              <a:tr h="681615">
-                <a:tc>
-                  <a:txBody>
-                    <a:bodyPr/>
-                    <a:lstStyle/>
-                    <a:p>
-                      <a:r>
-                        <a:rPr lang="en-US" sz="1400" b="0" i="0" u="none" strike="noStrike" cap="none" dirty="0" smtClean="0">
-                          <a:solidFill>
-                            <a:srgbClr val="000000"/>
-                          </a:solidFill>
-                          <a:effectLst/>
-                          <a:latin typeface="Arial"/>
-                          <a:ea typeface="Arial"/>
-                          <a:cs typeface="Arial"/>
-                          <a:sym typeface="Arial"/>
-                        </a:rPr>
-                        <a:t>Paradigmatic Analysis</a:t>
-                      </a:r>
-                      <a:endParaRPr lang="en-US" dirty="0"/>
-                    </a:p>
-                  </a:txBody>
-                  <a:tcPr/>
-                </a:tc>
-                <a:tc>
-                  <a:txBody>
-                    <a:bodyPr/>
-                    <a:lstStyle/>
-                    <a:p>
-                      <a:r>
-                        <a:rPr lang="en-US" sz="1400" b="0" i="0" u="none" strike="noStrike" cap="none" dirty="0" smtClean="0">
-                          <a:solidFill>
-                            <a:srgbClr val="000000"/>
-                          </a:solidFill>
-                          <a:effectLst/>
-                          <a:latin typeface="Arial"/>
-                          <a:ea typeface="Arial"/>
-                          <a:cs typeface="Arial"/>
-                          <a:sym typeface="Arial"/>
-                        </a:rPr>
-                        <a:t>Explores the underlying ideas of methods.</a:t>
-                      </a:r>
-                      <a:endParaRPr lang="en-US" dirty="0"/>
-                    </a:p>
-                  </a:txBody>
-                  <a:tcPr/>
-                </a:tc>
-                <a:tc>
-                  <a:txBody>
-                    <a:bodyPr/>
-                    <a:lstStyle/>
-                    <a:p>
-                      <a:r>
-                        <a:rPr lang="en-US" sz="1400" b="0" i="0" u="none" strike="noStrike" cap="none" dirty="0" smtClean="0">
-                          <a:solidFill>
-                            <a:srgbClr val="000000"/>
-                          </a:solidFill>
-                          <a:effectLst/>
-                          <a:latin typeface="Arial"/>
-                          <a:ea typeface="Arial"/>
-                          <a:cs typeface="Arial"/>
-                          <a:sym typeface="Arial"/>
-                        </a:rPr>
-                        <a:t>Requires empirical validation to assess significance.</a:t>
-                      </a:r>
-                      <a:endParaRPr lang="en-US" dirty="0"/>
-                    </a:p>
-                  </a:txBody>
-                  <a:tcPr/>
-                </a:tc>
-                <a:extLst>
-                  <a:ext uri="{0D108BD9-81ED-4DB2-BD59-A6C34878D82A}">
-                    <a16:rowId xmlns:a16="http://schemas.microsoft.com/office/drawing/2014/main" val="2808074042"/>
-                  </a:ext>
-                </a:extLst>
-              </a:tr>
-              <a:tr h="555994">
-                <a:tc>
-                  <a:txBody>
-                    <a:bodyPr/>
-                    <a:lstStyle/>
-                    <a:p>
-                      <a:r>
-                        <a:rPr lang="en-US" sz="1400" b="0" i="0" u="none" strike="noStrike" cap="none" dirty="0" smtClean="0">
-                          <a:solidFill>
-                            <a:srgbClr val="000000"/>
-                          </a:solidFill>
-                          <a:effectLst/>
-                          <a:latin typeface="Arial"/>
-                          <a:ea typeface="Arial"/>
-                          <a:cs typeface="Arial"/>
-                          <a:sym typeface="Arial"/>
-                        </a:rPr>
-                        <a:t>Contingency Identification</a:t>
-                      </a:r>
-                      <a:endParaRPr lang="en-US" dirty="0"/>
-                    </a:p>
-                  </a:txBody>
-                  <a:tcPr/>
-                </a:tc>
-                <a:tc>
-                  <a:txBody>
-                    <a:bodyPr/>
-                    <a:lstStyle/>
-                    <a:p>
-                      <a:r>
-                        <a:rPr lang="en-US" sz="1400" b="0" i="0" u="none" strike="noStrike" cap="none" dirty="0" smtClean="0">
-                          <a:solidFill>
-                            <a:srgbClr val="000000"/>
-                          </a:solidFill>
-                          <a:effectLst/>
-                          <a:latin typeface="Arial"/>
-                          <a:ea typeface="Arial"/>
-                          <a:cs typeface="Arial"/>
-                          <a:sym typeface="Arial"/>
-                        </a:rPr>
-                        <a:t>Identifies strategies for addressing problems.</a:t>
-                      </a:r>
-                      <a:endParaRPr lang="en-US" dirty="0"/>
-                    </a:p>
-                  </a:txBody>
-                  <a:tcPr/>
-                </a:tc>
-                <a:tc>
-                  <a:txBody>
-                    <a:bodyPr/>
-                    <a:lstStyle/>
-                    <a:p>
-                      <a:r>
-                        <a:rPr lang="en-US" sz="1400" b="0" i="0" u="none" strike="noStrike" cap="none" dirty="0" smtClean="0">
-                          <a:solidFill>
-                            <a:srgbClr val="000000"/>
-                          </a:solidFill>
-                          <a:effectLst/>
-                          <a:latin typeface="Arial"/>
-                          <a:ea typeface="Arial"/>
-                          <a:cs typeface="Arial"/>
-                          <a:sym typeface="Arial"/>
-                        </a:rPr>
-                        <a:t>Lacks empirical testing in organizational contexts.</a:t>
-                      </a:r>
-                      <a:endParaRPr lang="en-US" dirty="0"/>
-                    </a:p>
-                  </a:txBody>
-                  <a:tcPr/>
-                </a:tc>
-                <a:extLst>
-                  <a:ext uri="{0D108BD9-81ED-4DB2-BD59-A6C34878D82A}">
-                    <a16:rowId xmlns:a16="http://schemas.microsoft.com/office/drawing/2014/main" val="2375326995"/>
-                  </a:ext>
-                </a:extLst>
-              </a:tr>
-              <a:tr h="784933">
-                <a:tc>
-                  <a:txBody>
-                    <a:bodyPr/>
-                    <a:lstStyle/>
-                    <a:p>
-                      <a:r>
-                        <a:rPr lang="en-US" sz="1400" b="0" i="0" u="none" strike="noStrike" cap="none" dirty="0" smtClean="0">
-                          <a:solidFill>
-                            <a:srgbClr val="000000"/>
-                          </a:solidFill>
-                          <a:effectLst/>
-                          <a:latin typeface="Arial"/>
-                          <a:ea typeface="Arial"/>
-                          <a:cs typeface="Arial"/>
-                          <a:sym typeface="Arial"/>
-                        </a:rPr>
-                        <a:t>Ontological Evaluation</a:t>
-                      </a:r>
-                      <a:endParaRPr lang="en-US" dirty="0"/>
-                    </a:p>
-                  </a:txBody>
-                  <a:tcPr/>
-                </a:tc>
-                <a:tc>
-                  <a:txBody>
-                    <a:bodyPr/>
-                    <a:lstStyle/>
-                    <a:p>
-                      <a:r>
-                        <a:rPr lang="en-US" sz="1400" b="0" i="0" u="none" strike="noStrike" cap="none" dirty="0" smtClean="0">
-                          <a:solidFill>
-                            <a:srgbClr val="000000"/>
-                          </a:solidFill>
-                          <a:effectLst/>
-                          <a:latin typeface="Arial"/>
-                          <a:ea typeface="Arial"/>
-                          <a:cs typeface="Arial"/>
-                          <a:sym typeface="Arial"/>
-                        </a:rPr>
-                        <a:t>Compares methods based on fundamental ideas.</a:t>
-                      </a:r>
-                      <a:endParaRPr lang="en-US" dirty="0"/>
-                    </a:p>
-                  </a:txBody>
-                  <a:tcPr/>
-                </a:tc>
-                <a:tc>
-                  <a:txBody>
-                    <a:bodyPr/>
-                    <a:lstStyle/>
-                    <a:p>
-                      <a:r>
-                        <a:rPr lang="en-US" sz="1400" b="0" i="0" u="none" strike="noStrike" cap="none" dirty="0" smtClean="0">
-                          <a:solidFill>
-                            <a:srgbClr val="000000"/>
-                          </a:solidFill>
-                          <a:effectLst/>
-                          <a:latin typeface="Arial"/>
-                          <a:ea typeface="Arial"/>
-                          <a:cs typeface="Arial"/>
-                          <a:sym typeface="Arial"/>
-                        </a:rPr>
-                        <a:t>Needs validation to determine the efficacy of underlying concepts.</a:t>
-                      </a:r>
-                      <a:endParaRPr lang="en-US" dirty="0"/>
-                    </a:p>
-                  </a:txBody>
-                  <a:tcPr/>
-                </a:tc>
-                <a:extLst>
-                  <a:ext uri="{0D108BD9-81ED-4DB2-BD59-A6C34878D82A}">
-                    <a16:rowId xmlns:a16="http://schemas.microsoft.com/office/drawing/2014/main" val="2541303687"/>
-                  </a:ext>
-                </a:extLst>
-              </a:tr>
-            </a:tbl>
-          </a:graphicData>
-        </a:graphic>
-      </p:graphicFrame>
+      <p:grpSp>
+        <p:nvGrpSpPr>
+          <p:cNvPr id="3" name="Group 2">
+            <a:extLst>
+              <a:ext uri="{FF2B5EF4-FFF2-40B4-BE49-F238E27FC236}">
+                <a16:creationId xmlns:a16="http://schemas.microsoft.com/office/drawing/2014/main" id="{EA617B04-5B60-53A7-A27A-3EC15D02D531}"/>
+              </a:ext>
+            </a:extLst>
+          </p:cNvPr>
+          <p:cNvGrpSpPr/>
+          <p:nvPr/>
+        </p:nvGrpSpPr>
+        <p:grpSpPr>
+          <a:xfrm>
+            <a:off x="1041173" y="973075"/>
+            <a:ext cx="7410304" cy="523220"/>
+            <a:chOff x="1041173" y="973075"/>
+            <a:chExt cx="7410304" cy="523220"/>
+          </a:xfrm>
+        </p:grpSpPr>
+        <p:sp>
+          <p:nvSpPr>
+            <p:cNvPr id="4" name="Oval 3">
+              <a:extLst>
+                <a:ext uri="{FF2B5EF4-FFF2-40B4-BE49-F238E27FC236}">
+                  <a16:creationId xmlns:a16="http://schemas.microsoft.com/office/drawing/2014/main" id="{6260BE07-9258-8366-A1CF-3E3CEA8CE328}"/>
+                </a:ext>
+              </a:extLst>
+            </p:cNvPr>
+            <p:cNvSpPr/>
+            <p:nvPr/>
+          </p:nvSpPr>
+          <p:spPr>
+            <a:xfrm>
+              <a:off x="1041173" y="1178993"/>
+              <a:ext cx="170522" cy="178904"/>
+            </a:xfrm>
+            <a:prstGeom prst="ellipse">
+              <a:avLst/>
+            </a:prstGeom>
+          </p:spPr>
+          <p:style>
+            <a:lnRef idx="0">
+              <a:schemeClr val="accent2"/>
+            </a:lnRef>
+            <a:fillRef idx="3">
+              <a:schemeClr val="accent2"/>
+            </a:fillRef>
+            <a:effectRef idx="3">
+              <a:schemeClr val="accent2"/>
+            </a:effectRef>
+            <a:fontRef idx="minor">
+              <a:schemeClr val="lt1"/>
+            </a:fontRef>
+          </p:style>
+          <p:txBody>
+            <a:bodyPr rtlCol="0" anchor="ctr"/>
+            <a:lstStyle/>
+            <a:p>
+              <a:pPr algn="ctr"/>
+              <a:endParaRPr lang="en-US" dirty="0"/>
+            </a:p>
+          </p:txBody>
+        </p:sp>
+        <p:sp>
+          <p:nvSpPr>
+            <p:cNvPr id="8" name="TextBox 7">
+              <a:extLst>
+                <a:ext uri="{FF2B5EF4-FFF2-40B4-BE49-F238E27FC236}">
+                  <a16:creationId xmlns:a16="http://schemas.microsoft.com/office/drawing/2014/main" id="{172C98DA-6EFB-347D-97F2-FEA7AA339EB4}"/>
+                </a:ext>
+              </a:extLst>
+            </p:cNvPr>
+            <p:cNvSpPr txBox="1"/>
+            <p:nvPr/>
+          </p:nvSpPr>
+          <p:spPr>
+            <a:xfrm>
+              <a:off x="1264024" y="973075"/>
+              <a:ext cx="7187453" cy="523220"/>
+            </a:xfrm>
+            <a:prstGeom prst="rect">
+              <a:avLst/>
+            </a:prstGeom>
+            <a:noFill/>
+          </p:spPr>
+          <p:txBody>
+            <a:bodyPr wrap="square" rtlCol="0">
+              <a:spAutoFit/>
+            </a:bodyPr>
+            <a:lstStyle/>
+            <a:p>
+              <a:r>
+                <a:rPr lang="en-US" dirty="0">
+                  <a:solidFill>
+                    <a:schemeClr val="tx1"/>
+                  </a:solidFill>
+                  <a:latin typeface="Verdana" panose="020B0604030504040204" pitchFamily="34" charset="0"/>
+                  <a:ea typeface="Verdana" panose="020B0604030504040204" pitchFamily="34" charset="0"/>
+                </a:rPr>
+                <a:t>Evaluation Techniques: Explores various evaluation techniques for assessing systems analysis and design modelling methods.</a:t>
+              </a:r>
+            </a:p>
+          </p:txBody>
+        </p:sp>
+      </p:grpSp>
+      <p:grpSp>
+        <p:nvGrpSpPr>
+          <p:cNvPr id="9" name="Group 8">
+            <a:extLst>
+              <a:ext uri="{FF2B5EF4-FFF2-40B4-BE49-F238E27FC236}">
+                <a16:creationId xmlns:a16="http://schemas.microsoft.com/office/drawing/2014/main" id="{DDDCD0A7-0769-6767-506B-692F634AD994}"/>
+              </a:ext>
+            </a:extLst>
+          </p:cNvPr>
+          <p:cNvGrpSpPr/>
+          <p:nvPr/>
+        </p:nvGrpSpPr>
+        <p:grpSpPr>
+          <a:xfrm>
+            <a:off x="1041173" y="1496295"/>
+            <a:ext cx="7410304" cy="523220"/>
+            <a:chOff x="1041173" y="973075"/>
+            <a:chExt cx="7410304" cy="523220"/>
+          </a:xfrm>
+        </p:grpSpPr>
+        <p:sp>
+          <p:nvSpPr>
+            <p:cNvPr id="10" name="Oval 9">
+              <a:extLst>
+                <a:ext uri="{FF2B5EF4-FFF2-40B4-BE49-F238E27FC236}">
+                  <a16:creationId xmlns:a16="http://schemas.microsoft.com/office/drawing/2014/main" id="{A92B9F29-1AE2-F758-C173-80E76730B70A}"/>
+                </a:ext>
+              </a:extLst>
+            </p:cNvPr>
+            <p:cNvSpPr/>
+            <p:nvPr/>
+          </p:nvSpPr>
+          <p:spPr>
+            <a:xfrm>
+              <a:off x="1041173" y="1178993"/>
+              <a:ext cx="170522" cy="178904"/>
+            </a:xfrm>
+            <a:prstGeom prst="ellipse">
+              <a:avLst/>
+            </a:prstGeom>
+          </p:spPr>
+          <p:style>
+            <a:lnRef idx="0">
+              <a:schemeClr val="accent2"/>
+            </a:lnRef>
+            <a:fillRef idx="3">
+              <a:schemeClr val="accent2"/>
+            </a:fillRef>
+            <a:effectRef idx="3">
+              <a:schemeClr val="accent2"/>
+            </a:effectRef>
+            <a:fontRef idx="minor">
+              <a:schemeClr val="lt1"/>
+            </a:fontRef>
+          </p:style>
+          <p:txBody>
+            <a:bodyPr rtlCol="0" anchor="ctr"/>
+            <a:lstStyle/>
+            <a:p>
+              <a:pPr algn="ctr"/>
+              <a:endParaRPr lang="en-US" dirty="0"/>
+            </a:p>
+          </p:txBody>
+        </p:sp>
+        <p:sp>
+          <p:nvSpPr>
+            <p:cNvPr id="11" name="TextBox 10">
+              <a:extLst>
+                <a:ext uri="{FF2B5EF4-FFF2-40B4-BE49-F238E27FC236}">
+                  <a16:creationId xmlns:a16="http://schemas.microsoft.com/office/drawing/2014/main" id="{2B2B37A7-7B3E-2425-73A6-06ABDFCE67C2}"/>
+                </a:ext>
+              </a:extLst>
+            </p:cNvPr>
+            <p:cNvSpPr txBox="1"/>
+            <p:nvPr/>
+          </p:nvSpPr>
+          <p:spPr>
+            <a:xfrm>
+              <a:off x="1264024" y="973075"/>
+              <a:ext cx="7187453" cy="523220"/>
+            </a:xfrm>
+            <a:prstGeom prst="rect">
+              <a:avLst/>
+            </a:prstGeom>
+            <a:noFill/>
+          </p:spPr>
+          <p:txBody>
+            <a:bodyPr wrap="square" rtlCol="0">
+              <a:spAutoFit/>
+            </a:bodyPr>
+            <a:lstStyle/>
+            <a:p>
+              <a:r>
+                <a:rPr lang="en-US" dirty="0">
+                  <a:solidFill>
+                    <a:schemeClr val="tx1"/>
+                  </a:solidFill>
+                  <a:latin typeface="Verdana" panose="020B0604030504040204" pitchFamily="34" charset="0"/>
+                  <a:ea typeface="Verdana" panose="020B0604030504040204" pitchFamily="34" charset="0"/>
+                </a:rPr>
+                <a:t>Comparative Analysis: Conducts a comparative analysis of these evaluation techniques to understand their strengths and limitations.</a:t>
+              </a:r>
+            </a:p>
+          </p:txBody>
+        </p:sp>
+      </p:grpSp>
+      <p:grpSp>
+        <p:nvGrpSpPr>
+          <p:cNvPr id="12" name="Group 11">
+            <a:extLst>
+              <a:ext uri="{FF2B5EF4-FFF2-40B4-BE49-F238E27FC236}">
+                <a16:creationId xmlns:a16="http://schemas.microsoft.com/office/drawing/2014/main" id="{4364AD9A-0934-9692-169D-E2124BCDF161}"/>
+              </a:ext>
+            </a:extLst>
+          </p:cNvPr>
+          <p:cNvGrpSpPr/>
+          <p:nvPr/>
+        </p:nvGrpSpPr>
+        <p:grpSpPr>
+          <a:xfrm>
+            <a:off x="1041173" y="2039954"/>
+            <a:ext cx="7410304" cy="738664"/>
+            <a:chOff x="1041173" y="973075"/>
+            <a:chExt cx="7410304" cy="738664"/>
+          </a:xfrm>
+        </p:grpSpPr>
+        <p:sp>
+          <p:nvSpPr>
+            <p:cNvPr id="13" name="Oval 12">
+              <a:extLst>
+                <a:ext uri="{FF2B5EF4-FFF2-40B4-BE49-F238E27FC236}">
+                  <a16:creationId xmlns:a16="http://schemas.microsoft.com/office/drawing/2014/main" id="{E90798B4-2368-6E4A-00E4-589E672C71E7}"/>
+                </a:ext>
+              </a:extLst>
+            </p:cNvPr>
+            <p:cNvSpPr/>
+            <p:nvPr/>
+          </p:nvSpPr>
+          <p:spPr>
+            <a:xfrm>
+              <a:off x="1041173" y="1266396"/>
+              <a:ext cx="170522" cy="178904"/>
+            </a:xfrm>
+            <a:prstGeom prst="ellipse">
+              <a:avLst/>
+            </a:prstGeom>
+          </p:spPr>
+          <p:style>
+            <a:lnRef idx="0">
+              <a:schemeClr val="accent2"/>
+            </a:lnRef>
+            <a:fillRef idx="3">
+              <a:schemeClr val="accent2"/>
+            </a:fillRef>
+            <a:effectRef idx="3">
+              <a:schemeClr val="accent2"/>
+            </a:effectRef>
+            <a:fontRef idx="minor">
+              <a:schemeClr val="lt1"/>
+            </a:fontRef>
+          </p:style>
+          <p:txBody>
+            <a:bodyPr rtlCol="0" anchor="ctr"/>
+            <a:lstStyle/>
+            <a:p>
+              <a:pPr algn="ctr"/>
+              <a:endParaRPr lang="en-US" dirty="0"/>
+            </a:p>
+          </p:txBody>
+        </p:sp>
+        <p:sp>
+          <p:nvSpPr>
+            <p:cNvPr id="14" name="TextBox 13">
+              <a:extLst>
+                <a:ext uri="{FF2B5EF4-FFF2-40B4-BE49-F238E27FC236}">
+                  <a16:creationId xmlns:a16="http://schemas.microsoft.com/office/drawing/2014/main" id="{C5CB84A9-E743-9CD4-39BA-1CA58475C149}"/>
+                </a:ext>
+              </a:extLst>
+            </p:cNvPr>
+            <p:cNvSpPr txBox="1"/>
+            <p:nvPr/>
+          </p:nvSpPr>
+          <p:spPr>
+            <a:xfrm>
+              <a:off x="1264024" y="973075"/>
+              <a:ext cx="7187453" cy="738664"/>
+            </a:xfrm>
+            <a:prstGeom prst="rect">
+              <a:avLst/>
+            </a:prstGeom>
+            <a:noFill/>
+          </p:spPr>
+          <p:txBody>
+            <a:bodyPr wrap="square" rtlCol="0">
+              <a:spAutoFit/>
+            </a:bodyPr>
+            <a:lstStyle/>
+            <a:p>
+              <a:r>
+                <a:rPr lang="en-US" dirty="0">
+                  <a:solidFill>
+                    <a:schemeClr val="tx1"/>
+                  </a:solidFill>
+                  <a:latin typeface="Verdana" panose="020B0604030504040204" pitchFamily="34" charset="0"/>
+                  <a:ea typeface="Verdana" panose="020B0604030504040204" pitchFamily="34" charset="0"/>
+                </a:rPr>
+                <a:t>Philosophical Foundations: Investigates the underlying philosophical assumptions of different evaluation techniques, including ontology and epistemology.</a:t>
+              </a:r>
+            </a:p>
+          </p:txBody>
+        </p:sp>
+      </p:grpSp>
+      <p:grpSp>
+        <p:nvGrpSpPr>
+          <p:cNvPr id="18" name="Group 17">
+            <a:extLst>
+              <a:ext uri="{FF2B5EF4-FFF2-40B4-BE49-F238E27FC236}">
+                <a16:creationId xmlns:a16="http://schemas.microsoft.com/office/drawing/2014/main" id="{703766A4-0E0F-A7AA-E1A3-A894AD705248}"/>
+              </a:ext>
+            </a:extLst>
+          </p:cNvPr>
+          <p:cNvGrpSpPr/>
+          <p:nvPr/>
+        </p:nvGrpSpPr>
+        <p:grpSpPr>
+          <a:xfrm>
+            <a:off x="1041173" y="2756338"/>
+            <a:ext cx="7410304" cy="523220"/>
+            <a:chOff x="1041173" y="973075"/>
+            <a:chExt cx="7410304" cy="523220"/>
+          </a:xfrm>
+        </p:grpSpPr>
+        <p:sp>
+          <p:nvSpPr>
+            <p:cNvPr id="19" name="Oval 18">
+              <a:extLst>
+                <a:ext uri="{FF2B5EF4-FFF2-40B4-BE49-F238E27FC236}">
+                  <a16:creationId xmlns:a16="http://schemas.microsoft.com/office/drawing/2014/main" id="{A704694C-9DAF-3234-2E05-C6C3FE9554D9}"/>
+                </a:ext>
+              </a:extLst>
+            </p:cNvPr>
+            <p:cNvSpPr/>
+            <p:nvPr/>
+          </p:nvSpPr>
+          <p:spPr>
+            <a:xfrm>
+              <a:off x="1041173" y="1172262"/>
+              <a:ext cx="170522" cy="178904"/>
+            </a:xfrm>
+            <a:prstGeom prst="ellipse">
+              <a:avLst/>
+            </a:prstGeom>
+          </p:spPr>
+          <p:style>
+            <a:lnRef idx="0">
+              <a:schemeClr val="accent2"/>
+            </a:lnRef>
+            <a:fillRef idx="3">
+              <a:schemeClr val="accent2"/>
+            </a:fillRef>
+            <a:effectRef idx="3">
+              <a:schemeClr val="accent2"/>
+            </a:effectRef>
+            <a:fontRef idx="minor">
+              <a:schemeClr val="lt1"/>
+            </a:fontRef>
+          </p:style>
+          <p:txBody>
+            <a:bodyPr rtlCol="0" anchor="ctr"/>
+            <a:lstStyle/>
+            <a:p>
+              <a:pPr algn="ctr"/>
+              <a:endParaRPr lang="en-US" dirty="0"/>
+            </a:p>
+          </p:txBody>
+        </p:sp>
+        <p:sp>
+          <p:nvSpPr>
+            <p:cNvPr id="20" name="TextBox 19">
+              <a:extLst>
+                <a:ext uri="{FF2B5EF4-FFF2-40B4-BE49-F238E27FC236}">
+                  <a16:creationId xmlns:a16="http://schemas.microsoft.com/office/drawing/2014/main" id="{62FB69FE-4B46-812D-02C1-D6200C56BA7A}"/>
+                </a:ext>
+              </a:extLst>
+            </p:cNvPr>
+            <p:cNvSpPr txBox="1"/>
+            <p:nvPr/>
+          </p:nvSpPr>
+          <p:spPr>
+            <a:xfrm>
+              <a:off x="1264024" y="973075"/>
+              <a:ext cx="7187453" cy="523220"/>
+            </a:xfrm>
+            <a:prstGeom prst="rect">
+              <a:avLst/>
+            </a:prstGeom>
+            <a:noFill/>
+          </p:spPr>
+          <p:txBody>
+            <a:bodyPr wrap="square" rtlCol="0">
+              <a:spAutoFit/>
+            </a:bodyPr>
+            <a:lstStyle/>
+            <a:p>
+              <a:r>
+                <a:rPr lang="en-US" dirty="0">
+                  <a:solidFill>
+                    <a:schemeClr val="tx1"/>
+                  </a:solidFill>
+                  <a:latin typeface="Verdana" panose="020B0604030504040204" pitchFamily="34" charset="0"/>
+                  <a:ea typeface="Verdana" panose="020B0604030504040204" pitchFamily="34" charset="0"/>
+                </a:rPr>
+                <a:t>Research Direction: Identifies research gaps and suggests future directions for evaluating systems analysis and design methods.</a:t>
+              </a:r>
+            </a:p>
+          </p:txBody>
+        </p:sp>
+      </p:grpSp>
     </p:spTree>
     <p:extLst>
       <p:ext uri="{BB962C8B-B14F-4D97-AF65-F5344CB8AC3E}">
-        <p14:creationId xmlns:p14="http://schemas.microsoft.com/office/powerpoint/2010/main" val="537772178"/>
+        <p14:creationId xmlns:p14="http://schemas.microsoft.com/office/powerpoint/2010/main" val="3935925269"/>
       </p:ext>
     </p:extLst>
   </p:cSld>
   <p:clrMapOvr>
     <a:masterClrMapping/>
   </p:clrMapOvr>
+  <p:timing>
+    <p:tnLst>
+      <p:par>
+        <p:cTn id="1" dur="indefinite" restart="never" nodeType="tmRoot"/>
+      </p:par>
+    </p:tnLst>
+  </p:timing>
 </p:sld>
 </file>
 
-<file path=ppt/slides/slide6.xml><?xml version="1.0" encoding="utf-8"?>
+<file path=ppt/slides/slide5.xml><?xml version="1.0" encoding="utf-8"?>
 <p:sld xmlns:a="http://schemas.openxmlformats.org/drawingml/2006/main" xmlns:r="http://schemas.openxmlformats.org/officeDocument/2006/relationships" xmlns:p="http://schemas.openxmlformats.org/presentationml/2006/main">
   <p:cSld>
     <p:spTree>
@@ -37517,7 +37801,7 @@
         <p:spPr>
           <a:xfrm>
             <a:off x="7809595" y="4624832"/>
-            <a:ext cx="990977" cy="246221"/>
+            <a:ext cx="949299" cy="246221"/>
           </a:xfrm>
           <a:prstGeom prst="rect">
             <a:avLst/>
@@ -37534,17 +37818,8 @@
               <a:rPr lang="en-US" sz="1000" b="1" dirty="0">
                 <a:latin typeface="Montserrat Medium" panose="020B0604020202020204" charset="0"/>
               </a:rPr>
-              <a:t>Page No: </a:t>
+              <a:t>Page No: 05</a:t>
             </a:r>
-            <a:r>
-              <a:rPr lang="en-US" sz="1000" b="1" dirty="0" smtClean="0">
-                <a:latin typeface="Montserrat Medium" panose="020B0604020202020204" charset="0"/>
-              </a:rPr>
-              <a:t>06</a:t>
-            </a:r>
-            <a:endParaRPr lang="en-US" sz="1000" b="1" dirty="0">
-              <a:latin typeface="Montserrat Medium" panose="020B0604020202020204" charset="0"/>
-            </a:endParaRPr>
           </a:p>
         </p:txBody>
       </p:sp>
@@ -37824,539 +38099,420 @@
             <a:pPr algn="ctr"/>
             <a:r>
               <a:rPr lang="en-US" sz="2800" dirty="0"/>
-              <a:t>Literature </a:t>
+              <a:t>Literature Review</a:t>
             </a:r>
-            <a:r>
-              <a:rPr lang="en-US" sz="2800" dirty="0" smtClean="0"/>
-              <a:t>Review(Tabular)</a:t>
-            </a:r>
-            <a:endParaRPr lang="en-US" sz="2800" dirty="0"/>
           </a:p>
         </p:txBody>
       </p:sp>
-      <p:graphicFrame>
-        <p:nvGraphicFramePr>
-          <p:cNvPr id="5" name="Table 4"/>
-          <p:cNvGraphicFramePr>
-            <a:graphicFrameLocks noGrp="1"/>
-          </p:cNvGraphicFramePr>
-          <p:nvPr>
-            <p:extLst>
-              <p:ext uri="{D42A27DB-BD31-4B8C-83A1-F6EECF244321}">
-                <p14:modId xmlns:p14="http://schemas.microsoft.com/office/powerpoint/2010/main" val="2738981830"/>
-              </p:ext>
-            </p:extLst>
-          </p:nvPr>
-        </p:nvGraphicFramePr>
-        <p:xfrm>
-          <a:off x="695929" y="999542"/>
-          <a:ext cx="7895178" cy="3449490"/>
-        </p:xfrm>
-        <a:graphic>
-          <a:graphicData uri="http://schemas.openxmlformats.org/drawingml/2006/table">
-            <a:tbl>
-              <a:tblPr firstRow="1" bandRow="1">
-                <a:tableStyleId>{7E3E1DBF-5C15-4629-BDE5-5346A9AC08C9}</a:tableStyleId>
-              </a:tblPr>
-              <a:tblGrid>
-                <a:gridCol w="2631726">
-                  <a:extLst>
-                    <a:ext uri="{9D8B030D-6E8A-4147-A177-3AD203B41FA5}">
-                      <a16:colId xmlns:a16="http://schemas.microsoft.com/office/drawing/2014/main" val="2593039826"/>
-                    </a:ext>
-                  </a:extLst>
-                </a:gridCol>
-                <a:gridCol w="2631726">
-                  <a:extLst>
-                    <a:ext uri="{9D8B030D-6E8A-4147-A177-3AD203B41FA5}">
-                      <a16:colId xmlns:a16="http://schemas.microsoft.com/office/drawing/2014/main" val="546350218"/>
-                    </a:ext>
-                  </a:extLst>
-                </a:gridCol>
-                <a:gridCol w="2631726">
-                  <a:extLst>
-                    <a:ext uri="{9D8B030D-6E8A-4147-A177-3AD203B41FA5}">
-                      <a16:colId xmlns:a16="http://schemas.microsoft.com/office/drawing/2014/main" val="3230549002"/>
-                    </a:ext>
-                  </a:extLst>
-                </a:gridCol>
-              </a:tblGrid>
-              <a:tr h="291840">
-                <a:tc>
-                  <a:txBody>
-                    <a:bodyPr/>
-                    <a:lstStyle/>
-                    <a:p>
-                      <a:pPr algn="ctr"/>
-                      <a:r>
-                        <a:rPr lang="en-US" sz="1400" b="1" i="0" u="none" strike="noStrike" cap="none" dirty="0" smtClean="0">
-                          <a:solidFill>
-                            <a:srgbClr val="000000"/>
-                          </a:solidFill>
-                          <a:effectLst/>
-                          <a:latin typeface="Arial"/>
-                          <a:ea typeface="Arial"/>
-                          <a:cs typeface="Arial"/>
-                          <a:sym typeface="Arial"/>
-                        </a:rPr>
-                        <a:t>Evaluation Technique</a:t>
-                      </a:r>
-                      <a:endParaRPr lang="en-US" dirty="0"/>
-                    </a:p>
-                  </a:txBody>
-                  <a:tcPr/>
-                </a:tc>
-                <a:tc>
-                  <a:txBody>
-                    <a:bodyPr/>
-                    <a:lstStyle/>
-                    <a:p>
-                      <a:pPr algn="ctr"/>
-                      <a:r>
-                        <a:rPr lang="en-US" sz="1400" b="1" i="0" u="none" strike="noStrike" cap="none" dirty="0" smtClean="0">
-                          <a:solidFill>
-                            <a:srgbClr val="000000"/>
-                          </a:solidFill>
-                          <a:effectLst/>
-                          <a:latin typeface="Arial"/>
-                          <a:ea typeface="Arial"/>
-                          <a:cs typeface="Arial"/>
-                          <a:sym typeface="Arial"/>
-                        </a:rPr>
-                        <a:t>Summary</a:t>
-                      </a:r>
-                      <a:endParaRPr lang="en-US" dirty="0"/>
-                    </a:p>
-                  </a:txBody>
-                  <a:tcPr/>
-                </a:tc>
-                <a:tc>
-                  <a:txBody>
-                    <a:bodyPr/>
-                    <a:lstStyle/>
-                    <a:p>
-                      <a:pPr algn="ctr"/>
-                      <a:r>
-                        <a:rPr lang="en-US" sz="1400" b="1" i="0" u="none" strike="noStrike" cap="none" dirty="0" smtClean="0">
-                          <a:solidFill>
-                            <a:srgbClr val="000000"/>
-                          </a:solidFill>
-                          <a:effectLst/>
-                          <a:latin typeface="Arial"/>
-                          <a:ea typeface="Arial"/>
-                          <a:cs typeface="Arial"/>
-                          <a:sym typeface="Arial"/>
-                        </a:rPr>
-                        <a:t>Research Gap</a:t>
-                      </a:r>
-                      <a:endParaRPr lang="en-US" dirty="0"/>
-                    </a:p>
-                  </a:txBody>
-                  <a:tcPr/>
-                </a:tc>
-                <a:extLst>
-                  <a:ext uri="{0D108BD9-81ED-4DB2-BD59-A6C34878D82A}">
-                    <a16:rowId xmlns:a16="http://schemas.microsoft.com/office/drawing/2014/main" val="2658897656"/>
-                  </a:ext>
-                </a:extLst>
-              </a:tr>
-              <a:tr h="496127">
-                <a:tc>
-                  <a:txBody>
-                    <a:bodyPr/>
-                    <a:lstStyle/>
-                    <a:p>
-                      <a:r>
-                        <a:rPr lang="en-US" sz="1400" b="0" i="0" u="none" strike="noStrike" cap="none" dirty="0" smtClean="0">
-                          <a:solidFill>
-                            <a:srgbClr val="000000"/>
-                          </a:solidFill>
-                          <a:effectLst/>
-                          <a:latin typeface="Arial"/>
-                          <a:ea typeface="Arial"/>
-                          <a:cs typeface="Arial"/>
-                          <a:sym typeface="Arial"/>
-                        </a:rPr>
-                        <a:t>Surveys</a:t>
-                      </a:r>
-                      <a:endParaRPr lang="en-US" dirty="0"/>
-                    </a:p>
-                  </a:txBody>
-                  <a:tcPr/>
-                </a:tc>
-                <a:tc>
-                  <a:txBody>
-                    <a:bodyPr/>
-                    <a:lstStyle/>
-                    <a:p>
-                      <a:r>
-                        <a:rPr lang="en-US" sz="1400" b="0" i="0" u="none" strike="noStrike" cap="none" dirty="0" smtClean="0">
-                          <a:solidFill>
-                            <a:srgbClr val="000000"/>
-                          </a:solidFill>
-                          <a:effectLst/>
-                          <a:latin typeface="Arial"/>
-                          <a:ea typeface="Arial"/>
-                          <a:cs typeface="Arial"/>
-                          <a:sym typeface="Arial"/>
-                        </a:rPr>
-                        <a:t>Gathers opinions on methods from stakeholders.</a:t>
-                      </a:r>
-                      <a:endParaRPr lang="en-US" dirty="0"/>
-                    </a:p>
-                  </a:txBody>
-                  <a:tcPr/>
-                </a:tc>
-                <a:tc>
-                  <a:txBody>
-                    <a:bodyPr/>
-                    <a:lstStyle/>
-                    <a:p>
-                      <a:r>
-                        <a:rPr lang="en-US" sz="1400" b="0" i="0" u="none" strike="noStrike" cap="none" dirty="0" smtClean="0">
-                          <a:solidFill>
-                            <a:srgbClr val="000000"/>
-                          </a:solidFill>
-                          <a:effectLst/>
-                          <a:latin typeface="Arial"/>
-                          <a:ea typeface="Arial"/>
-                          <a:cs typeface="Arial"/>
-                          <a:sym typeface="Arial"/>
-                        </a:rPr>
-                        <a:t>Risks biases due to social desirability in responses.</a:t>
-                      </a:r>
-                      <a:endParaRPr lang="en-US" dirty="0"/>
-                    </a:p>
-                  </a:txBody>
-                  <a:tcPr/>
-                </a:tc>
-                <a:extLst>
-                  <a:ext uri="{0D108BD9-81ED-4DB2-BD59-A6C34878D82A}">
-                    <a16:rowId xmlns:a16="http://schemas.microsoft.com/office/drawing/2014/main" val="3378789688"/>
-                  </a:ext>
-                </a:extLst>
-              </a:tr>
-              <a:tr h="496127">
-                <a:tc>
-                  <a:txBody>
-                    <a:bodyPr/>
-                    <a:lstStyle/>
-                    <a:p>
-                      <a:r>
-                        <a:rPr lang="en-US" sz="1400" b="0" i="0" u="none" strike="noStrike" cap="none" dirty="0" smtClean="0">
-                          <a:solidFill>
-                            <a:srgbClr val="000000"/>
-                          </a:solidFill>
-                          <a:effectLst/>
-                          <a:latin typeface="Arial"/>
-                          <a:ea typeface="Arial"/>
-                          <a:cs typeface="Arial"/>
-                          <a:sym typeface="Arial"/>
-                        </a:rPr>
-                        <a:t>Laboratory Experiments</a:t>
-                      </a:r>
-                      <a:endParaRPr lang="en-US" dirty="0"/>
-                    </a:p>
-                  </a:txBody>
-                  <a:tcPr/>
-                </a:tc>
-                <a:tc>
-                  <a:txBody>
-                    <a:bodyPr/>
-                    <a:lstStyle/>
-                    <a:p>
-                      <a:r>
-                        <a:rPr lang="en-US" sz="1400" b="0" i="0" u="none" strike="noStrike" cap="none" dirty="0" smtClean="0">
-                          <a:solidFill>
-                            <a:srgbClr val="000000"/>
-                          </a:solidFill>
-                          <a:effectLst/>
-                          <a:latin typeface="Arial"/>
-                          <a:ea typeface="Arial"/>
-                          <a:cs typeface="Arial"/>
-                          <a:sym typeface="Arial"/>
-                        </a:rPr>
-                        <a:t>Tests methods in controlled settings.</a:t>
-                      </a:r>
-                      <a:endParaRPr lang="en-US" dirty="0"/>
-                    </a:p>
-                  </a:txBody>
-                  <a:tcPr/>
-                </a:tc>
-                <a:tc>
-                  <a:txBody>
-                    <a:bodyPr/>
-                    <a:lstStyle/>
-                    <a:p>
-                      <a:r>
-                        <a:rPr lang="en-US" sz="1400" b="0" i="0" u="none" strike="noStrike" cap="none" dirty="0" smtClean="0">
-                          <a:solidFill>
-                            <a:srgbClr val="000000"/>
-                          </a:solidFill>
-                          <a:effectLst/>
-                          <a:latin typeface="Arial"/>
-                          <a:ea typeface="Arial"/>
-                          <a:cs typeface="Arial"/>
-                          <a:sym typeface="Arial"/>
-                        </a:rPr>
-                        <a:t>May not reflect real-world effectiveness.</a:t>
-                      </a:r>
-                      <a:endParaRPr lang="en-US" dirty="0"/>
-                    </a:p>
-                  </a:txBody>
-                  <a:tcPr/>
-                </a:tc>
-                <a:extLst>
-                  <a:ext uri="{0D108BD9-81ED-4DB2-BD59-A6C34878D82A}">
-                    <a16:rowId xmlns:a16="http://schemas.microsoft.com/office/drawing/2014/main" val="3794036056"/>
-                  </a:ext>
-                </a:extLst>
-              </a:tr>
-              <a:tr h="700415">
-                <a:tc>
-                  <a:txBody>
-                    <a:bodyPr/>
-                    <a:lstStyle/>
-                    <a:p>
-                      <a:r>
-                        <a:rPr lang="en-US" sz="1400" b="0" i="0" u="none" strike="noStrike" cap="none" dirty="0" smtClean="0">
-                          <a:solidFill>
-                            <a:srgbClr val="000000"/>
-                          </a:solidFill>
-                          <a:effectLst/>
-                          <a:latin typeface="Arial"/>
-                          <a:ea typeface="Arial"/>
-                          <a:cs typeface="Arial"/>
-                          <a:sym typeface="Arial"/>
-                        </a:rPr>
-                        <a:t>Field Experiments</a:t>
-                      </a:r>
-                      <a:endParaRPr lang="en-US" dirty="0"/>
-                    </a:p>
-                  </a:txBody>
-                  <a:tcPr/>
-                </a:tc>
-                <a:tc>
-                  <a:txBody>
-                    <a:bodyPr/>
-                    <a:lstStyle/>
-                    <a:p>
-                      <a:r>
-                        <a:rPr lang="en-US" sz="1400" b="0" i="0" u="none" strike="noStrike" cap="none" dirty="0" smtClean="0">
-                          <a:solidFill>
-                            <a:srgbClr val="000000"/>
-                          </a:solidFill>
-                          <a:effectLst/>
-                          <a:latin typeface="Arial"/>
-                          <a:ea typeface="Arial"/>
-                          <a:cs typeface="Arial"/>
-                          <a:sym typeface="Arial"/>
-                        </a:rPr>
-                        <a:t>Assesses methods in authentic organizational settings.</a:t>
-                      </a:r>
-                      <a:endParaRPr lang="en-US" dirty="0"/>
-                    </a:p>
-                  </a:txBody>
-                  <a:tcPr/>
-                </a:tc>
-                <a:tc>
-                  <a:txBody>
-                    <a:bodyPr/>
-                    <a:lstStyle/>
-                    <a:p>
-                      <a:r>
-                        <a:rPr lang="en-US" sz="1400" b="0" i="0" u="none" strike="noStrike" cap="none" dirty="0" smtClean="0">
-                          <a:solidFill>
-                            <a:srgbClr val="000000"/>
-                          </a:solidFill>
-                          <a:effectLst/>
-                          <a:latin typeface="Arial"/>
-                          <a:ea typeface="Arial"/>
-                          <a:cs typeface="Arial"/>
-                          <a:sym typeface="Arial"/>
-                        </a:rPr>
-                        <a:t>Challenging due to organizational variability.</a:t>
-                      </a:r>
-                      <a:endParaRPr lang="en-US" dirty="0"/>
-                    </a:p>
-                  </a:txBody>
-                  <a:tcPr/>
-                </a:tc>
-                <a:extLst>
-                  <a:ext uri="{0D108BD9-81ED-4DB2-BD59-A6C34878D82A}">
-                    <a16:rowId xmlns:a16="http://schemas.microsoft.com/office/drawing/2014/main" val="2808074042"/>
-                  </a:ext>
-                </a:extLst>
-              </a:tr>
-              <a:tr h="700415">
-                <a:tc>
-                  <a:txBody>
-                    <a:bodyPr/>
-                    <a:lstStyle/>
-                    <a:p>
-                      <a:r>
-                        <a:rPr lang="en-US" sz="1400" b="0" i="0" u="none" strike="noStrike" cap="none" dirty="0" smtClean="0">
-                          <a:solidFill>
-                            <a:srgbClr val="000000"/>
-                          </a:solidFill>
-                          <a:effectLst/>
-                          <a:latin typeface="Arial"/>
-                          <a:ea typeface="Arial"/>
-                          <a:cs typeface="Arial"/>
-                          <a:sym typeface="Arial"/>
-                        </a:rPr>
-                        <a:t>Case Studies</a:t>
-                      </a:r>
-                      <a:endParaRPr lang="en-US" dirty="0"/>
-                    </a:p>
-                  </a:txBody>
-                  <a:tcPr/>
-                </a:tc>
-                <a:tc>
-                  <a:txBody>
-                    <a:bodyPr/>
-                    <a:lstStyle/>
-                    <a:p>
-                      <a:r>
-                        <a:rPr lang="en-US" sz="1400" b="0" i="0" u="none" strike="noStrike" cap="none" dirty="0" smtClean="0">
-                          <a:solidFill>
-                            <a:srgbClr val="000000"/>
-                          </a:solidFill>
-                          <a:effectLst/>
-                          <a:latin typeface="Arial"/>
-                          <a:ea typeface="Arial"/>
-                          <a:cs typeface="Arial"/>
-                          <a:sym typeface="Arial"/>
-                        </a:rPr>
-                        <a:t>Examines method performance in specific contexts.</a:t>
-                      </a:r>
-                      <a:endParaRPr lang="en-US" dirty="0"/>
-                    </a:p>
-                  </a:txBody>
-                  <a:tcPr/>
-                </a:tc>
-                <a:tc>
-                  <a:txBody>
-                    <a:bodyPr/>
-                    <a:lstStyle/>
-                    <a:p>
-                      <a:pPr fontAlgn="base"/>
-                      <a:r>
-                        <a:rPr lang="en-US" dirty="0" smtClean="0">
-                          <a:effectLst/>
-                        </a:rPr>
-                        <a:t>Susceptible </a:t>
-                      </a:r>
-                      <a:r>
-                        <a:rPr lang="en-US" dirty="0">
-                          <a:effectLst/>
-                        </a:rPr>
-                        <a:t>to subjective interpretations.</a:t>
-                      </a:r>
-                    </a:p>
-                  </a:txBody>
-                  <a:tcPr anchor="ctr"/>
-                </a:tc>
-                <a:extLst>
-                  <a:ext uri="{0D108BD9-81ED-4DB2-BD59-A6C34878D82A}">
-                    <a16:rowId xmlns:a16="http://schemas.microsoft.com/office/drawing/2014/main" val="2375326995"/>
-                  </a:ext>
-                </a:extLst>
-              </a:tr>
-              <a:tr h="676435">
-                <a:tc>
-                  <a:txBody>
-                    <a:bodyPr/>
-                    <a:lstStyle/>
-                    <a:p>
-                      <a:r>
-                        <a:rPr lang="en-US" sz="1400" b="0" i="0" u="none" strike="noStrike" cap="none" dirty="0" smtClean="0">
-                          <a:solidFill>
-                            <a:srgbClr val="000000"/>
-                          </a:solidFill>
-                          <a:effectLst/>
-                          <a:latin typeface="Arial"/>
-                          <a:ea typeface="Arial"/>
-                          <a:cs typeface="Arial"/>
-                          <a:sym typeface="Arial"/>
-                        </a:rPr>
-                        <a:t>Cognitive Evaluation</a:t>
-                      </a:r>
-                      <a:endParaRPr lang="en-US" dirty="0"/>
-                    </a:p>
-                  </a:txBody>
-                  <a:tcPr/>
-                </a:tc>
-                <a:tc>
-                  <a:txBody>
-                    <a:bodyPr/>
-                    <a:lstStyle/>
-                    <a:p>
-                      <a:r>
-                        <a:rPr lang="en-US" sz="1400" b="0" i="0" u="none" strike="noStrike" cap="none" dirty="0" smtClean="0">
-                          <a:solidFill>
-                            <a:srgbClr val="000000"/>
-                          </a:solidFill>
-                          <a:effectLst/>
-                          <a:latin typeface="Arial"/>
-                          <a:ea typeface="Arial"/>
-                          <a:cs typeface="Arial"/>
-                          <a:sym typeface="Arial"/>
-                        </a:rPr>
-                        <a:t>Assesses user comprehension and interaction with methods.</a:t>
-                      </a:r>
-                      <a:endParaRPr lang="en-US" dirty="0"/>
-                    </a:p>
-                  </a:txBody>
-                  <a:tcPr/>
-                </a:tc>
-                <a:tc>
-                  <a:txBody>
-                    <a:bodyPr/>
-                    <a:lstStyle/>
-                    <a:p>
-                      <a:r>
-                        <a:rPr lang="en-US" sz="1400" b="0" i="0" u="none" strike="noStrike" cap="none" dirty="0" smtClean="0">
-                          <a:solidFill>
-                            <a:srgbClr val="000000"/>
-                          </a:solidFill>
-                          <a:effectLst/>
-                          <a:latin typeface="Arial"/>
-                          <a:ea typeface="Arial"/>
-                          <a:cs typeface="Arial"/>
-                          <a:sym typeface="Arial"/>
-                        </a:rPr>
-                        <a:t>May not fully capture method effectiveness.</a:t>
-                      </a:r>
-                      <a:endParaRPr lang="en-US" dirty="0"/>
-                    </a:p>
-                  </a:txBody>
-                  <a:tcPr/>
-                </a:tc>
-                <a:extLst>
-                  <a:ext uri="{0D108BD9-81ED-4DB2-BD59-A6C34878D82A}">
-                    <a16:rowId xmlns:a16="http://schemas.microsoft.com/office/drawing/2014/main" val="2541303687"/>
-                  </a:ext>
-                </a:extLst>
-              </a:tr>
-            </a:tbl>
-          </a:graphicData>
-        </a:graphic>
-      </p:graphicFrame>
+      <p:grpSp>
+        <p:nvGrpSpPr>
+          <p:cNvPr id="11" name="Group 10">
+            <a:extLst>
+              <a:ext uri="{FF2B5EF4-FFF2-40B4-BE49-F238E27FC236}">
+                <a16:creationId xmlns:a16="http://schemas.microsoft.com/office/drawing/2014/main" id="{5C659F83-5DF6-3E74-FF5F-BE392BC18D09}"/>
+              </a:ext>
+            </a:extLst>
+          </p:cNvPr>
+          <p:cNvGrpSpPr/>
+          <p:nvPr/>
+        </p:nvGrpSpPr>
+        <p:grpSpPr>
+          <a:xfrm>
+            <a:off x="1041173" y="973075"/>
+            <a:ext cx="7410304" cy="738664"/>
+            <a:chOff x="1041173" y="973075"/>
+            <a:chExt cx="7410304" cy="738664"/>
+          </a:xfrm>
+        </p:grpSpPr>
+        <p:sp>
+          <p:nvSpPr>
+            <p:cNvPr id="5" name="Oval 4">
+              <a:extLst>
+                <a:ext uri="{FF2B5EF4-FFF2-40B4-BE49-F238E27FC236}">
+                  <a16:creationId xmlns:a16="http://schemas.microsoft.com/office/drawing/2014/main" id="{9CE0F8DB-48B8-C92F-5810-CDA444DDCB3F}"/>
+                </a:ext>
+              </a:extLst>
+            </p:cNvPr>
+            <p:cNvSpPr/>
+            <p:nvPr/>
+          </p:nvSpPr>
+          <p:spPr>
+            <a:xfrm>
+              <a:off x="1041173" y="1252955"/>
+              <a:ext cx="170522" cy="178904"/>
+            </a:xfrm>
+            <a:prstGeom prst="ellipse">
+              <a:avLst/>
+            </a:prstGeom>
+          </p:spPr>
+          <p:style>
+            <a:lnRef idx="1">
+              <a:schemeClr val="accent1"/>
+            </a:lnRef>
+            <a:fillRef idx="3">
+              <a:schemeClr val="accent1"/>
+            </a:fillRef>
+            <a:effectRef idx="2">
+              <a:schemeClr val="accent1"/>
+            </a:effectRef>
+            <a:fontRef idx="minor">
+              <a:schemeClr val="lt1"/>
+            </a:fontRef>
+          </p:style>
+          <p:txBody>
+            <a:bodyPr rtlCol="0" anchor="ctr"/>
+            <a:lstStyle/>
+            <a:p>
+              <a:pPr algn="ctr"/>
+              <a:endParaRPr lang="en-US" dirty="0"/>
+            </a:p>
+          </p:txBody>
+        </p:sp>
+        <p:sp>
+          <p:nvSpPr>
+            <p:cNvPr id="10" name="TextBox 9">
+              <a:extLst>
+                <a:ext uri="{FF2B5EF4-FFF2-40B4-BE49-F238E27FC236}">
+                  <a16:creationId xmlns:a16="http://schemas.microsoft.com/office/drawing/2014/main" id="{8CF650FA-D878-87B7-78E5-C349D993A232}"/>
+                </a:ext>
+              </a:extLst>
+            </p:cNvPr>
+            <p:cNvSpPr txBox="1"/>
+            <p:nvPr/>
+          </p:nvSpPr>
+          <p:spPr>
+            <a:xfrm>
+              <a:off x="1264024" y="973075"/>
+              <a:ext cx="7187453" cy="738664"/>
+            </a:xfrm>
+            <a:prstGeom prst="rect">
+              <a:avLst/>
+            </a:prstGeom>
+            <a:noFill/>
+          </p:spPr>
+          <p:txBody>
+            <a:bodyPr wrap="square" rtlCol="0">
+              <a:spAutoFit/>
+            </a:bodyPr>
+            <a:lstStyle/>
+            <a:p>
+              <a:r>
+                <a:rPr lang="en-US" dirty="0" err="1">
+                  <a:solidFill>
+                    <a:schemeClr val="tx1"/>
+                  </a:solidFill>
+                  <a:latin typeface="Verdana" panose="020B0604030504040204" pitchFamily="34" charset="0"/>
+                  <a:ea typeface="Verdana" panose="020B0604030504040204" pitchFamily="34" charset="0"/>
+                </a:rPr>
+                <a:t>Abrahamsson</a:t>
+              </a:r>
+              <a:r>
+                <a:rPr lang="en-US" dirty="0">
+                  <a:solidFill>
+                    <a:schemeClr val="tx1"/>
+                  </a:solidFill>
+                  <a:latin typeface="Verdana" panose="020B0604030504040204" pitchFamily="34" charset="0"/>
+                  <a:ea typeface="Verdana" panose="020B0604030504040204" pitchFamily="34" charset="0"/>
+                </a:rPr>
+                <a:t>, P. (2003) Extreme programming: first results from a controlled case study. Proceedings of the </a:t>
+              </a:r>
+              <a:r>
+                <a:rPr lang="en-US" dirty="0" err="1">
+                  <a:solidFill>
+                    <a:schemeClr val="tx1"/>
+                  </a:solidFill>
+                  <a:latin typeface="Verdana" panose="020B0604030504040204" pitchFamily="34" charset="0"/>
+                  <a:ea typeface="Verdana" panose="020B0604030504040204" pitchFamily="34" charset="0"/>
+                </a:rPr>
+                <a:t>Euromicro</a:t>
+              </a:r>
+              <a:r>
+                <a:rPr lang="en-US" dirty="0">
+                  <a:solidFill>
+                    <a:schemeClr val="tx1"/>
+                  </a:solidFill>
+                  <a:latin typeface="Verdana" panose="020B0604030504040204" pitchFamily="34" charset="0"/>
+                  <a:ea typeface="Verdana" panose="020B0604030504040204" pitchFamily="34" charset="0"/>
+                </a:rPr>
+                <a:t> 2003, Antalya, Turkey, 2003.</a:t>
+              </a:r>
+            </a:p>
+          </p:txBody>
+        </p:sp>
+      </p:grpSp>
+      <p:grpSp>
+        <p:nvGrpSpPr>
+          <p:cNvPr id="12" name="Group 11">
+            <a:extLst>
+              <a:ext uri="{FF2B5EF4-FFF2-40B4-BE49-F238E27FC236}">
+                <a16:creationId xmlns:a16="http://schemas.microsoft.com/office/drawing/2014/main" id="{B3D98011-7385-910E-58C1-58E3836A982B}"/>
+              </a:ext>
+            </a:extLst>
+          </p:cNvPr>
+          <p:cNvGrpSpPr/>
+          <p:nvPr/>
+        </p:nvGrpSpPr>
+        <p:grpSpPr>
+          <a:xfrm>
+            <a:off x="1041173" y="1899915"/>
+            <a:ext cx="7410304" cy="523220"/>
+            <a:chOff x="1041173" y="1080797"/>
+            <a:chExt cx="7410304" cy="523220"/>
+          </a:xfrm>
+        </p:grpSpPr>
+        <p:sp>
+          <p:nvSpPr>
+            <p:cNvPr id="13" name="Oval 12">
+              <a:extLst>
+                <a:ext uri="{FF2B5EF4-FFF2-40B4-BE49-F238E27FC236}">
+                  <a16:creationId xmlns:a16="http://schemas.microsoft.com/office/drawing/2014/main" id="{C1E756A5-AD2F-85CB-BA98-BCF525F9E7B4}"/>
+                </a:ext>
+              </a:extLst>
+            </p:cNvPr>
+            <p:cNvSpPr/>
+            <p:nvPr/>
+          </p:nvSpPr>
+          <p:spPr>
+            <a:xfrm>
+              <a:off x="1041173" y="1252955"/>
+              <a:ext cx="170522" cy="178904"/>
+            </a:xfrm>
+            <a:prstGeom prst="ellipse">
+              <a:avLst/>
+            </a:prstGeom>
+          </p:spPr>
+          <p:style>
+            <a:lnRef idx="1">
+              <a:schemeClr val="accent1"/>
+            </a:lnRef>
+            <a:fillRef idx="3">
+              <a:schemeClr val="accent1"/>
+            </a:fillRef>
+            <a:effectRef idx="2">
+              <a:schemeClr val="accent1"/>
+            </a:effectRef>
+            <a:fontRef idx="minor">
+              <a:schemeClr val="lt1"/>
+            </a:fontRef>
+          </p:style>
+          <p:txBody>
+            <a:bodyPr rtlCol="0" anchor="ctr"/>
+            <a:lstStyle/>
+            <a:p>
+              <a:pPr algn="ctr"/>
+              <a:endParaRPr lang="en-US" dirty="0"/>
+            </a:p>
+          </p:txBody>
+        </p:sp>
+        <p:sp>
+          <p:nvSpPr>
+            <p:cNvPr id="14" name="TextBox 13">
+              <a:extLst>
+                <a:ext uri="{FF2B5EF4-FFF2-40B4-BE49-F238E27FC236}">
+                  <a16:creationId xmlns:a16="http://schemas.microsoft.com/office/drawing/2014/main" id="{5378F53E-6356-E280-07E1-40F5449CF2FD}"/>
+                </a:ext>
+              </a:extLst>
+            </p:cNvPr>
+            <p:cNvSpPr txBox="1"/>
+            <p:nvPr/>
+          </p:nvSpPr>
+          <p:spPr>
+            <a:xfrm>
+              <a:off x="1264024" y="1080797"/>
+              <a:ext cx="7187453" cy="523220"/>
+            </a:xfrm>
+            <a:prstGeom prst="rect">
+              <a:avLst/>
+            </a:prstGeom>
+            <a:noFill/>
+          </p:spPr>
+          <p:txBody>
+            <a:bodyPr wrap="square" rtlCol="0">
+              <a:spAutoFit/>
+            </a:bodyPr>
+            <a:lstStyle/>
+            <a:p>
+              <a:r>
+                <a:rPr lang="en-US" dirty="0">
+                  <a:solidFill>
+                    <a:schemeClr val="tx1"/>
+                  </a:solidFill>
+                  <a:latin typeface="Verdana" panose="020B0604030504040204" pitchFamily="34" charset="0"/>
+                  <a:ea typeface="Verdana" panose="020B0604030504040204" pitchFamily="34" charset="0"/>
+                </a:rPr>
+                <a:t>Agarwal, R., De, P., Sinha, A.P. &amp; </a:t>
+              </a:r>
+              <a:r>
+                <a:rPr lang="en-US" dirty="0" err="1">
+                  <a:solidFill>
+                    <a:schemeClr val="tx1"/>
+                  </a:solidFill>
+                  <a:latin typeface="Verdana" panose="020B0604030504040204" pitchFamily="34" charset="0"/>
+                  <a:ea typeface="Verdana" panose="020B0604030504040204" pitchFamily="34" charset="0"/>
+                </a:rPr>
+                <a:t>Tanniru</a:t>
+              </a:r>
+              <a:r>
+                <a:rPr lang="en-US" dirty="0">
+                  <a:solidFill>
+                    <a:schemeClr val="tx1"/>
+                  </a:solidFill>
+                  <a:latin typeface="Verdana" panose="020B0604030504040204" pitchFamily="34" charset="0"/>
+                  <a:ea typeface="Verdana" panose="020B0604030504040204" pitchFamily="34" charset="0"/>
+                </a:rPr>
+                <a:t>, M. (2000) On the usability of OO representations. Communications of the ACM</a:t>
+              </a:r>
+            </a:p>
+          </p:txBody>
+        </p:sp>
+      </p:grpSp>
+      <p:grpSp>
+        <p:nvGrpSpPr>
+          <p:cNvPr id="15" name="Group 14">
+            <a:extLst>
+              <a:ext uri="{FF2B5EF4-FFF2-40B4-BE49-F238E27FC236}">
+                <a16:creationId xmlns:a16="http://schemas.microsoft.com/office/drawing/2014/main" id="{4494BC0F-5E9E-AC6D-09E2-2CB1FDB7C236}"/>
+              </a:ext>
+            </a:extLst>
+          </p:cNvPr>
+          <p:cNvGrpSpPr/>
+          <p:nvPr/>
+        </p:nvGrpSpPr>
+        <p:grpSpPr>
+          <a:xfrm>
+            <a:off x="1041173" y="2586840"/>
+            <a:ext cx="7410304" cy="523220"/>
+            <a:chOff x="1041173" y="1080797"/>
+            <a:chExt cx="7410304" cy="523220"/>
+          </a:xfrm>
+        </p:grpSpPr>
+        <p:sp>
+          <p:nvSpPr>
+            <p:cNvPr id="16" name="Oval 15">
+              <a:extLst>
+                <a:ext uri="{FF2B5EF4-FFF2-40B4-BE49-F238E27FC236}">
+                  <a16:creationId xmlns:a16="http://schemas.microsoft.com/office/drawing/2014/main" id="{292F206E-5260-AC8E-7FF8-114E604B22C9}"/>
+                </a:ext>
+              </a:extLst>
+            </p:cNvPr>
+            <p:cNvSpPr/>
+            <p:nvPr/>
+          </p:nvSpPr>
+          <p:spPr>
+            <a:xfrm>
+              <a:off x="1041173" y="1252955"/>
+              <a:ext cx="170522" cy="178904"/>
+            </a:xfrm>
+            <a:prstGeom prst="ellipse">
+              <a:avLst/>
+            </a:prstGeom>
+          </p:spPr>
+          <p:style>
+            <a:lnRef idx="1">
+              <a:schemeClr val="accent1"/>
+            </a:lnRef>
+            <a:fillRef idx="3">
+              <a:schemeClr val="accent1"/>
+            </a:fillRef>
+            <a:effectRef idx="2">
+              <a:schemeClr val="accent1"/>
+            </a:effectRef>
+            <a:fontRef idx="minor">
+              <a:schemeClr val="lt1"/>
+            </a:fontRef>
+          </p:style>
+          <p:txBody>
+            <a:bodyPr rtlCol="0" anchor="ctr"/>
+            <a:lstStyle/>
+            <a:p>
+              <a:pPr algn="ctr"/>
+              <a:endParaRPr lang="en-US" dirty="0"/>
+            </a:p>
+          </p:txBody>
+        </p:sp>
+        <p:sp>
+          <p:nvSpPr>
+            <p:cNvPr id="17" name="TextBox 16">
+              <a:extLst>
+                <a:ext uri="{FF2B5EF4-FFF2-40B4-BE49-F238E27FC236}">
+                  <a16:creationId xmlns:a16="http://schemas.microsoft.com/office/drawing/2014/main" id="{C7EEA469-3601-6D35-A215-1F2B31D86971}"/>
+                </a:ext>
+              </a:extLst>
+            </p:cNvPr>
+            <p:cNvSpPr txBox="1"/>
+            <p:nvPr/>
+          </p:nvSpPr>
+          <p:spPr>
+            <a:xfrm>
+              <a:off x="1264024" y="1080797"/>
+              <a:ext cx="7187453" cy="523220"/>
+            </a:xfrm>
+            <a:prstGeom prst="rect">
+              <a:avLst/>
+            </a:prstGeom>
+            <a:noFill/>
+          </p:spPr>
+          <p:txBody>
+            <a:bodyPr wrap="square" rtlCol="0">
+              <a:spAutoFit/>
+            </a:bodyPr>
+            <a:lstStyle/>
+            <a:p>
+              <a:r>
+                <a:rPr lang="en-US" dirty="0">
+                  <a:solidFill>
+                    <a:schemeClr val="tx1"/>
+                  </a:solidFill>
+                  <a:latin typeface="Verdana" panose="020B0604030504040204" pitchFamily="34" charset="0"/>
+                  <a:ea typeface="Verdana" panose="020B0604030504040204" pitchFamily="34" charset="0"/>
+                </a:rPr>
+                <a:t>Avison, D.E. &amp; Fitzgerald, G. (1995) Information Systems Development: Methodologies, Techniques and Tools, 2nd </a:t>
+              </a:r>
+              <a:r>
+                <a:rPr lang="en-US" dirty="0" err="1">
+                  <a:solidFill>
+                    <a:schemeClr val="tx1"/>
+                  </a:solidFill>
+                  <a:latin typeface="Verdana" panose="020B0604030504040204" pitchFamily="34" charset="0"/>
+                  <a:ea typeface="Verdana" panose="020B0604030504040204" pitchFamily="34" charset="0"/>
+                </a:rPr>
+                <a:t>edn</a:t>
+              </a:r>
+              <a:r>
+                <a:rPr lang="en-US" dirty="0">
+                  <a:solidFill>
+                    <a:schemeClr val="tx1"/>
+                  </a:solidFill>
+                  <a:latin typeface="Verdana" panose="020B0604030504040204" pitchFamily="34" charset="0"/>
+                  <a:ea typeface="Verdana" panose="020B0604030504040204" pitchFamily="34" charset="0"/>
+                </a:rPr>
+                <a:t>. McGraw-Hill, London.</a:t>
+              </a:r>
+            </a:p>
+          </p:txBody>
+        </p:sp>
+      </p:grpSp>
     </p:spTree>
     <p:extLst>
       <p:ext uri="{BB962C8B-B14F-4D97-AF65-F5344CB8AC3E}">
-        <p14:creationId xmlns:p14="http://schemas.microsoft.com/office/powerpoint/2010/main" val="1298756348"/>
+        <p14:creationId xmlns:p14="http://schemas.microsoft.com/office/powerpoint/2010/main" val="3996789915"/>
       </p:ext>
     </p:extLst>
   </p:cSld>
   <p:clrMapOvr>
     <a:masterClrMapping/>
   </p:clrMapOvr>
+  <p:timing>
+    <p:tnLst>
+      <p:par>
+        <p:cTn id="1" dur="indefinite" restart="never" nodeType="tmRoot"/>
+      </p:par>
+    </p:tnLst>
+  </p:timing>
 </p:sld>
 </file>
 
-<file path=ppt/slides/slide7.xml><?xml version="1.0" encoding="utf-8"?>
+<file path=ppt/slides/slide6.xml><?xml version="1.0" encoding="utf-8"?>
 <p:sld xmlns:a="http://schemas.openxmlformats.org/drawingml/2006/main" xmlns:r="http://schemas.openxmlformats.org/officeDocument/2006/relationships" xmlns:p="http://schemas.openxmlformats.org/presentationml/2006/main">
   <p:cSld>
     <p:spTree>
@@ -38640,7 +38796,7 @@
         <p:spPr>
           <a:xfrm>
             <a:off x="7809595" y="4624832"/>
-            <a:ext cx="989373" cy="246221"/>
+            <a:ext cx="954107" cy="246221"/>
           </a:xfrm>
           <a:prstGeom prst="rect">
             <a:avLst/>
@@ -38657,17 +38813,8 @@
               <a:rPr lang="en-US" sz="1000" b="1" dirty="0">
                 <a:latin typeface="Montserrat Medium" panose="020B0604020202020204" charset="0"/>
               </a:rPr>
-              <a:t>Page No: </a:t>
+              <a:t>Page No: 06</a:t>
             </a:r>
-            <a:r>
-              <a:rPr lang="en-US" sz="1000" b="1" dirty="0" smtClean="0">
-                <a:latin typeface="Montserrat Medium" panose="020B0604020202020204" charset="0"/>
-              </a:rPr>
-              <a:t>07</a:t>
-            </a:r>
-            <a:endParaRPr lang="en-US" sz="1000" b="1" dirty="0">
-              <a:latin typeface="Montserrat Medium" panose="020B0604020202020204" charset="0"/>
-            </a:endParaRPr>
           </a:p>
         </p:txBody>
       </p:sp>
@@ -38947,138 +39094,602 @@
             <a:pPr algn="ctr"/>
             <a:r>
               <a:rPr lang="en-US" sz="2800" dirty="0"/>
-              <a:t>Objective &amp; Motivations</a:t>
+              <a:t>Literature Review</a:t>
             </a:r>
           </a:p>
         </p:txBody>
       </p:sp>
-      <p:sp>
-        <p:nvSpPr>
-          <p:cNvPr id="12" name="Text Placeholder 11"/>
-          <p:cNvSpPr>
-            <a:spLocks noGrp="1"/>
-          </p:cNvSpPr>
+      <p:graphicFrame>
+        <p:nvGraphicFramePr>
+          <p:cNvPr id="5" name="Table 4"/>
+          <p:cNvGraphicFramePr>
+            <a:graphicFrameLocks noGrp="1"/>
+          </p:cNvGraphicFramePr>
           <p:nvPr>
-            <p:ph type="body" idx="1"/>
+            <p:extLst>
+              <p:ext uri="{D42A27DB-BD31-4B8C-83A1-F6EECF244321}">
+                <p14:modId xmlns:p14="http://schemas.microsoft.com/office/powerpoint/2010/main" val="2678021896"/>
+              </p:ext>
+            </p:extLst>
           </p:nvPr>
-        </p:nvSpPr>
-        <p:spPr/>
-        <p:txBody>
-          <a:bodyPr/>
-          <a:lstStyle/>
-          <a:p>
-            <a:r>
-              <a:rPr lang="en-US" dirty="0" smtClean="0">
-                <a:latin typeface="Verdana" panose="020B0604030504040204" pitchFamily="34" charset="0"/>
-                <a:ea typeface="Verdana" panose="020B0604030504040204" pitchFamily="34" charset="0"/>
-              </a:rPr>
-              <a:t>Look </a:t>
-            </a:r>
-            <a:r>
-              <a:rPr lang="en-US" dirty="0">
-                <a:latin typeface="Verdana" panose="020B0604030504040204" pitchFamily="34" charset="0"/>
-                <a:ea typeface="Verdana" panose="020B0604030504040204" pitchFamily="34" charset="0"/>
-              </a:rPr>
-              <a:t>at different ways to evaluate</a:t>
-            </a:r>
-            <a:r>
-              <a:rPr lang="en-US" dirty="0" smtClean="0">
-                <a:latin typeface="Verdana" panose="020B0604030504040204" pitchFamily="34" charset="0"/>
-                <a:ea typeface="Verdana" panose="020B0604030504040204" pitchFamily="34" charset="0"/>
-              </a:rPr>
-              <a:t> </a:t>
-            </a:r>
-            <a:r>
-              <a:rPr lang="en-US" dirty="0">
-                <a:latin typeface="Verdana" panose="020B0604030504040204" pitchFamily="34" charset="0"/>
-                <a:ea typeface="Verdana" panose="020B0604030504040204" pitchFamily="34" charset="0"/>
-              </a:rPr>
-              <a:t>systems analysis and design </a:t>
-            </a:r>
-            <a:r>
-              <a:rPr lang="en-US" dirty="0" smtClean="0">
-                <a:latin typeface="Verdana" panose="020B0604030504040204" pitchFamily="34" charset="0"/>
-                <a:ea typeface="Verdana" panose="020B0604030504040204" pitchFamily="34" charset="0"/>
-              </a:rPr>
-              <a:t> methods</a:t>
-            </a:r>
-            <a:r>
-              <a:rPr lang="en-US" dirty="0">
-                <a:latin typeface="Verdana" panose="020B0604030504040204" pitchFamily="34" charset="0"/>
-                <a:ea typeface="Verdana" panose="020B0604030504040204" pitchFamily="34" charset="0"/>
-              </a:rPr>
-              <a:t>.</a:t>
-            </a:r>
-            <a:endParaRPr lang="en-US" dirty="0">
-              <a:latin typeface="Verdana" panose="020B0604030504040204" pitchFamily="34" charset="0"/>
-              <a:ea typeface="Verdana" panose="020B0604030504040204" pitchFamily="34" charset="0"/>
-            </a:endParaRPr>
-          </a:p>
-          <a:p>
-            <a:r>
-              <a:rPr lang="en-US" dirty="0" smtClean="0">
-                <a:latin typeface="Verdana" panose="020B0604030504040204" pitchFamily="34" charset="0"/>
-                <a:ea typeface="Verdana" panose="020B0604030504040204" pitchFamily="34" charset="0"/>
-              </a:rPr>
-              <a:t>Understand </a:t>
-            </a:r>
-            <a:r>
-              <a:rPr lang="en-US" dirty="0">
-                <a:latin typeface="Verdana" panose="020B0604030504040204" pitchFamily="34" charset="0"/>
-                <a:ea typeface="Verdana" panose="020B0604030504040204" pitchFamily="34" charset="0"/>
-              </a:rPr>
-              <a:t>the thinking behind these ways of judging.</a:t>
-            </a:r>
-            <a:endParaRPr lang="en-US" dirty="0">
-              <a:latin typeface="Verdana" panose="020B0604030504040204" pitchFamily="34" charset="0"/>
-              <a:ea typeface="Verdana" panose="020B0604030504040204" pitchFamily="34" charset="0"/>
-            </a:endParaRPr>
-          </a:p>
-          <a:p>
-            <a:r>
-              <a:rPr lang="en-US" dirty="0" smtClean="0">
-                <a:latin typeface="Verdana" panose="020B0604030504040204" pitchFamily="34" charset="0"/>
-                <a:ea typeface="Verdana" panose="020B0604030504040204" pitchFamily="34" charset="0"/>
-              </a:rPr>
-              <a:t>Suggest </a:t>
-            </a:r>
-            <a:r>
-              <a:rPr lang="en-US" dirty="0">
-                <a:latin typeface="Verdana" panose="020B0604030504040204" pitchFamily="34" charset="0"/>
-                <a:ea typeface="Verdana" panose="020B0604030504040204" pitchFamily="34" charset="0"/>
-              </a:rPr>
-              <a:t>new things to study based on what we find.</a:t>
-            </a:r>
-            <a:endParaRPr lang="en-US" dirty="0">
-              <a:latin typeface="Verdana" panose="020B0604030504040204" pitchFamily="34" charset="0"/>
-              <a:ea typeface="Verdana" panose="020B0604030504040204" pitchFamily="34" charset="0"/>
-            </a:endParaRPr>
-          </a:p>
-          <a:p>
-            <a:pPr marL="139700" indent="0">
-              <a:buNone/>
-            </a:pPr>
-            <a:endParaRPr lang="en-US" dirty="0">
-              <a:latin typeface="Verdana" panose="020B0604030504040204" pitchFamily="34" charset="0"/>
-              <a:ea typeface="Verdana" panose="020B0604030504040204" pitchFamily="34" charset="0"/>
-            </a:endParaRPr>
-          </a:p>
-        </p:txBody>
-      </p:sp>
+        </p:nvGraphicFramePr>
+        <p:xfrm>
+          <a:off x="695929" y="999541"/>
+          <a:ext cx="7852647" cy="3461585"/>
+        </p:xfrm>
+        <a:graphic>
+          <a:graphicData uri="http://schemas.openxmlformats.org/drawingml/2006/table">
+            <a:tbl>
+              <a:tblPr firstRow="1" bandRow="1">
+                <a:tableStyleId>{7E3E1DBF-5C15-4629-BDE5-5346A9AC08C9}</a:tableStyleId>
+              </a:tblPr>
+              <a:tblGrid>
+                <a:gridCol w="2617549">
+                  <a:extLst>
+                    <a:ext uri="{9D8B030D-6E8A-4147-A177-3AD203B41FA5}">
+                      <a16:colId xmlns:a16="http://schemas.microsoft.com/office/drawing/2014/main" val="2593039826"/>
+                    </a:ext>
+                  </a:extLst>
+                </a:gridCol>
+                <a:gridCol w="2617549">
+                  <a:extLst>
+                    <a:ext uri="{9D8B030D-6E8A-4147-A177-3AD203B41FA5}">
+                      <a16:colId xmlns:a16="http://schemas.microsoft.com/office/drawing/2014/main" val="546350218"/>
+                    </a:ext>
+                  </a:extLst>
+                </a:gridCol>
+                <a:gridCol w="2617549">
+                  <a:extLst>
+                    <a:ext uri="{9D8B030D-6E8A-4147-A177-3AD203B41FA5}">
+                      <a16:colId xmlns:a16="http://schemas.microsoft.com/office/drawing/2014/main" val="3230549002"/>
+                    </a:ext>
+                  </a:extLst>
+                </a:gridCol>
+              </a:tblGrid>
+              <a:tr h="327055">
+                <a:tc>
+                  <a:txBody>
+                    <a:bodyPr/>
+                    <a:lstStyle/>
+                    <a:p>
+                      <a:pPr algn="ctr"/>
+                      <a:r>
+                        <a:rPr lang="en-US" sz="1400" b="1" i="0" u="none" strike="noStrike" cap="none" dirty="0">
+                          <a:solidFill>
+                            <a:srgbClr val="000000"/>
+                          </a:solidFill>
+                          <a:effectLst/>
+                          <a:latin typeface="Arial"/>
+                          <a:ea typeface="Arial"/>
+                          <a:cs typeface="Arial"/>
+                          <a:sym typeface="Arial"/>
+                        </a:rPr>
+                        <a:t>Evaluation Technique</a:t>
+                      </a:r>
+                      <a:endParaRPr lang="en-US" dirty="0"/>
+                    </a:p>
+                  </a:txBody>
+                  <a:tcPr/>
+                </a:tc>
+                <a:tc>
+                  <a:txBody>
+                    <a:bodyPr/>
+                    <a:lstStyle/>
+                    <a:p>
+                      <a:pPr algn="ctr"/>
+                      <a:r>
+                        <a:rPr lang="en-US" sz="1400" b="1" i="0" u="none" strike="noStrike" cap="none" dirty="0">
+                          <a:solidFill>
+                            <a:srgbClr val="000000"/>
+                          </a:solidFill>
+                          <a:effectLst/>
+                          <a:latin typeface="Arial"/>
+                          <a:ea typeface="Arial"/>
+                          <a:cs typeface="Arial"/>
+                          <a:sym typeface="Arial"/>
+                        </a:rPr>
+                        <a:t>Summary</a:t>
+                      </a:r>
+                      <a:endParaRPr lang="en-US" dirty="0"/>
+                    </a:p>
+                  </a:txBody>
+                  <a:tcPr/>
+                </a:tc>
+                <a:tc>
+                  <a:txBody>
+                    <a:bodyPr/>
+                    <a:lstStyle/>
+                    <a:p>
+                      <a:pPr algn="ctr"/>
+                      <a:r>
+                        <a:rPr lang="en-US" sz="1400" b="1" i="0" u="none" strike="noStrike" cap="none" dirty="0">
+                          <a:solidFill>
+                            <a:srgbClr val="000000"/>
+                          </a:solidFill>
+                          <a:effectLst/>
+                          <a:latin typeface="Arial"/>
+                          <a:ea typeface="Arial"/>
+                          <a:cs typeface="Arial"/>
+                          <a:sym typeface="Arial"/>
+                        </a:rPr>
+                        <a:t>Research Gap</a:t>
+                      </a:r>
+                      <a:endParaRPr lang="en-US" dirty="0"/>
+                    </a:p>
+                  </a:txBody>
+                  <a:tcPr/>
+                </a:tc>
+                <a:extLst>
+                  <a:ext uri="{0D108BD9-81ED-4DB2-BD59-A6C34878D82A}">
+                    <a16:rowId xmlns:a16="http://schemas.microsoft.com/office/drawing/2014/main" val="2658897656"/>
+                  </a:ext>
+                </a:extLst>
+              </a:tr>
+              <a:tr h="555994">
+                <a:tc>
+                  <a:txBody>
+                    <a:bodyPr/>
+                    <a:lstStyle/>
+                    <a:p>
+                      <a:r>
+                        <a:rPr lang="en-US" sz="1400" b="0" i="0" u="none" strike="noStrike" cap="none" dirty="0" err="1">
+                          <a:solidFill>
+                            <a:schemeClr val="tx1"/>
+                          </a:solidFill>
+                          <a:effectLst/>
+                          <a:latin typeface="Arial"/>
+                          <a:ea typeface="Arial"/>
+                          <a:cs typeface="Arial"/>
+                          <a:sym typeface="Arial"/>
+                        </a:rPr>
+                        <a:t>Metamodelling</a:t>
+                      </a:r>
+                      <a:endParaRPr lang="en-US" dirty="0">
+                        <a:solidFill>
+                          <a:schemeClr val="tx1"/>
+                        </a:solidFill>
+                      </a:endParaRPr>
+                    </a:p>
+                  </a:txBody>
+                  <a:tcPr/>
+                </a:tc>
+                <a:tc>
+                  <a:txBody>
+                    <a:bodyPr/>
+                    <a:lstStyle/>
+                    <a:p>
+                      <a:r>
+                        <a:rPr lang="en-US" sz="1400" b="0" i="0" u="none" strike="noStrike" cap="none" dirty="0">
+                          <a:solidFill>
+                            <a:schemeClr val="tx1"/>
+                          </a:solidFill>
+                          <a:effectLst/>
+                          <a:latin typeface="Arial"/>
+                          <a:ea typeface="Arial"/>
+                          <a:cs typeface="Arial"/>
+                          <a:sym typeface="Arial"/>
+                        </a:rPr>
+                        <a:t>Examines the designs of methods for evaluation.</a:t>
+                      </a:r>
+                      <a:endParaRPr lang="en-US" dirty="0">
+                        <a:solidFill>
+                          <a:schemeClr val="tx1"/>
+                        </a:solidFill>
+                      </a:endParaRPr>
+                    </a:p>
+                  </a:txBody>
+                  <a:tcPr/>
+                </a:tc>
+                <a:tc>
+                  <a:txBody>
+                    <a:bodyPr/>
+                    <a:lstStyle/>
+                    <a:p>
+                      <a:r>
+                        <a:rPr lang="en-US" sz="1400" b="0" i="0" u="none" strike="noStrike" cap="none" dirty="0">
+                          <a:solidFill>
+                            <a:schemeClr val="tx1"/>
+                          </a:solidFill>
+                          <a:effectLst/>
+                          <a:latin typeface="Arial"/>
+                          <a:ea typeface="Arial"/>
+                          <a:cs typeface="Arial"/>
+                          <a:sym typeface="Arial"/>
+                        </a:rPr>
+                        <a:t>Requires more real-world testing.</a:t>
+                      </a:r>
+                      <a:endParaRPr lang="en-US" dirty="0">
+                        <a:solidFill>
+                          <a:schemeClr val="tx1"/>
+                        </a:solidFill>
+                      </a:endParaRPr>
+                    </a:p>
+                  </a:txBody>
+                  <a:tcPr/>
+                </a:tc>
+                <a:extLst>
+                  <a:ext uri="{0D108BD9-81ED-4DB2-BD59-A6C34878D82A}">
+                    <a16:rowId xmlns:a16="http://schemas.microsoft.com/office/drawing/2014/main" val="3378789688"/>
+                  </a:ext>
+                </a:extLst>
+              </a:tr>
+              <a:tr h="555994">
+                <a:tc>
+                  <a:txBody>
+                    <a:bodyPr/>
+                    <a:lstStyle/>
+                    <a:p>
+                      <a:r>
+                        <a:rPr lang="en-US" sz="1400" b="0" i="0" u="none" strike="noStrike" cap="none" dirty="0">
+                          <a:solidFill>
+                            <a:schemeClr val="tx1"/>
+                          </a:solidFill>
+                          <a:effectLst/>
+                          <a:latin typeface="Arial"/>
+                          <a:ea typeface="Arial"/>
+                          <a:cs typeface="Arial"/>
+                          <a:sym typeface="Arial"/>
+                        </a:rPr>
+                        <a:t>Metrics Analysis</a:t>
+                      </a:r>
+                      <a:endParaRPr lang="en-US" dirty="0">
+                        <a:solidFill>
+                          <a:schemeClr val="tx1"/>
+                        </a:solidFill>
+                      </a:endParaRPr>
+                    </a:p>
+                  </a:txBody>
+                  <a:tcPr/>
+                </a:tc>
+                <a:tc>
+                  <a:txBody>
+                    <a:bodyPr/>
+                    <a:lstStyle/>
+                    <a:p>
+                      <a:r>
+                        <a:rPr lang="en-US" sz="1400" b="0" i="0" u="none" strike="noStrike" cap="none" dirty="0">
+                          <a:solidFill>
+                            <a:schemeClr val="tx1"/>
+                          </a:solidFill>
+                          <a:effectLst/>
+                          <a:latin typeface="Arial"/>
+                          <a:ea typeface="Arial"/>
+                          <a:cs typeface="Arial"/>
+                          <a:sym typeface="Arial"/>
+                        </a:rPr>
+                        <a:t>Assesses the complexity of methods.</a:t>
+                      </a:r>
+                      <a:endParaRPr lang="en-US" dirty="0">
+                        <a:solidFill>
+                          <a:schemeClr val="tx1"/>
+                        </a:solidFill>
+                      </a:endParaRPr>
+                    </a:p>
+                  </a:txBody>
+                  <a:tcPr/>
+                </a:tc>
+                <a:tc>
+                  <a:txBody>
+                    <a:bodyPr/>
+                    <a:lstStyle/>
+                    <a:p>
+                      <a:r>
+                        <a:rPr lang="en-US" sz="1400" b="0" i="0" u="none" strike="noStrike" cap="none" dirty="0">
+                          <a:solidFill>
+                            <a:schemeClr val="tx1"/>
+                          </a:solidFill>
+                          <a:effectLst/>
+                          <a:latin typeface="Arial"/>
+                          <a:ea typeface="Arial"/>
+                          <a:cs typeface="Arial"/>
+                          <a:sym typeface="Arial"/>
+                        </a:rPr>
+                        <a:t>Needs more validation in real-world contexts.</a:t>
+                      </a:r>
+                      <a:endParaRPr lang="en-US" dirty="0">
+                        <a:solidFill>
+                          <a:schemeClr val="tx1"/>
+                        </a:solidFill>
+                      </a:endParaRPr>
+                    </a:p>
+                  </a:txBody>
+                  <a:tcPr/>
+                </a:tc>
+                <a:extLst>
+                  <a:ext uri="{0D108BD9-81ED-4DB2-BD59-A6C34878D82A}">
+                    <a16:rowId xmlns:a16="http://schemas.microsoft.com/office/drawing/2014/main" val="3794036056"/>
+                  </a:ext>
+                </a:extLst>
+              </a:tr>
+              <a:tr h="681615">
+                <a:tc>
+                  <a:txBody>
+                    <a:bodyPr/>
+                    <a:lstStyle/>
+                    <a:p>
+                      <a:r>
+                        <a:rPr lang="en-US" sz="1400" b="0" i="0" u="none" strike="noStrike" cap="none" dirty="0">
+                          <a:solidFill>
+                            <a:schemeClr val="tx1"/>
+                          </a:solidFill>
+                          <a:effectLst/>
+                          <a:latin typeface="Arial"/>
+                          <a:ea typeface="Arial"/>
+                          <a:cs typeface="Arial"/>
+                          <a:sym typeface="Arial"/>
+                        </a:rPr>
+                        <a:t>Paradigmatic Analysis</a:t>
+                      </a:r>
+                      <a:endParaRPr lang="en-US" dirty="0">
+                        <a:solidFill>
+                          <a:schemeClr val="tx1"/>
+                        </a:solidFill>
+                      </a:endParaRPr>
+                    </a:p>
+                  </a:txBody>
+                  <a:tcPr/>
+                </a:tc>
+                <a:tc>
+                  <a:txBody>
+                    <a:bodyPr/>
+                    <a:lstStyle/>
+                    <a:p>
+                      <a:r>
+                        <a:rPr lang="en-US" sz="1400" b="0" i="0" u="none" strike="noStrike" cap="none" dirty="0">
+                          <a:solidFill>
+                            <a:schemeClr val="tx1"/>
+                          </a:solidFill>
+                          <a:effectLst/>
+                          <a:latin typeface="Arial"/>
+                          <a:ea typeface="Arial"/>
+                          <a:cs typeface="Arial"/>
+                          <a:sym typeface="Arial"/>
+                        </a:rPr>
+                        <a:t>Explores the underlying ideas of methods.</a:t>
+                      </a:r>
+                      <a:endParaRPr lang="en-US" dirty="0">
+                        <a:solidFill>
+                          <a:schemeClr val="tx1"/>
+                        </a:solidFill>
+                      </a:endParaRPr>
+                    </a:p>
+                  </a:txBody>
+                  <a:tcPr/>
+                </a:tc>
+                <a:tc>
+                  <a:txBody>
+                    <a:bodyPr/>
+                    <a:lstStyle/>
+                    <a:p>
+                      <a:r>
+                        <a:rPr lang="en-US" sz="1400" b="0" i="0" u="none" strike="noStrike" cap="none" dirty="0">
+                          <a:solidFill>
+                            <a:schemeClr val="tx1"/>
+                          </a:solidFill>
+                          <a:effectLst/>
+                          <a:latin typeface="Arial"/>
+                          <a:ea typeface="Arial"/>
+                          <a:cs typeface="Arial"/>
+                          <a:sym typeface="Arial"/>
+                        </a:rPr>
+                        <a:t>Requires empirical validation to assess significance.</a:t>
+                      </a:r>
+                      <a:endParaRPr lang="en-US" dirty="0">
+                        <a:solidFill>
+                          <a:schemeClr val="tx1"/>
+                        </a:solidFill>
+                      </a:endParaRPr>
+                    </a:p>
+                  </a:txBody>
+                  <a:tcPr/>
+                </a:tc>
+                <a:extLst>
+                  <a:ext uri="{0D108BD9-81ED-4DB2-BD59-A6C34878D82A}">
+                    <a16:rowId xmlns:a16="http://schemas.microsoft.com/office/drawing/2014/main" val="2808074042"/>
+                  </a:ext>
+                </a:extLst>
+              </a:tr>
+              <a:tr h="555994">
+                <a:tc>
+                  <a:txBody>
+                    <a:bodyPr/>
+                    <a:lstStyle/>
+                    <a:p>
+                      <a:r>
+                        <a:rPr lang="en-US" sz="1400" b="0" i="0" u="none" strike="noStrike" cap="none" dirty="0">
+                          <a:solidFill>
+                            <a:schemeClr val="tx1"/>
+                          </a:solidFill>
+                          <a:effectLst/>
+                          <a:latin typeface="Arial"/>
+                          <a:ea typeface="Arial"/>
+                          <a:cs typeface="Arial"/>
+                          <a:sym typeface="Arial"/>
+                        </a:rPr>
+                        <a:t>Contingency Identification</a:t>
+                      </a:r>
+                      <a:endParaRPr lang="en-US" dirty="0">
+                        <a:solidFill>
+                          <a:schemeClr val="tx1"/>
+                        </a:solidFill>
+                      </a:endParaRPr>
+                    </a:p>
+                  </a:txBody>
+                  <a:tcPr/>
+                </a:tc>
+                <a:tc>
+                  <a:txBody>
+                    <a:bodyPr/>
+                    <a:lstStyle/>
+                    <a:p>
+                      <a:r>
+                        <a:rPr lang="en-US" sz="1400" b="0" i="0" u="none" strike="noStrike" cap="none" dirty="0">
+                          <a:solidFill>
+                            <a:schemeClr val="tx1"/>
+                          </a:solidFill>
+                          <a:effectLst/>
+                          <a:latin typeface="Arial"/>
+                          <a:ea typeface="Arial"/>
+                          <a:cs typeface="Arial"/>
+                          <a:sym typeface="Arial"/>
+                        </a:rPr>
+                        <a:t>Identifies strategies for addressing problems.</a:t>
+                      </a:r>
+                      <a:endParaRPr lang="en-US" dirty="0">
+                        <a:solidFill>
+                          <a:schemeClr val="tx1"/>
+                        </a:solidFill>
+                      </a:endParaRPr>
+                    </a:p>
+                  </a:txBody>
+                  <a:tcPr/>
+                </a:tc>
+                <a:tc>
+                  <a:txBody>
+                    <a:bodyPr/>
+                    <a:lstStyle/>
+                    <a:p>
+                      <a:r>
+                        <a:rPr lang="en-US" sz="1400" b="0" i="0" u="none" strike="noStrike" cap="none" dirty="0">
+                          <a:solidFill>
+                            <a:schemeClr val="tx1"/>
+                          </a:solidFill>
+                          <a:effectLst/>
+                          <a:latin typeface="Arial"/>
+                          <a:ea typeface="Arial"/>
+                          <a:cs typeface="Arial"/>
+                          <a:sym typeface="Arial"/>
+                        </a:rPr>
+                        <a:t>Lacks empirical testing in organizational contexts.</a:t>
+                      </a:r>
+                      <a:endParaRPr lang="en-US" dirty="0">
+                        <a:solidFill>
+                          <a:schemeClr val="tx1"/>
+                        </a:solidFill>
+                      </a:endParaRPr>
+                    </a:p>
+                  </a:txBody>
+                  <a:tcPr/>
+                </a:tc>
+                <a:extLst>
+                  <a:ext uri="{0D108BD9-81ED-4DB2-BD59-A6C34878D82A}">
+                    <a16:rowId xmlns:a16="http://schemas.microsoft.com/office/drawing/2014/main" val="2375326995"/>
+                  </a:ext>
+                </a:extLst>
+              </a:tr>
+              <a:tr h="784933">
+                <a:tc>
+                  <a:txBody>
+                    <a:bodyPr/>
+                    <a:lstStyle/>
+                    <a:p>
+                      <a:r>
+                        <a:rPr lang="en-US" sz="1400" b="0" i="0" u="none" strike="noStrike" cap="none" dirty="0">
+                          <a:solidFill>
+                            <a:schemeClr val="tx1"/>
+                          </a:solidFill>
+                          <a:effectLst/>
+                          <a:latin typeface="Arial"/>
+                          <a:ea typeface="Arial"/>
+                          <a:cs typeface="Arial"/>
+                          <a:sym typeface="Arial"/>
+                        </a:rPr>
+                        <a:t>Ontological Evaluation</a:t>
+                      </a:r>
+                      <a:endParaRPr lang="en-US" dirty="0">
+                        <a:solidFill>
+                          <a:schemeClr val="tx1"/>
+                        </a:solidFill>
+                      </a:endParaRPr>
+                    </a:p>
+                  </a:txBody>
+                  <a:tcPr/>
+                </a:tc>
+                <a:tc>
+                  <a:txBody>
+                    <a:bodyPr/>
+                    <a:lstStyle/>
+                    <a:p>
+                      <a:r>
+                        <a:rPr lang="en-US" sz="1400" b="0" i="0" u="none" strike="noStrike" cap="none" dirty="0">
+                          <a:solidFill>
+                            <a:schemeClr val="tx1"/>
+                          </a:solidFill>
+                          <a:effectLst/>
+                          <a:latin typeface="Arial"/>
+                          <a:ea typeface="Arial"/>
+                          <a:cs typeface="Arial"/>
+                          <a:sym typeface="Arial"/>
+                        </a:rPr>
+                        <a:t>Compares methods based on fundamental ideas.</a:t>
+                      </a:r>
+                      <a:endParaRPr lang="en-US" dirty="0">
+                        <a:solidFill>
+                          <a:schemeClr val="tx1"/>
+                        </a:solidFill>
+                      </a:endParaRPr>
+                    </a:p>
+                  </a:txBody>
+                  <a:tcPr/>
+                </a:tc>
+                <a:tc>
+                  <a:txBody>
+                    <a:bodyPr/>
+                    <a:lstStyle/>
+                    <a:p>
+                      <a:r>
+                        <a:rPr lang="en-US" sz="1400" b="0" i="0" u="none" strike="noStrike" cap="none" dirty="0">
+                          <a:solidFill>
+                            <a:schemeClr val="tx1"/>
+                          </a:solidFill>
+                          <a:effectLst/>
+                          <a:latin typeface="Arial"/>
+                          <a:ea typeface="Arial"/>
+                          <a:cs typeface="Arial"/>
+                          <a:sym typeface="Arial"/>
+                        </a:rPr>
+                        <a:t>Needs validation to determine the efficacy of underlying concepts.</a:t>
+                      </a:r>
+                      <a:endParaRPr lang="en-US" dirty="0">
+                        <a:solidFill>
+                          <a:schemeClr val="tx1"/>
+                        </a:solidFill>
+                      </a:endParaRPr>
+                    </a:p>
+                  </a:txBody>
+                  <a:tcPr/>
+                </a:tc>
+                <a:extLst>
+                  <a:ext uri="{0D108BD9-81ED-4DB2-BD59-A6C34878D82A}">
+                    <a16:rowId xmlns:a16="http://schemas.microsoft.com/office/drawing/2014/main" val="2541303687"/>
+                  </a:ext>
+                </a:extLst>
+              </a:tr>
+            </a:tbl>
+          </a:graphicData>
+        </a:graphic>
+      </p:graphicFrame>
     </p:spTree>
     <p:extLst>
       <p:ext uri="{BB962C8B-B14F-4D97-AF65-F5344CB8AC3E}">
-        <p14:creationId xmlns:p14="http://schemas.microsoft.com/office/powerpoint/2010/main" val="2991548393"/>
+        <p14:creationId xmlns:p14="http://schemas.microsoft.com/office/powerpoint/2010/main" val="537772178"/>
       </p:ext>
     </p:extLst>
   </p:cSld>
   <p:clrMapOvr>
     <a:masterClrMapping/>
   </p:clrMapOvr>
+  <p:timing>
+    <p:tnLst>
+      <p:par>
+        <p:cTn id="1" dur="indefinite" restart="never" nodeType="tmRoot"/>
+      </p:par>
+    </p:tnLst>
+  </p:timing>
 </p:sld>
 </file>
 
-<file path=ppt/slides/slide8.xml><?xml version="1.0" encoding="utf-8"?>
+<file path=ppt/slides/slide7.xml><?xml version="1.0" encoding="utf-8"?>
 <p:sld xmlns:a="http://schemas.openxmlformats.org/drawingml/2006/main" xmlns:r="http://schemas.openxmlformats.org/officeDocument/2006/relationships" xmlns:p="http://schemas.openxmlformats.org/presentationml/2006/main">
   <p:cSld>
     <p:spTree>
@@ -39362,7 +39973,7 @@
         <p:spPr>
           <a:xfrm>
             <a:off x="7809595" y="4624832"/>
-            <a:ext cx="994183" cy="246221"/>
+            <a:ext cx="952505" cy="246221"/>
           </a:xfrm>
           <a:prstGeom prst="rect">
             <a:avLst/>
@@ -39379,17 +39990,8 @@
               <a:rPr lang="en-US" sz="1000" b="1" dirty="0">
                 <a:latin typeface="Montserrat Medium" panose="020B0604020202020204" charset="0"/>
               </a:rPr>
-              <a:t>Page No: </a:t>
+              <a:t>Page No: 07</a:t>
             </a:r>
-            <a:r>
-              <a:rPr lang="en-US" sz="1000" b="1" dirty="0" smtClean="0">
-                <a:latin typeface="Montserrat Medium" panose="020B0604020202020204" charset="0"/>
-              </a:rPr>
-              <a:t>08</a:t>
-            </a:r>
-            <a:endParaRPr lang="en-US" sz="1000" b="1" dirty="0">
-              <a:latin typeface="Montserrat Medium" panose="020B0604020202020204" charset="0"/>
-            </a:endParaRPr>
           </a:p>
         </p:txBody>
       </p:sp>
@@ -39668,155 +40270,595 @@
           <a:p>
             <a:pPr algn="ctr"/>
             <a:r>
-              <a:rPr lang="en-US" sz="2800" b="1" dirty="0">
-                <a:solidFill>
-                  <a:schemeClr val="tx1"/>
-                </a:solidFill>
-                <a:latin typeface="DM Sans" pitchFamily="2" charset="0"/>
-              </a:rPr>
-              <a:t>Methodology</a:t>
-            </a:r>
-            <a:endParaRPr lang="en-US" sz="2800" dirty="0"/>
-          </a:p>
-        </p:txBody>
-      </p:sp>
-      <p:sp>
-        <p:nvSpPr>
-          <p:cNvPr id="11" name="Text Placeholder 10"/>
-          <p:cNvSpPr>
-            <a:spLocks noGrp="1"/>
-          </p:cNvSpPr>
-          <p:nvPr>
-            <p:ph type="body" idx="1"/>
-          </p:nvPr>
-        </p:nvSpPr>
-        <p:spPr/>
-        <p:txBody>
-          <a:bodyPr/>
-          <a:lstStyle/>
-          <a:p>
-            <a:pPr>
-              <a:buFont typeface="Wingdings" panose="05000000000000000000" pitchFamily="2" charset="2"/>
-              <a:buChar char="q"/>
-            </a:pPr>
-            <a:r>
-              <a:rPr lang="en-US" dirty="0">
-                <a:latin typeface="Verdana" panose="020B0604030504040204" pitchFamily="34" charset="0"/>
-                <a:ea typeface="Verdana" panose="020B0604030504040204" pitchFamily="34" charset="0"/>
-              </a:rPr>
-              <a:t>Literature Review:</a:t>
-            </a:r>
-          </a:p>
-          <a:p>
-            <a:pPr lvl="1"/>
-            <a:r>
-              <a:rPr lang="en-US" dirty="0" smtClean="0">
-                <a:latin typeface="Verdana" panose="020B0604030504040204" pitchFamily="34" charset="0"/>
-                <a:ea typeface="Verdana" panose="020B0604030504040204" pitchFamily="34" charset="0"/>
-              </a:rPr>
-              <a:t>Comprehensive </a:t>
-            </a:r>
-            <a:r>
-              <a:rPr lang="en-US" dirty="0">
-                <a:latin typeface="Verdana" panose="020B0604030504040204" pitchFamily="34" charset="0"/>
-                <a:ea typeface="Verdana" panose="020B0604030504040204" pitchFamily="34" charset="0"/>
-              </a:rPr>
-              <a:t>examination of existing literature on systems analysis and design methods evaluation.</a:t>
-            </a:r>
-          </a:p>
-          <a:p>
-            <a:pPr>
-              <a:buFont typeface="Wingdings" panose="05000000000000000000" pitchFamily="2" charset="2"/>
-              <a:buChar char="q"/>
-            </a:pPr>
-            <a:r>
-              <a:rPr lang="en-US" dirty="0">
-                <a:latin typeface="Verdana" panose="020B0604030504040204" pitchFamily="34" charset="0"/>
-                <a:ea typeface="Verdana" panose="020B0604030504040204" pitchFamily="34" charset="0"/>
-              </a:rPr>
-              <a:t>Categorization Process:</a:t>
-            </a:r>
-          </a:p>
-          <a:p>
-            <a:pPr lvl="1"/>
-            <a:r>
-              <a:rPr lang="en-US" dirty="0" smtClean="0">
-                <a:latin typeface="Verdana" panose="020B0604030504040204" pitchFamily="34" charset="0"/>
-                <a:ea typeface="Verdana" panose="020B0604030504040204" pitchFamily="34" charset="0"/>
-              </a:rPr>
-              <a:t>Techniques </a:t>
-            </a:r>
-            <a:r>
-              <a:rPr lang="en-US" dirty="0">
-                <a:latin typeface="Verdana" panose="020B0604030504040204" pitchFamily="34" charset="0"/>
-                <a:ea typeface="Verdana" panose="020B0604030504040204" pitchFamily="34" charset="0"/>
-              </a:rPr>
-              <a:t>categorized based on ontology (nature of reality) and epistemology (how knowledge is gained).</a:t>
-            </a:r>
-          </a:p>
-          <a:p>
-            <a:pPr>
-              <a:buFont typeface="Wingdings" panose="05000000000000000000" pitchFamily="2" charset="2"/>
-              <a:buChar char="q"/>
-            </a:pPr>
-            <a:r>
-              <a:rPr lang="en-US" dirty="0">
-                <a:latin typeface="Verdana" panose="020B0604030504040204" pitchFamily="34" charset="0"/>
-                <a:ea typeface="Verdana" panose="020B0604030504040204" pitchFamily="34" charset="0"/>
-              </a:rPr>
-              <a:t>Evaluation of Techniques:</a:t>
-            </a:r>
-          </a:p>
-          <a:p>
-            <a:pPr lvl="1"/>
-            <a:r>
-              <a:rPr lang="en-US" dirty="0" smtClean="0">
-                <a:latin typeface="Verdana" panose="020B0604030504040204" pitchFamily="34" charset="0"/>
-                <a:ea typeface="Verdana" panose="020B0604030504040204" pitchFamily="34" charset="0"/>
-              </a:rPr>
-              <a:t>Assessment </a:t>
-            </a:r>
-            <a:r>
-              <a:rPr lang="en-US" dirty="0">
-                <a:latin typeface="Verdana" panose="020B0604030504040204" pitchFamily="34" charset="0"/>
-                <a:ea typeface="Verdana" panose="020B0604030504040204" pitchFamily="34" charset="0"/>
-              </a:rPr>
-              <a:t>based on alignment with ontology and epistemology dimensions.</a:t>
-            </a:r>
-          </a:p>
-          <a:p>
-            <a:pPr lvl="1"/>
-            <a:r>
-              <a:rPr lang="en-US" dirty="0" smtClean="0">
-                <a:latin typeface="Verdana" panose="020B0604030504040204" pitchFamily="34" charset="0"/>
-                <a:ea typeface="Verdana" panose="020B0604030504040204" pitchFamily="34" charset="0"/>
-              </a:rPr>
-              <a:t>Consideration </a:t>
-            </a:r>
-            <a:r>
-              <a:rPr lang="en-US" dirty="0">
-                <a:latin typeface="Verdana" panose="020B0604030504040204" pitchFamily="34" charset="0"/>
-                <a:ea typeface="Verdana" panose="020B0604030504040204" pitchFamily="34" charset="0"/>
-              </a:rPr>
-              <a:t>of suitability for different research questions and practical scenarios.</a:t>
+              <a:rPr lang="en-US" sz="2800" dirty="0"/>
+              <a:t>Literature Review</a:t>
             </a:r>
           </a:p>
         </p:txBody>
       </p:sp>
+      <p:graphicFrame>
+        <p:nvGraphicFramePr>
+          <p:cNvPr id="5" name="Table 4"/>
+          <p:cNvGraphicFramePr>
+            <a:graphicFrameLocks noGrp="1"/>
+          </p:cNvGraphicFramePr>
+          <p:nvPr>
+            <p:extLst>
+              <p:ext uri="{D42A27DB-BD31-4B8C-83A1-F6EECF244321}">
+                <p14:modId xmlns:p14="http://schemas.microsoft.com/office/powerpoint/2010/main" val="1344167264"/>
+              </p:ext>
+            </p:extLst>
+          </p:nvPr>
+        </p:nvGraphicFramePr>
+        <p:xfrm>
+          <a:off x="695929" y="999542"/>
+          <a:ext cx="7895178" cy="3449490"/>
+        </p:xfrm>
+        <a:graphic>
+          <a:graphicData uri="http://schemas.openxmlformats.org/drawingml/2006/table">
+            <a:tbl>
+              <a:tblPr firstRow="1" bandRow="1">
+                <a:tableStyleId>{7E3E1DBF-5C15-4629-BDE5-5346A9AC08C9}</a:tableStyleId>
+              </a:tblPr>
+              <a:tblGrid>
+                <a:gridCol w="2631726">
+                  <a:extLst>
+                    <a:ext uri="{9D8B030D-6E8A-4147-A177-3AD203B41FA5}">
+                      <a16:colId xmlns:a16="http://schemas.microsoft.com/office/drawing/2014/main" val="2593039826"/>
+                    </a:ext>
+                  </a:extLst>
+                </a:gridCol>
+                <a:gridCol w="2631726">
+                  <a:extLst>
+                    <a:ext uri="{9D8B030D-6E8A-4147-A177-3AD203B41FA5}">
+                      <a16:colId xmlns:a16="http://schemas.microsoft.com/office/drawing/2014/main" val="546350218"/>
+                    </a:ext>
+                  </a:extLst>
+                </a:gridCol>
+                <a:gridCol w="2631726">
+                  <a:extLst>
+                    <a:ext uri="{9D8B030D-6E8A-4147-A177-3AD203B41FA5}">
+                      <a16:colId xmlns:a16="http://schemas.microsoft.com/office/drawing/2014/main" val="3230549002"/>
+                    </a:ext>
+                  </a:extLst>
+                </a:gridCol>
+              </a:tblGrid>
+              <a:tr h="291840">
+                <a:tc>
+                  <a:txBody>
+                    <a:bodyPr/>
+                    <a:lstStyle/>
+                    <a:p>
+                      <a:pPr algn="ctr"/>
+                      <a:r>
+                        <a:rPr lang="en-US" sz="1400" b="1" i="0" u="none" strike="noStrike" cap="none" dirty="0">
+                          <a:solidFill>
+                            <a:srgbClr val="000000"/>
+                          </a:solidFill>
+                          <a:effectLst/>
+                          <a:latin typeface="Arial"/>
+                          <a:ea typeface="Arial"/>
+                          <a:cs typeface="Arial"/>
+                          <a:sym typeface="Arial"/>
+                        </a:rPr>
+                        <a:t>Evaluation Technique</a:t>
+                      </a:r>
+                      <a:endParaRPr lang="en-US" dirty="0"/>
+                    </a:p>
+                  </a:txBody>
+                  <a:tcPr/>
+                </a:tc>
+                <a:tc>
+                  <a:txBody>
+                    <a:bodyPr/>
+                    <a:lstStyle/>
+                    <a:p>
+                      <a:pPr algn="ctr"/>
+                      <a:r>
+                        <a:rPr lang="en-US" sz="1400" b="1" i="0" u="none" strike="noStrike" cap="none" dirty="0">
+                          <a:solidFill>
+                            <a:srgbClr val="000000"/>
+                          </a:solidFill>
+                          <a:effectLst/>
+                          <a:latin typeface="Arial"/>
+                          <a:ea typeface="Arial"/>
+                          <a:cs typeface="Arial"/>
+                          <a:sym typeface="Arial"/>
+                        </a:rPr>
+                        <a:t>Summary</a:t>
+                      </a:r>
+                      <a:endParaRPr lang="en-US" dirty="0"/>
+                    </a:p>
+                  </a:txBody>
+                  <a:tcPr/>
+                </a:tc>
+                <a:tc>
+                  <a:txBody>
+                    <a:bodyPr/>
+                    <a:lstStyle/>
+                    <a:p>
+                      <a:pPr algn="ctr"/>
+                      <a:r>
+                        <a:rPr lang="en-US" sz="1400" b="1" i="0" u="none" strike="noStrike" cap="none" dirty="0">
+                          <a:solidFill>
+                            <a:srgbClr val="000000"/>
+                          </a:solidFill>
+                          <a:effectLst/>
+                          <a:latin typeface="Arial"/>
+                          <a:ea typeface="Arial"/>
+                          <a:cs typeface="Arial"/>
+                          <a:sym typeface="Arial"/>
+                        </a:rPr>
+                        <a:t>Research Gap</a:t>
+                      </a:r>
+                      <a:endParaRPr lang="en-US" dirty="0"/>
+                    </a:p>
+                  </a:txBody>
+                  <a:tcPr/>
+                </a:tc>
+                <a:extLst>
+                  <a:ext uri="{0D108BD9-81ED-4DB2-BD59-A6C34878D82A}">
+                    <a16:rowId xmlns:a16="http://schemas.microsoft.com/office/drawing/2014/main" val="2658897656"/>
+                  </a:ext>
+                </a:extLst>
+              </a:tr>
+              <a:tr h="496127">
+                <a:tc>
+                  <a:txBody>
+                    <a:bodyPr/>
+                    <a:lstStyle/>
+                    <a:p>
+                      <a:r>
+                        <a:rPr lang="en-US" sz="1400" b="0" i="0" u="none" strike="noStrike" cap="none" dirty="0">
+                          <a:solidFill>
+                            <a:schemeClr val="tx1"/>
+                          </a:solidFill>
+                          <a:effectLst/>
+                          <a:latin typeface="Arial"/>
+                          <a:ea typeface="Arial"/>
+                          <a:cs typeface="Arial"/>
+                          <a:sym typeface="Arial"/>
+                        </a:rPr>
+                        <a:t>Surveys</a:t>
+                      </a:r>
+                      <a:endParaRPr lang="en-US" dirty="0">
+                        <a:solidFill>
+                          <a:schemeClr val="tx1"/>
+                        </a:solidFill>
+                      </a:endParaRPr>
+                    </a:p>
+                  </a:txBody>
+                  <a:tcPr/>
+                </a:tc>
+                <a:tc>
+                  <a:txBody>
+                    <a:bodyPr/>
+                    <a:lstStyle/>
+                    <a:p>
+                      <a:r>
+                        <a:rPr lang="en-US" sz="1400" b="0" i="0" u="none" strike="noStrike" cap="none" dirty="0">
+                          <a:solidFill>
+                            <a:schemeClr val="tx1"/>
+                          </a:solidFill>
+                          <a:effectLst/>
+                          <a:latin typeface="Arial"/>
+                          <a:ea typeface="Arial"/>
+                          <a:cs typeface="Arial"/>
+                          <a:sym typeface="Arial"/>
+                        </a:rPr>
+                        <a:t>Gathers opinions on methods from stakeholders.</a:t>
+                      </a:r>
+                      <a:endParaRPr lang="en-US" dirty="0">
+                        <a:solidFill>
+                          <a:schemeClr val="tx1"/>
+                        </a:solidFill>
+                      </a:endParaRPr>
+                    </a:p>
+                  </a:txBody>
+                  <a:tcPr/>
+                </a:tc>
+                <a:tc>
+                  <a:txBody>
+                    <a:bodyPr/>
+                    <a:lstStyle/>
+                    <a:p>
+                      <a:r>
+                        <a:rPr lang="en-US" sz="1400" b="0" i="0" u="none" strike="noStrike" cap="none" dirty="0">
+                          <a:solidFill>
+                            <a:schemeClr val="tx1"/>
+                          </a:solidFill>
+                          <a:effectLst/>
+                          <a:latin typeface="Arial"/>
+                          <a:ea typeface="Arial"/>
+                          <a:cs typeface="Arial"/>
+                          <a:sym typeface="Arial"/>
+                        </a:rPr>
+                        <a:t>Risks biases due to social desirability in responses.</a:t>
+                      </a:r>
+                      <a:endParaRPr lang="en-US" dirty="0">
+                        <a:solidFill>
+                          <a:schemeClr val="tx1"/>
+                        </a:solidFill>
+                      </a:endParaRPr>
+                    </a:p>
+                  </a:txBody>
+                  <a:tcPr/>
+                </a:tc>
+                <a:extLst>
+                  <a:ext uri="{0D108BD9-81ED-4DB2-BD59-A6C34878D82A}">
+                    <a16:rowId xmlns:a16="http://schemas.microsoft.com/office/drawing/2014/main" val="3378789688"/>
+                  </a:ext>
+                </a:extLst>
+              </a:tr>
+              <a:tr h="496127">
+                <a:tc>
+                  <a:txBody>
+                    <a:bodyPr/>
+                    <a:lstStyle/>
+                    <a:p>
+                      <a:r>
+                        <a:rPr lang="en-US" sz="1400" b="0" i="0" u="none" strike="noStrike" cap="none" dirty="0">
+                          <a:solidFill>
+                            <a:schemeClr val="tx1"/>
+                          </a:solidFill>
+                          <a:effectLst/>
+                          <a:latin typeface="Arial"/>
+                          <a:ea typeface="Arial"/>
+                          <a:cs typeface="Arial"/>
+                          <a:sym typeface="Arial"/>
+                        </a:rPr>
+                        <a:t>Laboratory Experiments</a:t>
+                      </a:r>
+                      <a:endParaRPr lang="en-US" dirty="0">
+                        <a:solidFill>
+                          <a:schemeClr val="tx1"/>
+                        </a:solidFill>
+                      </a:endParaRPr>
+                    </a:p>
+                  </a:txBody>
+                  <a:tcPr/>
+                </a:tc>
+                <a:tc>
+                  <a:txBody>
+                    <a:bodyPr/>
+                    <a:lstStyle/>
+                    <a:p>
+                      <a:r>
+                        <a:rPr lang="en-US" sz="1400" b="0" i="0" u="none" strike="noStrike" cap="none" dirty="0">
+                          <a:solidFill>
+                            <a:schemeClr val="tx1"/>
+                          </a:solidFill>
+                          <a:effectLst/>
+                          <a:latin typeface="Arial"/>
+                          <a:ea typeface="Arial"/>
+                          <a:cs typeface="Arial"/>
+                          <a:sym typeface="Arial"/>
+                        </a:rPr>
+                        <a:t>Tests methods in controlled settings.</a:t>
+                      </a:r>
+                      <a:endParaRPr lang="en-US" dirty="0">
+                        <a:solidFill>
+                          <a:schemeClr val="tx1"/>
+                        </a:solidFill>
+                      </a:endParaRPr>
+                    </a:p>
+                  </a:txBody>
+                  <a:tcPr/>
+                </a:tc>
+                <a:tc>
+                  <a:txBody>
+                    <a:bodyPr/>
+                    <a:lstStyle/>
+                    <a:p>
+                      <a:r>
+                        <a:rPr lang="en-US" sz="1400" b="0" i="0" u="none" strike="noStrike" cap="none" dirty="0">
+                          <a:solidFill>
+                            <a:schemeClr val="tx1"/>
+                          </a:solidFill>
+                          <a:effectLst/>
+                          <a:latin typeface="Arial"/>
+                          <a:ea typeface="Arial"/>
+                          <a:cs typeface="Arial"/>
+                          <a:sym typeface="Arial"/>
+                        </a:rPr>
+                        <a:t>May not reflect real-world effectiveness.</a:t>
+                      </a:r>
+                      <a:endParaRPr lang="en-US" dirty="0">
+                        <a:solidFill>
+                          <a:schemeClr val="tx1"/>
+                        </a:solidFill>
+                      </a:endParaRPr>
+                    </a:p>
+                  </a:txBody>
+                  <a:tcPr/>
+                </a:tc>
+                <a:extLst>
+                  <a:ext uri="{0D108BD9-81ED-4DB2-BD59-A6C34878D82A}">
+                    <a16:rowId xmlns:a16="http://schemas.microsoft.com/office/drawing/2014/main" val="3794036056"/>
+                  </a:ext>
+                </a:extLst>
+              </a:tr>
+              <a:tr h="700415">
+                <a:tc>
+                  <a:txBody>
+                    <a:bodyPr/>
+                    <a:lstStyle/>
+                    <a:p>
+                      <a:r>
+                        <a:rPr lang="en-US" sz="1400" b="0" i="0" u="none" strike="noStrike" cap="none" dirty="0">
+                          <a:solidFill>
+                            <a:schemeClr val="tx1"/>
+                          </a:solidFill>
+                          <a:effectLst/>
+                          <a:latin typeface="Arial"/>
+                          <a:ea typeface="Arial"/>
+                          <a:cs typeface="Arial"/>
+                          <a:sym typeface="Arial"/>
+                        </a:rPr>
+                        <a:t>Field Experiments</a:t>
+                      </a:r>
+                      <a:endParaRPr lang="en-US" dirty="0">
+                        <a:solidFill>
+                          <a:schemeClr val="tx1"/>
+                        </a:solidFill>
+                      </a:endParaRPr>
+                    </a:p>
+                  </a:txBody>
+                  <a:tcPr/>
+                </a:tc>
+                <a:tc>
+                  <a:txBody>
+                    <a:bodyPr/>
+                    <a:lstStyle/>
+                    <a:p>
+                      <a:r>
+                        <a:rPr lang="en-US" sz="1400" b="0" i="0" u="none" strike="noStrike" cap="none" dirty="0">
+                          <a:solidFill>
+                            <a:schemeClr val="tx1"/>
+                          </a:solidFill>
+                          <a:effectLst/>
+                          <a:latin typeface="Arial"/>
+                          <a:ea typeface="Arial"/>
+                          <a:cs typeface="Arial"/>
+                          <a:sym typeface="Arial"/>
+                        </a:rPr>
+                        <a:t>Assesses methods in authentic organizational settings.</a:t>
+                      </a:r>
+                      <a:endParaRPr lang="en-US" dirty="0">
+                        <a:solidFill>
+                          <a:schemeClr val="tx1"/>
+                        </a:solidFill>
+                      </a:endParaRPr>
+                    </a:p>
+                  </a:txBody>
+                  <a:tcPr/>
+                </a:tc>
+                <a:tc>
+                  <a:txBody>
+                    <a:bodyPr/>
+                    <a:lstStyle/>
+                    <a:p>
+                      <a:r>
+                        <a:rPr lang="en-US" sz="1400" b="0" i="0" u="none" strike="noStrike" cap="none" dirty="0">
+                          <a:solidFill>
+                            <a:schemeClr val="tx1"/>
+                          </a:solidFill>
+                          <a:effectLst/>
+                          <a:latin typeface="Arial"/>
+                          <a:ea typeface="Arial"/>
+                          <a:cs typeface="Arial"/>
+                          <a:sym typeface="Arial"/>
+                        </a:rPr>
+                        <a:t>Challenging due to organizational variability.</a:t>
+                      </a:r>
+                      <a:endParaRPr lang="en-US" dirty="0">
+                        <a:solidFill>
+                          <a:schemeClr val="tx1"/>
+                        </a:solidFill>
+                      </a:endParaRPr>
+                    </a:p>
+                  </a:txBody>
+                  <a:tcPr/>
+                </a:tc>
+                <a:extLst>
+                  <a:ext uri="{0D108BD9-81ED-4DB2-BD59-A6C34878D82A}">
+                    <a16:rowId xmlns:a16="http://schemas.microsoft.com/office/drawing/2014/main" val="2808074042"/>
+                  </a:ext>
+                </a:extLst>
+              </a:tr>
+              <a:tr h="700415">
+                <a:tc>
+                  <a:txBody>
+                    <a:bodyPr/>
+                    <a:lstStyle/>
+                    <a:p>
+                      <a:r>
+                        <a:rPr lang="en-US" sz="1400" b="0" i="0" u="none" strike="noStrike" cap="none" dirty="0">
+                          <a:solidFill>
+                            <a:schemeClr val="tx1"/>
+                          </a:solidFill>
+                          <a:effectLst/>
+                          <a:latin typeface="Arial"/>
+                          <a:ea typeface="Arial"/>
+                          <a:cs typeface="Arial"/>
+                          <a:sym typeface="Arial"/>
+                        </a:rPr>
+                        <a:t>Case Studies</a:t>
+                      </a:r>
+                      <a:endParaRPr lang="en-US" dirty="0">
+                        <a:solidFill>
+                          <a:schemeClr val="tx1"/>
+                        </a:solidFill>
+                      </a:endParaRPr>
+                    </a:p>
+                  </a:txBody>
+                  <a:tcPr/>
+                </a:tc>
+                <a:tc>
+                  <a:txBody>
+                    <a:bodyPr/>
+                    <a:lstStyle/>
+                    <a:p>
+                      <a:r>
+                        <a:rPr lang="en-US" sz="1400" b="0" i="0" u="none" strike="noStrike" cap="none" dirty="0">
+                          <a:solidFill>
+                            <a:schemeClr val="tx1"/>
+                          </a:solidFill>
+                          <a:effectLst/>
+                          <a:latin typeface="Arial"/>
+                          <a:ea typeface="Arial"/>
+                          <a:cs typeface="Arial"/>
+                          <a:sym typeface="Arial"/>
+                        </a:rPr>
+                        <a:t>Examines method performance in specific contexts.</a:t>
+                      </a:r>
+                      <a:endParaRPr lang="en-US" dirty="0">
+                        <a:solidFill>
+                          <a:schemeClr val="tx1"/>
+                        </a:solidFill>
+                      </a:endParaRPr>
+                    </a:p>
+                  </a:txBody>
+                  <a:tcPr/>
+                </a:tc>
+                <a:tc>
+                  <a:txBody>
+                    <a:bodyPr/>
+                    <a:lstStyle/>
+                    <a:p>
+                      <a:pPr fontAlgn="base"/>
+                      <a:r>
+                        <a:rPr lang="en-US" dirty="0">
+                          <a:solidFill>
+                            <a:schemeClr val="tx1"/>
+                          </a:solidFill>
+                          <a:effectLst/>
+                        </a:rPr>
+                        <a:t>Susceptible to subjective interpretations.</a:t>
+                      </a:r>
+                    </a:p>
+                  </a:txBody>
+                  <a:tcPr anchor="ctr"/>
+                </a:tc>
+                <a:extLst>
+                  <a:ext uri="{0D108BD9-81ED-4DB2-BD59-A6C34878D82A}">
+                    <a16:rowId xmlns:a16="http://schemas.microsoft.com/office/drawing/2014/main" val="2375326995"/>
+                  </a:ext>
+                </a:extLst>
+              </a:tr>
+              <a:tr h="676435">
+                <a:tc>
+                  <a:txBody>
+                    <a:bodyPr/>
+                    <a:lstStyle/>
+                    <a:p>
+                      <a:r>
+                        <a:rPr lang="en-US" sz="1400" b="0" i="0" u="none" strike="noStrike" cap="none" dirty="0">
+                          <a:solidFill>
+                            <a:schemeClr val="tx1"/>
+                          </a:solidFill>
+                          <a:effectLst/>
+                          <a:latin typeface="Arial"/>
+                          <a:ea typeface="Arial"/>
+                          <a:cs typeface="Arial"/>
+                          <a:sym typeface="Arial"/>
+                        </a:rPr>
+                        <a:t>Cognitive Evaluation</a:t>
+                      </a:r>
+                      <a:endParaRPr lang="en-US" dirty="0">
+                        <a:solidFill>
+                          <a:schemeClr val="tx1"/>
+                        </a:solidFill>
+                      </a:endParaRPr>
+                    </a:p>
+                  </a:txBody>
+                  <a:tcPr/>
+                </a:tc>
+                <a:tc>
+                  <a:txBody>
+                    <a:bodyPr/>
+                    <a:lstStyle/>
+                    <a:p>
+                      <a:r>
+                        <a:rPr lang="en-US" sz="1400" b="0" i="0" u="none" strike="noStrike" cap="none" dirty="0">
+                          <a:solidFill>
+                            <a:schemeClr val="tx1"/>
+                          </a:solidFill>
+                          <a:effectLst/>
+                          <a:latin typeface="Arial"/>
+                          <a:ea typeface="Arial"/>
+                          <a:cs typeface="Arial"/>
+                          <a:sym typeface="Arial"/>
+                        </a:rPr>
+                        <a:t>Assesses user comprehension and interaction with methods.</a:t>
+                      </a:r>
+                      <a:endParaRPr lang="en-US" dirty="0">
+                        <a:solidFill>
+                          <a:schemeClr val="tx1"/>
+                        </a:solidFill>
+                      </a:endParaRPr>
+                    </a:p>
+                  </a:txBody>
+                  <a:tcPr/>
+                </a:tc>
+                <a:tc>
+                  <a:txBody>
+                    <a:bodyPr/>
+                    <a:lstStyle/>
+                    <a:p>
+                      <a:r>
+                        <a:rPr lang="en-US" sz="1400" b="0" i="0" u="none" strike="noStrike" cap="none" dirty="0">
+                          <a:solidFill>
+                            <a:schemeClr val="tx1"/>
+                          </a:solidFill>
+                          <a:effectLst/>
+                          <a:latin typeface="Arial"/>
+                          <a:ea typeface="Arial"/>
+                          <a:cs typeface="Arial"/>
+                          <a:sym typeface="Arial"/>
+                        </a:rPr>
+                        <a:t>May not fully capture method effectiveness.</a:t>
+                      </a:r>
+                      <a:endParaRPr lang="en-US" dirty="0">
+                        <a:solidFill>
+                          <a:schemeClr val="tx1"/>
+                        </a:solidFill>
+                      </a:endParaRPr>
+                    </a:p>
+                  </a:txBody>
+                  <a:tcPr/>
+                </a:tc>
+                <a:extLst>
+                  <a:ext uri="{0D108BD9-81ED-4DB2-BD59-A6C34878D82A}">
+                    <a16:rowId xmlns:a16="http://schemas.microsoft.com/office/drawing/2014/main" val="2541303687"/>
+                  </a:ext>
+                </a:extLst>
+              </a:tr>
+            </a:tbl>
+          </a:graphicData>
+        </a:graphic>
+      </p:graphicFrame>
     </p:spTree>
     <p:extLst>
       <p:ext uri="{BB962C8B-B14F-4D97-AF65-F5344CB8AC3E}">
-        <p14:creationId xmlns:p14="http://schemas.microsoft.com/office/powerpoint/2010/main" val="1932868176"/>
+        <p14:creationId xmlns:p14="http://schemas.microsoft.com/office/powerpoint/2010/main" val="1298756348"/>
       </p:ext>
     </p:extLst>
   </p:cSld>
   <p:clrMapOvr>
     <a:masterClrMapping/>
   </p:clrMapOvr>
+  <p:timing>
+    <p:tnLst>
+      <p:par>
+        <p:cTn id="1" dur="indefinite" restart="never" nodeType="tmRoot"/>
+      </p:par>
+    </p:tnLst>
+  </p:timing>
 </p:sld>
 </file>
 
-<file path=ppt/slides/slide9.xml><?xml version="1.0" encoding="utf-8"?>
+<file path=ppt/slides/slide8.xml><?xml version="1.0" encoding="utf-8"?>
 <p:sld xmlns:a="http://schemas.openxmlformats.org/drawingml/2006/main" xmlns:r="http://schemas.openxmlformats.org/officeDocument/2006/relationships" xmlns:p="http://schemas.openxmlformats.org/presentationml/2006/main">
   <p:cSld>
     <p:spTree>
@@ -40100,7 +41142,7 @@
         <p:spPr>
           <a:xfrm>
             <a:off x="7809595" y="4624832"/>
-            <a:ext cx="990977" cy="246221"/>
+            <a:ext cx="958917" cy="246221"/>
           </a:xfrm>
           <a:prstGeom prst="rect">
             <a:avLst/>
@@ -40117,17 +41159,8 @@
               <a:rPr lang="en-US" sz="1000" b="1" dirty="0">
                 <a:latin typeface="Montserrat Medium" panose="020B0604020202020204" charset="0"/>
               </a:rPr>
-              <a:t>Page No: </a:t>
+              <a:t>Page No: 08</a:t>
             </a:r>
-            <a:r>
-              <a:rPr lang="en-US" sz="1000" b="1" dirty="0" smtClean="0">
-                <a:latin typeface="Montserrat Medium" panose="020B0604020202020204" charset="0"/>
-              </a:rPr>
-              <a:t>09</a:t>
-            </a:r>
-            <a:endParaRPr lang="en-US" sz="1000" b="1" dirty="0">
-              <a:latin typeface="Montserrat Medium" panose="020B0604020202020204" charset="0"/>
-            </a:endParaRPr>
           </a:p>
         </p:txBody>
       </p:sp>
@@ -40407,282 +41440,92 @@
             <a:pPr algn="ctr"/>
             <a:r>
               <a:rPr lang="en-US" sz="2800" dirty="0"/>
-              <a:t>Research Gap Analysis</a:t>
+              <a:t>Objective &amp; Motivations</a:t>
             </a:r>
           </a:p>
         </p:txBody>
       </p:sp>
       <p:sp>
         <p:nvSpPr>
-          <p:cNvPr id="5" name="TextBox 4"/>
-          <p:cNvSpPr txBox="1"/>
-          <p:nvPr/>
+          <p:cNvPr id="12" name="Text Placeholder 11"/>
+          <p:cNvSpPr>
+            <a:spLocks noGrp="1"/>
+          </p:cNvSpPr>
+          <p:nvPr>
+            <p:ph type="body" idx="1"/>
+          </p:nvPr>
         </p:nvSpPr>
-        <p:spPr>
-          <a:xfrm>
-            <a:off x="1191829" y="1440195"/>
-            <a:ext cx="6770994" cy="3108543"/>
-          </a:xfrm>
-          <a:prstGeom prst="rect">
-            <a:avLst/>
-          </a:prstGeom>
-          <a:noFill/>
-        </p:spPr>
+        <p:spPr/>
         <p:txBody>
-          <a:bodyPr wrap="square" rtlCol="0">
-            <a:spAutoFit/>
-          </a:bodyPr>
+          <a:bodyPr/>
           <a:lstStyle/>
           <a:p>
-            <a:pPr marL="285750" indent="-285750">
-              <a:buFont typeface="Wingdings" panose="05000000000000000000" pitchFamily="2" charset="2"/>
-              <a:buChar char="§"/>
-            </a:pPr>
             <a:r>
-              <a:rPr lang="en-US" dirty="0" smtClean="0">
+              <a:rPr lang="en-US" dirty="0">
+                <a:solidFill>
+                  <a:schemeClr val="tx1"/>
+                </a:solidFill>
                 <a:latin typeface="Verdana" panose="020B0604030504040204" pitchFamily="34" charset="0"/>
                 <a:ea typeface="Verdana" panose="020B0604030504040204" pitchFamily="34" charset="0"/>
               </a:rPr>
-              <a:t> </a:t>
+              <a:t>Look at different ways to evaluate systems analysis and </a:t>
+            </a:r>
+            <a:r>
+              <a:rPr lang="en-US" dirty="0" smtClean="0">
+                <a:solidFill>
+                  <a:schemeClr val="tx1"/>
+                </a:solidFill>
+                <a:latin typeface="Verdana" panose="020B0604030504040204" pitchFamily="34" charset="0"/>
+                <a:ea typeface="Verdana" panose="020B0604030504040204" pitchFamily="34" charset="0"/>
+              </a:rPr>
+              <a:t>design </a:t>
             </a:r>
             <a:r>
               <a:rPr lang="en-US" dirty="0">
+                <a:solidFill>
+                  <a:schemeClr val="tx1"/>
+                </a:solidFill>
                 <a:latin typeface="Verdana" panose="020B0604030504040204" pitchFamily="34" charset="0"/>
                 <a:ea typeface="Verdana" panose="020B0604030504040204" pitchFamily="34" charset="0"/>
               </a:rPr>
-              <a:t>Need more real-world tests for </a:t>
+              <a:t>methods.</a:t>
             </a:r>
+          </a:p>
+          <a:p>
             <a:r>
-              <a:rPr lang="en-US" dirty="0" err="1">
+              <a:rPr lang="en-US" dirty="0">
+                <a:solidFill>
+                  <a:schemeClr val="tx1"/>
+                </a:solidFill>
                 <a:latin typeface="Verdana" panose="020B0604030504040204" pitchFamily="34" charset="0"/>
                 <a:ea typeface="Verdana" panose="020B0604030504040204" pitchFamily="34" charset="0"/>
               </a:rPr>
-              <a:t>metamodelling</a:t>
+              <a:t>Understand the thinking behind these ways of </a:t>
             </a:r>
             <a:r>
-              <a:rPr lang="en-US" dirty="0">
+              <a:rPr lang="en-US" dirty="0" smtClean="0">
+                <a:solidFill>
+                  <a:schemeClr val="tx1"/>
+                </a:solidFill>
                 <a:latin typeface="Verdana" panose="020B0604030504040204" pitchFamily="34" charset="0"/>
                 <a:ea typeface="Verdana" panose="020B0604030504040204" pitchFamily="34" charset="0"/>
               </a:rPr>
-              <a:t> and metrics analysis.</a:t>
+              <a:t>evaluating</a:t>
             </a:r>
-            <a:endParaRPr lang="en-US" dirty="0">
-              <a:latin typeface="Verdana" panose="020B0604030504040204" pitchFamily="34" charset="0"/>
-              <a:ea typeface="Verdana" panose="020B0604030504040204" pitchFamily="34" charset="0"/>
-            </a:endParaRPr>
-          </a:p>
-          <a:p>
-            <a:pPr marL="285750" indent="-285750">
-              <a:buFont typeface="Wingdings" panose="05000000000000000000" pitchFamily="2" charset="2"/>
-              <a:buChar char="§"/>
-            </a:pPr>
             <a:r>
               <a:rPr lang="en-US" dirty="0" smtClean="0">
+                <a:solidFill>
+                  <a:schemeClr val="tx1"/>
+                </a:solidFill>
                 <a:latin typeface="Verdana" panose="020B0604030504040204" pitchFamily="34" charset="0"/>
                 <a:ea typeface="Verdana" panose="020B0604030504040204" pitchFamily="34" charset="0"/>
               </a:rPr>
-              <a:t> </a:t>
-            </a:r>
-            <a:r>
-              <a:rPr lang="en-US" dirty="0">
-                <a:latin typeface="Verdana" panose="020B0604030504040204" pitchFamily="34" charset="0"/>
-                <a:ea typeface="Verdana" panose="020B0604030504040204" pitchFamily="34" charset="0"/>
-              </a:rPr>
-              <a:t>Not much testing for contingency identification in real organizations.</a:t>
+              <a:t>.</a:t>
             </a:r>
             <a:endParaRPr lang="en-US" dirty="0">
-              <a:latin typeface="Verdana" panose="020B0604030504040204" pitchFamily="34" charset="0"/>
-              <a:ea typeface="Verdana" panose="020B0604030504040204" pitchFamily="34" charset="0"/>
-            </a:endParaRPr>
-          </a:p>
-          <a:p>
-            <a:pPr marL="285750" indent="-285750">
-              <a:buFont typeface="Wingdings" panose="05000000000000000000" pitchFamily="2" charset="2"/>
-              <a:buChar char="§"/>
-            </a:pPr>
-            <a:r>
-              <a:rPr lang="en-US" dirty="0" smtClean="0">
-                <a:latin typeface="Verdana" panose="020B0604030504040204" pitchFamily="34" charset="0"/>
-                <a:ea typeface="Verdana" panose="020B0604030504040204" pitchFamily="34" charset="0"/>
-              </a:rPr>
-              <a:t> </a:t>
-            </a:r>
-            <a:r>
-              <a:rPr lang="en-US" dirty="0">
-                <a:latin typeface="Verdana" panose="020B0604030504040204" pitchFamily="34" charset="0"/>
-                <a:ea typeface="Verdana" panose="020B0604030504040204" pitchFamily="34" charset="0"/>
-              </a:rPr>
-              <a:t>Not sure if the ideas used in ontological evaluation are right.</a:t>
-            </a:r>
-            <a:endParaRPr lang="en-US" dirty="0">
-              <a:latin typeface="Verdana" panose="020B0604030504040204" pitchFamily="34" charset="0"/>
-              <a:ea typeface="Verdana" panose="020B0604030504040204" pitchFamily="34" charset="0"/>
-            </a:endParaRPr>
-          </a:p>
-          <a:p>
-            <a:pPr marL="285750" indent="-285750">
-              <a:buFont typeface="Wingdings" panose="05000000000000000000" pitchFamily="2" charset="2"/>
-              <a:buChar char="§"/>
-            </a:pPr>
-            <a:r>
-              <a:rPr lang="en-US" dirty="0" smtClean="0">
-                <a:latin typeface="Verdana" panose="020B0604030504040204" pitchFamily="34" charset="0"/>
-                <a:ea typeface="Verdana" panose="020B0604030504040204" pitchFamily="34" charset="0"/>
-              </a:rPr>
-              <a:t> </a:t>
-            </a:r>
-            <a:r>
-              <a:rPr lang="en-US" dirty="0">
-                <a:latin typeface="Verdana" panose="020B0604030504040204" pitchFamily="34" charset="0"/>
-                <a:ea typeface="Verdana" panose="020B0604030504040204" pitchFamily="34" charset="0"/>
-              </a:rPr>
-              <a:t>Might not show how methods work in real life with laboratory experiments.</a:t>
-            </a:r>
-            <a:endParaRPr lang="en-US" dirty="0">
-              <a:latin typeface="Verdana" panose="020B0604030504040204" pitchFamily="34" charset="0"/>
-              <a:ea typeface="Verdana" panose="020B0604030504040204" pitchFamily="34" charset="0"/>
-            </a:endParaRPr>
-          </a:p>
-          <a:p>
-            <a:pPr marL="285750" indent="-285750">
-              <a:buFont typeface="Wingdings" panose="05000000000000000000" pitchFamily="2" charset="2"/>
-              <a:buChar char="§"/>
-            </a:pPr>
-            <a:r>
-              <a:rPr lang="en-US" dirty="0" smtClean="0">
-                <a:latin typeface="Verdana" panose="020B0604030504040204" pitchFamily="34" charset="0"/>
-                <a:ea typeface="Verdana" panose="020B0604030504040204" pitchFamily="34" charset="0"/>
-              </a:rPr>
-              <a:t> </a:t>
-            </a:r>
-            <a:r>
-              <a:rPr lang="en-US" dirty="0">
-                <a:latin typeface="Verdana" panose="020B0604030504040204" pitchFamily="34" charset="0"/>
-                <a:ea typeface="Verdana" panose="020B0604030504040204" pitchFamily="34" charset="0"/>
-              </a:rPr>
-              <a:t>Hard to test methods in real situations with field experiments.</a:t>
-            </a:r>
-            <a:endParaRPr lang="en-US" dirty="0">
-              <a:latin typeface="Verdana" panose="020B0604030504040204" pitchFamily="34" charset="0"/>
-              <a:ea typeface="Verdana" panose="020B0604030504040204" pitchFamily="34" charset="0"/>
-            </a:endParaRPr>
-          </a:p>
-          <a:p>
-            <a:pPr marL="285750" indent="-285750">
-              <a:buFont typeface="Wingdings" panose="05000000000000000000" pitchFamily="2" charset="2"/>
-              <a:buChar char="§"/>
-            </a:pPr>
-            <a:r>
-              <a:rPr lang="en-US" dirty="0" smtClean="0">
-                <a:latin typeface="Verdana" panose="020B0604030504040204" pitchFamily="34" charset="0"/>
-                <a:ea typeface="Verdana" panose="020B0604030504040204" pitchFamily="34" charset="0"/>
-              </a:rPr>
-              <a:t> </a:t>
-            </a:r>
-            <a:r>
-              <a:rPr lang="en-US" dirty="0">
-                <a:latin typeface="Verdana" panose="020B0604030504040204" pitchFamily="34" charset="0"/>
-                <a:ea typeface="Verdana" panose="020B0604030504040204" pitchFamily="34" charset="0"/>
-              </a:rPr>
-              <a:t>Personal opinions can influence case studies.</a:t>
-            </a:r>
-            <a:endParaRPr lang="en-US" dirty="0">
-              <a:latin typeface="Verdana" panose="020B0604030504040204" pitchFamily="34" charset="0"/>
-              <a:ea typeface="Verdana" panose="020B0604030504040204" pitchFamily="34" charset="0"/>
-            </a:endParaRPr>
-          </a:p>
-          <a:p>
-            <a:pPr marL="285750" indent="-285750">
-              <a:buFont typeface="Wingdings" panose="05000000000000000000" pitchFamily="2" charset="2"/>
-              <a:buChar char="§"/>
-            </a:pPr>
-            <a:r>
-              <a:rPr lang="en-US" dirty="0" smtClean="0">
-                <a:latin typeface="Verdana" panose="020B0604030504040204" pitchFamily="34" charset="0"/>
-                <a:ea typeface="Verdana" panose="020B0604030504040204" pitchFamily="34" charset="0"/>
-              </a:rPr>
-              <a:t> </a:t>
-            </a:r>
-            <a:r>
-              <a:rPr lang="en-US" dirty="0">
-                <a:latin typeface="Verdana" panose="020B0604030504040204" pitchFamily="34" charset="0"/>
-                <a:ea typeface="Verdana" panose="020B0604030504040204" pitchFamily="34" charset="0"/>
-              </a:rPr>
-              <a:t>People doing action research might affect the results.</a:t>
-            </a:r>
-            <a:endParaRPr lang="en-US" dirty="0">
-              <a:latin typeface="Verdana" panose="020B0604030504040204" pitchFamily="34" charset="0"/>
-              <a:ea typeface="Verdana" panose="020B0604030504040204" pitchFamily="34" charset="0"/>
-            </a:endParaRPr>
-          </a:p>
-          <a:p>
-            <a:pPr marL="285750" indent="-285750">
-              <a:buFont typeface="Wingdings" panose="05000000000000000000" pitchFamily="2" charset="2"/>
-              <a:buChar char="§"/>
-            </a:pPr>
-            <a:r>
-              <a:rPr lang="en-US" dirty="0" smtClean="0">
-                <a:latin typeface="Verdana" panose="020B0604030504040204" pitchFamily="34" charset="0"/>
-                <a:ea typeface="Verdana" panose="020B0604030504040204" pitchFamily="34" charset="0"/>
-              </a:rPr>
-              <a:t> </a:t>
-            </a:r>
-            <a:r>
-              <a:rPr lang="en-US" dirty="0">
-                <a:latin typeface="Verdana" panose="020B0604030504040204" pitchFamily="34" charset="0"/>
-                <a:ea typeface="Verdana" panose="020B0604030504040204" pitchFamily="34" charset="0"/>
-              </a:rPr>
-              <a:t>Might change depending on who’s watching in verbal protocol analysis.</a:t>
-            </a:r>
-            <a:endParaRPr lang="en-US" dirty="0">
-              <a:latin typeface="Verdana" panose="020B0604030504040204" pitchFamily="34" charset="0"/>
-              <a:ea typeface="Verdana" panose="020B0604030504040204" pitchFamily="34" charset="0"/>
-            </a:endParaRPr>
-          </a:p>
-          <a:p>
-            <a:pPr marL="285750" indent="-285750">
-              <a:buFont typeface="Wingdings" panose="05000000000000000000" pitchFamily="2" charset="2"/>
-              <a:buChar char="§"/>
-            </a:pPr>
-            <a:r>
-              <a:rPr lang="en-US" dirty="0" smtClean="0">
-                <a:latin typeface="Verdana" panose="020B0604030504040204" pitchFamily="34" charset="0"/>
-                <a:ea typeface="Verdana" panose="020B0604030504040204" pitchFamily="34" charset="0"/>
-              </a:rPr>
-              <a:t> </a:t>
-            </a:r>
-            <a:r>
-              <a:rPr lang="en-US" dirty="0">
-                <a:latin typeface="Verdana" panose="020B0604030504040204" pitchFamily="34" charset="0"/>
-                <a:ea typeface="Verdana" panose="020B0604030504040204" pitchFamily="34" charset="0"/>
-              </a:rPr>
-              <a:t>Comparing methods might be biased because of who makes the list.</a:t>
-            </a:r>
-            <a:endParaRPr lang="en-US" dirty="0">
-              <a:latin typeface="Verdana" panose="020B0604030504040204" pitchFamily="34" charset="0"/>
-              <a:ea typeface="Verdana" panose="020B0604030504040204" pitchFamily="34" charset="0"/>
-            </a:endParaRPr>
-          </a:p>
-          <a:p>
-            <a:pPr marL="285750" indent="-285750">
-              <a:buFont typeface="Wingdings" panose="05000000000000000000" pitchFamily="2" charset="2"/>
-              <a:buChar char="§"/>
-            </a:pPr>
-            <a:r>
-              <a:rPr lang="en-US" dirty="0" smtClean="0">
-                <a:latin typeface="Verdana" panose="020B0604030504040204" pitchFamily="34" charset="0"/>
-                <a:ea typeface="Verdana" panose="020B0604030504040204" pitchFamily="34" charset="0"/>
-              </a:rPr>
-              <a:t> </a:t>
-            </a:r>
-            <a:r>
-              <a:rPr lang="en-US" dirty="0">
-                <a:latin typeface="Verdana" panose="020B0604030504040204" pitchFamily="34" charset="0"/>
-                <a:ea typeface="Verdana" panose="020B0604030504040204" pitchFamily="34" charset="0"/>
-              </a:rPr>
-              <a:t>Cognitive evaluation might not be good for judging methods.</a:t>
-            </a:r>
-            <a:endParaRPr lang="en-US" dirty="0">
+              <a:solidFill>
+                <a:schemeClr val="tx1"/>
+              </a:solidFill>
               <a:latin typeface="Verdana" panose="020B0604030504040204" pitchFamily="34" charset="0"/>
               <a:ea typeface="Verdana" panose="020B0604030504040204" pitchFamily="34" charset="0"/>
             </a:endParaRPr>
@@ -40690,18 +41533,23 @@
           <a:p>
             <a:r>
               <a:rPr lang="en-US" dirty="0">
+                <a:solidFill>
+                  <a:schemeClr val="tx1"/>
+                </a:solidFill>
                 <a:latin typeface="Verdana" panose="020B0604030504040204" pitchFamily="34" charset="0"/>
                 <a:ea typeface="Verdana" panose="020B0604030504040204" pitchFamily="34" charset="0"/>
               </a:rPr>
-              <a:t/>
+              <a:t>Suggest new things to study based on what we find.</a:t>
             </a:r>
-            <a:br>
-              <a:rPr lang="en-US" dirty="0">
-                <a:latin typeface="Verdana" panose="020B0604030504040204" pitchFamily="34" charset="0"/>
-                <a:ea typeface="Verdana" panose="020B0604030504040204" pitchFamily="34" charset="0"/>
-              </a:rPr>
-            </a:br>
+          </a:p>
+          <a:p>
+            <a:pPr marL="139700" indent="0">
+              <a:buNone/>
+            </a:pPr>
             <a:endParaRPr lang="en-US" dirty="0">
+              <a:solidFill>
+                <a:schemeClr val="tx1"/>
+              </a:solidFill>
               <a:latin typeface="Verdana" panose="020B0604030504040204" pitchFamily="34" charset="0"/>
               <a:ea typeface="Verdana" panose="020B0604030504040204" pitchFamily="34" charset="0"/>
             </a:endParaRPr>
@@ -40711,13 +41559,1966 @@
     </p:spTree>
     <p:extLst>
       <p:ext uri="{BB962C8B-B14F-4D97-AF65-F5344CB8AC3E}">
-        <p14:creationId xmlns:p14="http://schemas.microsoft.com/office/powerpoint/2010/main" val="919159030"/>
+        <p14:creationId xmlns:p14="http://schemas.microsoft.com/office/powerpoint/2010/main" val="2991548393"/>
       </p:ext>
     </p:extLst>
   </p:cSld>
   <p:clrMapOvr>
     <a:masterClrMapping/>
   </p:clrMapOvr>
+  <p:timing>
+    <p:tnLst>
+      <p:par>
+        <p:cTn id="1" dur="indefinite" restart="never" nodeType="tmRoot"/>
+      </p:par>
+    </p:tnLst>
+  </p:timing>
+</p:sld>
+</file>
+
+<file path=ppt/slides/slide9.xml><?xml version="1.0" encoding="utf-8"?>
+<p:sld xmlns:a="http://schemas.openxmlformats.org/drawingml/2006/main" xmlns:r="http://schemas.openxmlformats.org/officeDocument/2006/relationships" xmlns:p="http://schemas.openxmlformats.org/presentationml/2006/main">
+  <p:cSld>
+    <p:spTree>
+      <p:nvGrpSpPr>
+        <p:cNvPr id="1" name="Shape 47"/>
+        <p:cNvGrpSpPr/>
+        <p:nvPr/>
+      </p:nvGrpSpPr>
+      <p:grpSpPr>
+        <a:xfrm>
+          <a:off x="0" y="0"/>
+          <a:ext cx="0" cy="0"/>
+          <a:chOff x="0" y="0"/>
+          <a:chExt cx="0" cy="0"/>
+        </a:xfrm>
+      </p:grpSpPr>
+      <p:sp>
+        <p:nvSpPr>
+          <p:cNvPr id="217" name="Google Shape;50;p15"/>
+          <p:cNvSpPr txBox="1"/>
+          <p:nvPr/>
+        </p:nvSpPr>
+        <p:spPr>
+          <a:xfrm>
+            <a:off x="-373566" y="4828398"/>
+            <a:ext cx="3000000" cy="166500"/>
+          </a:xfrm>
+          <a:prstGeom prst="rect">
+            <a:avLst/>
+          </a:prstGeom>
+          <a:noFill/>
+          <a:ln>
+            <a:noFill/>
+          </a:ln>
+        </p:spPr>
+        <p:txBody>
+          <a:bodyPr spcFirstLastPara="1" wrap="square" lIns="91425" tIns="91425" rIns="91425" bIns="91425" anchor="ctr" anchorCtr="0">
+            <a:noAutofit/>
+          </a:bodyPr>
+          <a:lstStyle/>
+          <a:p>
+            <a:pPr lvl="0" algn="ctr"/>
+            <a:endParaRPr sz="800" b="1" dirty="0">
+              <a:solidFill>
+                <a:schemeClr val="dk1"/>
+              </a:solidFill>
+              <a:latin typeface="Montserrat"/>
+              <a:ea typeface="Montserrat"/>
+              <a:cs typeface="Montserrat"/>
+              <a:sym typeface="Montserrat"/>
+            </a:endParaRPr>
+          </a:p>
+        </p:txBody>
+      </p:sp>
+      <p:sp>
+        <p:nvSpPr>
+          <p:cNvPr id="2" name="Rectangle 1"/>
+          <p:cNvSpPr>
+            <a:spLocks noChangeArrowheads="1"/>
+          </p:cNvSpPr>
+          <p:nvPr/>
+        </p:nvSpPr>
+        <p:spPr bwMode="auto">
+          <a:xfrm>
+            <a:off x="0" y="-188620"/>
+            <a:ext cx="1636643" cy="4385816"/>
+          </a:xfrm>
+          <a:prstGeom prst="rect">
+            <a:avLst/>
+          </a:prstGeom>
+          <a:noFill/>
+          <a:ln>
+            <a:noFill/>
+          </a:ln>
+          <a:effectLst/>
+          <a:extLst>
+            <a:ext uri="{909E8E84-426E-40DD-AFC4-6F175D3DCCD1}">
+              <a14:hiddenFill xmlns:a14="http://schemas.microsoft.com/office/drawing/2010/main">
+                <a:solidFill>
+                  <a:schemeClr val="accent1"/>
+                </a:solidFill>
+              </a14:hiddenFill>
+            </a:ext>
+            <a:ext uri="{91240B29-F687-4F45-9708-019B960494DF}">
+              <a14:hiddenLine xmlns:a14="http://schemas.microsoft.com/office/drawing/2010/main" w="9525">
+                <a:solidFill>
+                  <a:schemeClr val="tx1"/>
+                </a:solidFill>
+                <a:miter lim="800000"/>
+                <a:headEnd/>
+                <a:tailEnd/>
+              </a14:hiddenLine>
+            </a:ext>
+            <a:ext uri="{AF507438-7753-43E0-B8FC-AC1667EBCBE1}">
+              <a14:hiddenEffects xmlns:a14="http://schemas.microsoft.com/office/drawing/2010/main">
+                <a:effectLst>
+                  <a:outerShdw dist="35921" dir="2700000" algn="ctr" rotWithShape="0">
+                    <a:schemeClr val="bg2"/>
+                  </a:outerShdw>
+                </a:effectLst>
+              </a14:hiddenEffects>
+            </a:ext>
+          </a:extLst>
+        </p:spPr>
+        <p:txBody>
+          <a:bodyPr vert="horz" wrap="square" lIns="91440" tIns="45720" rIns="91440" bIns="45720" numCol="1" anchor="ctr" anchorCtr="0" compatLnSpc="1">
+            <a:prstTxWarp prst="textNoShape">
+              <a:avLst/>
+            </a:prstTxWarp>
+            <a:spAutoFit/>
+          </a:bodyPr>
+          <a:lstStyle/>
+          <a:p>
+            <a:pPr marL="0" marR="0" lvl="0" indent="0" algn="l" defTabSz="914400" rtl="0" eaLnBrk="0" fontAlgn="base" latinLnBrk="0" hangingPunct="0">
+              <a:lnSpc>
+                <a:spcPct val="100000"/>
+              </a:lnSpc>
+              <a:spcBef>
+                <a:spcPct val="0"/>
+              </a:spcBef>
+              <a:spcAft>
+                <a:spcPct val="0"/>
+              </a:spcAft>
+              <a:buClrTx/>
+              <a:buSzTx/>
+              <a:buFontTx/>
+              <a:buNone/>
+              <a:tabLst/>
+            </a:pPr>
+            <a:r>
+              <a:rPr kumimoji="0" lang="en-US" altLang="en-US" sz="1800" b="0" i="0" u="none" strike="noStrike" cap="none" normalizeH="0" baseline="0" dirty="0">
+                <a:ln>
+                  <a:noFill/>
+                </a:ln>
+                <a:solidFill>
+                  <a:schemeClr val="tx1"/>
+                </a:solidFill>
+                <a:effectLst/>
+                <a:latin typeface="Arial" panose="020B0604020202020204" pitchFamily="34" charset="0"/>
+              </a:rPr>
+              <a:t>  </a:t>
+            </a:r>
+            <a:r>
+              <a:rPr kumimoji="0" lang="en-US" altLang="en-US" sz="27900" b="0" i="0" u="none" strike="noStrike" cap="none" normalizeH="0" baseline="0" dirty="0">
+                <a:ln>
+                  <a:noFill/>
+                </a:ln>
+                <a:solidFill>
+                  <a:schemeClr val="tx1"/>
+                </a:solidFill>
+                <a:effectLst/>
+                <a:latin typeface="Arial" panose="020B0604020202020204" pitchFamily="34" charset="0"/>
+              </a:rPr>
+              <a:t> </a:t>
+            </a:r>
+            <a:endParaRPr kumimoji="0" lang="en-US" altLang="en-US" sz="1800" b="0" i="0" u="none" strike="noStrike" cap="none" normalizeH="0" baseline="0" dirty="0">
+              <a:ln>
+                <a:noFill/>
+              </a:ln>
+              <a:solidFill>
+                <a:schemeClr val="tx1"/>
+              </a:solidFill>
+              <a:effectLst/>
+              <a:latin typeface="Arial" panose="020B0604020202020204" pitchFamily="34" charset="0"/>
+            </a:endParaRPr>
+          </a:p>
+        </p:txBody>
+      </p:sp>
+      <p:grpSp>
+        <p:nvGrpSpPr>
+          <p:cNvPr id="6" name="Group 5"/>
+          <p:cNvGrpSpPr/>
+          <p:nvPr/>
+        </p:nvGrpSpPr>
+        <p:grpSpPr>
+          <a:xfrm>
+            <a:off x="660805" y="4584239"/>
+            <a:ext cx="3435872" cy="327409"/>
+            <a:chOff x="215685" y="4664693"/>
+            <a:chExt cx="3435872" cy="327409"/>
+          </a:xfrm>
+        </p:grpSpPr>
+        <p:pic>
+          <p:nvPicPr>
+            <p:cNvPr id="1026" name="Picture 2" descr="https://lh7-us.googleusercontent.com/hZYEiqL7_G8utnkksiQWyPU_88DSpG4RVYuFQEPnho2vyvqcM3in0gZpFBLIMp41p9nv0colgQR5mj-UsK7b3TMIA7l2JFGy5RT-alNIV9gMLrzESKwnn8I8rN7vqHN3NyGR6UpoJSeRe_q7SY7BKg=s2048"/>
+            <p:cNvPicPr>
+              <a:picLocks noChangeAspect="1" noChangeArrowheads="1"/>
+            </p:cNvPicPr>
+            <p:nvPr/>
+          </p:nvPicPr>
+          <p:blipFill>
+            <a:blip r:embed="rId3">
+              <a:extLst>
+                <a:ext uri="{28A0092B-C50C-407E-A947-70E740481C1C}">
+                  <a14:useLocalDpi xmlns:a14="http://schemas.microsoft.com/office/drawing/2010/main" val="0"/>
+                </a:ext>
+              </a:extLst>
+            </a:blip>
+            <a:srcRect/>
+            <a:stretch>
+              <a:fillRect/>
+            </a:stretch>
+          </p:blipFill>
+          <p:spPr bwMode="auto">
+            <a:xfrm>
+              <a:off x="215685" y="4664693"/>
+              <a:ext cx="360502" cy="327409"/>
+            </a:xfrm>
+            <a:prstGeom prst="rect">
+              <a:avLst/>
+            </a:prstGeom>
+            <a:noFill/>
+            <a:extLst>
+              <a:ext uri="{909E8E84-426E-40DD-AFC4-6F175D3DCCD1}">
+                <a14:hiddenFill xmlns:a14="http://schemas.microsoft.com/office/drawing/2010/main">
+                  <a:solidFill>
+                    <a:srgbClr val="FFFFFF"/>
+                  </a:solidFill>
+                </a14:hiddenFill>
+              </a:ext>
+            </a:extLst>
+          </p:spPr>
+        </p:pic>
+        <p:sp>
+          <p:nvSpPr>
+            <p:cNvPr id="218" name="Google Shape;50;p15"/>
+            <p:cNvSpPr txBox="1"/>
+            <p:nvPr/>
+          </p:nvSpPr>
+          <p:spPr>
+            <a:xfrm>
+              <a:off x="484288" y="4745147"/>
+              <a:ext cx="3167269" cy="166500"/>
+            </a:xfrm>
+            <a:prstGeom prst="rect">
+              <a:avLst/>
+            </a:prstGeom>
+            <a:noFill/>
+            <a:ln>
+              <a:noFill/>
+            </a:ln>
+          </p:spPr>
+          <p:txBody>
+            <a:bodyPr spcFirstLastPara="1" wrap="square" lIns="91425" tIns="91425" rIns="91425" bIns="91425" anchor="ctr" anchorCtr="0">
+              <a:noAutofit/>
+            </a:bodyPr>
+            <a:lstStyle/>
+            <a:p>
+              <a:pPr lvl="0" algn="ctr"/>
+              <a:r>
+                <a:rPr lang="en-US" sz="800" dirty="0">
+                  <a:solidFill>
+                    <a:schemeClr val="dk1"/>
+                  </a:solidFill>
+                  <a:latin typeface="Montserrat"/>
+                  <a:ea typeface="Montserrat"/>
+                  <a:cs typeface="Montserrat"/>
+                  <a:sym typeface="Montserrat"/>
+                </a:rPr>
+                <a:t>United International University (UIU), Dhaka, Bangladesh.</a:t>
+              </a:r>
+              <a:endParaRPr sz="800" b="1" dirty="0">
+                <a:solidFill>
+                  <a:schemeClr val="dk1"/>
+                </a:solidFill>
+                <a:latin typeface="Montserrat"/>
+                <a:ea typeface="Montserrat"/>
+                <a:cs typeface="Montserrat"/>
+                <a:sym typeface="Montserrat"/>
+              </a:endParaRPr>
+            </a:p>
+          </p:txBody>
+        </p:sp>
+      </p:grpSp>
+      <p:sp>
+        <p:nvSpPr>
+          <p:cNvPr id="7" name="TextBox 6"/>
+          <p:cNvSpPr txBox="1"/>
+          <p:nvPr/>
+        </p:nvSpPr>
+        <p:spPr>
+          <a:xfrm>
+            <a:off x="7809595" y="4624832"/>
+            <a:ext cx="954107" cy="246221"/>
+          </a:xfrm>
+          <a:prstGeom prst="rect">
+            <a:avLst/>
+          </a:prstGeom>
+          <a:noFill/>
+        </p:spPr>
+        <p:txBody>
+          <a:bodyPr wrap="none" rtlCol="0">
+            <a:spAutoFit/>
+          </a:bodyPr>
+          <a:lstStyle/>
+          <a:p>
+            <a:r>
+              <a:rPr lang="en-US" sz="1000" b="1" dirty="0">
+                <a:latin typeface="Montserrat Medium" panose="020B0604020202020204" charset="0"/>
+              </a:rPr>
+              <a:t>Page No: 09</a:t>
+            </a:r>
+          </a:p>
+        </p:txBody>
+      </p:sp>
+      <p:sp>
+        <p:nvSpPr>
+          <p:cNvPr id="220" name="Google Shape;223;p16"/>
+          <p:cNvSpPr txBox="1">
+            <a:spLocks/>
+          </p:cNvSpPr>
+          <p:nvPr/>
+        </p:nvSpPr>
+        <p:spPr>
+          <a:xfrm>
+            <a:off x="452550" y="411475"/>
+            <a:ext cx="8238900" cy="561600"/>
+          </a:xfrm>
+          <a:prstGeom prst="rect">
+            <a:avLst/>
+          </a:prstGeom>
+          <a:noFill/>
+          <a:ln>
+            <a:noFill/>
+          </a:ln>
+        </p:spPr>
+        <p:txBody>
+          <a:bodyPr spcFirstLastPara="1" wrap="square" lIns="91425" tIns="91425" rIns="91425" bIns="91425" anchor="t" anchorCtr="0">
+            <a:noAutofit/>
+          </a:bodyPr>
+          <a:lstStyle>
+            <a:defPPr marR="0" lvl="0" algn="l" rtl="0">
+              <a:lnSpc>
+                <a:spcPct val="100000"/>
+              </a:lnSpc>
+              <a:spcBef>
+                <a:spcPts val="0"/>
+              </a:spcBef>
+              <a:spcAft>
+                <a:spcPts val="0"/>
+              </a:spcAft>
+            </a:defPPr>
+            <a:lvl1pPr marR="0" lvl="0" algn="l" rtl="0">
+              <a:lnSpc>
+                <a:spcPct val="90000"/>
+              </a:lnSpc>
+              <a:spcBef>
+                <a:spcPts val="0"/>
+              </a:spcBef>
+              <a:spcAft>
+                <a:spcPts val="0"/>
+              </a:spcAft>
+              <a:buClr>
+                <a:schemeClr val="dk1"/>
+              </a:buClr>
+              <a:buSzPts val="5200"/>
+              <a:buFont typeface="Montserrat"/>
+              <a:buNone/>
+              <a:defRPr sz="5000" b="1" i="0" u="none" strike="noStrike" cap="none">
+                <a:solidFill>
+                  <a:schemeClr val="dk1"/>
+                </a:solidFill>
+                <a:latin typeface="Montserrat"/>
+                <a:ea typeface="Montserrat"/>
+                <a:cs typeface="Montserrat"/>
+                <a:sym typeface="Montserrat"/>
+              </a:defRPr>
+            </a:lvl1pPr>
+            <a:lvl2pPr marR="0" lvl="1" algn="ctr" rtl="0">
+              <a:lnSpc>
+                <a:spcPct val="100000"/>
+              </a:lnSpc>
+              <a:spcBef>
+                <a:spcPts val="0"/>
+              </a:spcBef>
+              <a:spcAft>
+                <a:spcPts val="0"/>
+              </a:spcAft>
+              <a:buClr>
+                <a:schemeClr val="dk1"/>
+              </a:buClr>
+              <a:buSzPts val="5200"/>
+              <a:buFont typeface="Montserrat"/>
+              <a:buNone/>
+              <a:defRPr sz="5200" b="1" i="0" u="none" strike="noStrike" cap="none">
+                <a:solidFill>
+                  <a:schemeClr val="dk1"/>
+                </a:solidFill>
+                <a:latin typeface="Montserrat"/>
+                <a:ea typeface="Montserrat"/>
+                <a:cs typeface="Montserrat"/>
+                <a:sym typeface="Montserrat"/>
+              </a:defRPr>
+            </a:lvl2pPr>
+            <a:lvl3pPr marR="0" lvl="2" algn="ctr" rtl="0">
+              <a:lnSpc>
+                <a:spcPct val="100000"/>
+              </a:lnSpc>
+              <a:spcBef>
+                <a:spcPts val="0"/>
+              </a:spcBef>
+              <a:spcAft>
+                <a:spcPts val="0"/>
+              </a:spcAft>
+              <a:buClr>
+                <a:schemeClr val="dk1"/>
+              </a:buClr>
+              <a:buSzPts val="5200"/>
+              <a:buFont typeface="Montserrat"/>
+              <a:buNone/>
+              <a:defRPr sz="5200" b="1" i="0" u="none" strike="noStrike" cap="none">
+                <a:solidFill>
+                  <a:schemeClr val="dk1"/>
+                </a:solidFill>
+                <a:latin typeface="Montserrat"/>
+                <a:ea typeface="Montserrat"/>
+                <a:cs typeface="Montserrat"/>
+                <a:sym typeface="Montserrat"/>
+              </a:defRPr>
+            </a:lvl3pPr>
+            <a:lvl4pPr marR="0" lvl="3" algn="ctr" rtl="0">
+              <a:lnSpc>
+                <a:spcPct val="100000"/>
+              </a:lnSpc>
+              <a:spcBef>
+                <a:spcPts val="0"/>
+              </a:spcBef>
+              <a:spcAft>
+                <a:spcPts val="0"/>
+              </a:spcAft>
+              <a:buClr>
+                <a:schemeClr val="dk1"/>
+              </a:buClr>
+              <a:buSzPts val="5200"/>
+              <a:buFont typeface="Montserrat"/>
+              <a:buNone/>
+              <a:defRPr sz="5200" b="1" i="0" u="none" strike="noStrike" cap="none">
+                <a:solidFill>
+                  <a:schemeClr val="dk1"/>
+                </a:solidFill>
+                <a:latin typeface="Montserrat"/>
+                <a:ea typeface="Montserrat"/>
+                <a:cs typeface="Montserrat"/>
+                <a:sym typeface="Montserrat"/>
+              </a:defRPr>
+            </a:lvl4pPr>
+            <a:lvl5pPr marR="0" lvl="4" algn="ctr" rtl="0">
+              <a:lnSpc>
+                <a:spcPct val="100000"/>
+              </a:lnSpc>
+              <a:spcBef>
+                <a:spcPts val="0"/>
+              </a:spcBef>
+              <a:spcAft>
+                <a:spcPts val="0"/>
+              </a:spcAft>
+              <a:buClr>
+                <a:schemeClr val="dk1"/>
+              </a:buClr>
+              <a:buSzPts val="5200"/>
+              <a:buFont typeface="Montserrat"/>
+              <a:buNone/>
+              <a:defRPr sz="5200" b="1" i="0" u="none" strike="noStrike" cap="none">
+                <a:solidFill>
+                  <a:schemeClr val="dk1"/>
+                </a:solidFill>
+                <a:latin typeface="Montserrat"/>
+                <a:ea typeface="Montserrat"/>
+                <a:cs typeface="Montserrat"/>
+                <a:sym typeface="Montserrat"/>
+              </a:defRPr>
+            </a:lvl5pPr>
+            <a:lvl6pPr marR="0" lvl="5" algn="ctr" rtl="0">
+              <a:lnSpc>
+                <a:spcPct val="100000"/>
+              </a:lnSpc>
+              <a:spcBef>
+                <a:spcPts val="0"/>
+              </a:spcBef>
+              <a:spcAft>
+                <a:spcPts val="0"/>
+              </a:spcAft>
+              <a:buClr>
+                <a:schemeClr val="dk1"/>
+              </a:buClr>
+              <a:buSzPts val="5200"/>
+              <a:buFont typeface="Montserrat"/>
+              <a:buNone/>
+              <a:defRPr sz="5200" b="1" i="0" u="none" strike="noStrike" cap="none">
+                <a:solidFill>
+                  <a:schemeClr val="dk1"/>
+                </a:solidFill>
+                <a:latin typeface="Montserrat"/>
+                <a:ea typeface="Montserrat"/>
+                <a:cs typeface="Montserrat"/>
+                <a:sym typeface="Montserrat"/>
+              </a:defRPr>
+            </a:lvl6pPr>
+            <a:lvl7pPr marR="0" lvl="6" algn="ctr" rtl="0">
+              <a:lnSpc>
+                <a:spcPct val="100000"/>
+              </a:lnSpc>
+              <a:spcBef>
+                <a:spcPts val="0"/>
+              </a:spcBef>
+              <a:spcAft>
+                <a:spcPts val="0"/>
+              </a:spcAft>
+              <a:buClr>
+                <a:schemeClr val="dk1"/>
+              </a:buClr>
+              <a:buSzPts val="5200"/>
+              <a:buFont typeface="Montserrat"/>
+              <a:buNone/>
+              <a:defRPr sz="5200" b="1" i="0" u="none" strike="noStrike" cap="none">
+                <a:solidFill>
+                  <a:schemeClr val="dk1"/>
+                </a:solidFill>
+                <a:latin typeface="Montserrat"/>
+                <a:ea typeface="Montserrat"/>
+                <a:cs typeface="Montserrat"/>
+                <a:sym typeface="Montserrat"/>
+              </a:defRPr>
+            </a:lvl7pPr>
+            <a:lvl8pPr marR="0" lvl="7" algn="ctr" rtl="0">
+              <a:lnSpc>
+                <a:spcPct val="100000"/>
+              </a:lnSpc>
+              <a:spcBef>
+                <a:spcPts val="0"/>
+              </a:spcBef>
+              <a:spcAft>
+                <a:spcPts val="0"/>
+              </a:spcAft>
+              <a:buClr>
+                <a:schemeClr val="dk1"/>
+              </a:buClr>
+              <a:buSzPts val="5200"/>
+              <a:buFont typeface="Montserrat"/>
+              <a:buNone/>
+              <a:defRPr sz="5200" b="1" i="0" u="none" strike="noStrike" cap="none">
+                <a:solidFill>
+                  <a:schemeClr val="dk1"/>
+                </a:solidFill>
+                <a:latin typeface="Montserrat"/>
+                <a:ea typeface="Montserrat"/>
+                <a:cs typeface="Montserrat"/>
+                <a:sym typeface="Montserrat"/>
+              </a:defRPr>
+            </a:lvl8pPr>
+            <a:lvl9pPr marR="0" lvl="8" algn="ctr" rtl="0">
+              <a:lnSpc>
+                <a:spcPct val="100000"/>
+              </a:lnSpc>
+              <a:spcBef>
+                <a:spcPts val="0"/>
+              </a:spcBef>
+              <a:spcAft>
+                <a:spcPts val="0"/>
+              </a:spcAft>
+              <a:buClr>
+                <a:schemeClr val="dk1"/>
+              </a:buClr>
+              <a:buSzPts val="5200"/>
+              <a:buFont typeface="Montserrat"/>
+              <a:buNone/>
+              <a:defRPr sz="5200" b="1" i="0" u="none" strike="noStrike" cap="none">
+                <a:solidFill>
+                  <a:schemeClr val="dk1"/>
+                </a:solidFill>
+                <a:latin typeface="Montserrat"/>
+                <a:ea typeface="Montserrat"/>
+                <a:cs typeface="Montserrat"/>
+                <a:sym typeface="Montserrat"/>
+              </a:defRPr>
+            </a:lvl9pPr>
+          </a:lstStyle>
+          <a:p>
+            <a:pPr algn="ctr"/>
+            <a:r>
+              <a:rPr lang="en-US" sz="2800" b="1" dirty="0">
+                <a:solidFill>
+                  <a:schemeClr val="tx1"/>
+                </a:solidFill>
+                <a:latin typeface="DM Sans" pitchFamily="2" charset="0"/>
+              </a:rPr>
+              <a:t>Methodology</a:t>
+            </a:r>
+            <a:endParaRPr lang="en-US" sz="2800" dirty="0"/>
+          </a:p>
+        </p:txBody>
+      </p:sp>
+      <p:sp>
+        <p:nvSpPr>
+          <p:cNvPr id="5" name="Rectangle 4">
+            <a:extLst>
+              <a:ext uri="{FF2B5EF4-FFF2-40B4-BE49-F238E27FC236}">
+                <a16:creationId xmlns:a16="http://schemas.microsoft.com/office/drawing/2014/main" id="{1DE7B854-B88F-7BA8-6040-370C0CFE0D21}"/>
+              </a:ext>
+            </a:extLst>
+          </p:cNvPr>
+          <p:cNvSpPr/>
+          <p:nvPr/>
+        </p:nvSpPr>
+        <p:spPr>
+          <a:xfrm>
+            <a:off x="660805" y="2395302"/>
+            <a:ext cx="1511233" cy="423582"/>
+          </a:xfrm>
+          <a:prstGeom prst="rect">
+            <a:avLst/>
+          </a:prstGeom>
+          <a:ln w="12700"/>
+        </p:spPr>
+        <p:style>
+          <a:lnRef idx="2">
+            <a:schemeClr val="accent1">
+              <a:shade val="15000"/>
+            </a:schemeClr>
+          </a:lnRef>
+          <a:fillRef idx="1">
+            <a:schemeClr val="accent1"/>
+          </a:fillRef>
+          <a:effectRef idx="0">
+            <a:schemeClr val="accent1"/>
+          </a:effectRef>
+          <a:fontRef idx="minor">
+            <a:schemeClr val="lt1"/>
+          </a:fontRef>
+        </p:style>
+        <p:txBody>
+          <a:bodyPr rtlCol="0" anchor="ctr"/>
+          <a:lstStyle/>
+          <a:p>
+            <a:pPr algn="ctr"/>
+            <a:r>
+              <a:rPr lang="en-US" dirty="0">
+                <a:latin typeface="Verdana" panose="020B0604030504040204" pitchFamily="34" charset="0"/>
+                <a:ea typeface="Verdana" panose="020B0604030504040204" pitchFamily="34" charset="0"/>
+              </a:rPr>
+              <a:t>Feature Comparison</a:t>
+            </a:r>
+          </a:p>
+        </p:txBody>
+      </p:sp>
+      <p:sp>
+        <p:nvSpPr>
+          <p:cNvPr id="8" name="Rectangle 7">
+            <a:extLst>
+              <a:ext uri="{FF2B5EF4-FFF2-40B4-BE49-F238E27FC236}">
+                <a16:creationId xmlns:a16="http://schemas.microsoft.com/office/drawing/2014/main" id="{64B0433A-8BB4-DA2E-3890-2C31D33C1A0E}"/>
+              </a:ext>
+            </a:extLst>
+          </p:cNvPr>
+          <p:cNvSpPr/>
+          <p:nvPr/>
+        </p:nvSpPr>
+        <p:spPr>
+          <a:xfrm>
+            <a:off x="2966976" y="2395302"/>
+            <a:ext cx="2439080" cy="423582"/>
+          </a:xfrm>
+          <a:prstGeom prst="rect">
+            <a:avLst/>
+          </a:prstGeom>
+          <a:ln w="12700"/>
+        </p:spPr>
+        <p:style>
+          <a:lnRef idx="2">
+            <a:schemeClr val="accent1">
+              <a:shade val="15000"/>
+            </a:schemeClr>
+          </a:lnRef>
+          <a:fillRef idx="1">
+            <a:schemeClr val="accent1"/>
+          </a:fillRef>
+          <a:effectRef idx="0">
+            <a:schemeClr val="accent1"/>
+          </a:effectRef>
+          <a:fontRef idx="minor">
+            <a:schemeClr val="lt1"/>
+          </a:fontRef>
+        </p:style>
+        <p:txBody>
+          <a:bodyPr rtlCol="0" anchor="ctr"/>
+          <a:lstStyle/>
+          <a:p>
+            <a:pPr algn="ctr"/>
+            <a:r>
+              <a:rPr lang="en-US" dirty="0">
+                <a:latin typeface="Verdana" panose="020B0604030504040204" pitchFamily="34" charset="0"/>
+                <a:ea typeface="Verdana" panose="020B0604030504040204" pitchFamily="34" charset="0"/>
+              </a:rPr>
+              <a:t>Theoretical and Conceptual investigation</a:t>
+            </a:r>
+          </a:p>
+        </p:txBody>
+      </p:sp>
+      <p:sp>
+        <p:nvSpPr>
+          <p:cNvPr id="9" name="Arrow: Right 8">
+            <a:extLst>
+              <a:ext uri="{FF2B5EF4-FFF2-40B4-BE49-F238E27FC236}">
+                <a16:creationId xmlns:a16="http://schemas.microsoft.com/office/drawing/2014/main" id="{974698A3-0AFD-B3AC-03A4-11D9F2A238D0}"/>
+              </a:ext>
+            </a:extLst>
+          </p:cNvPr>
+          <p:cNvSpPr/>
+          <p:nvPr/>
+        </p:nvSpPr>
+        <p:spPr>
+          <a:xfrm>
+            <a:off x="2259444" y="2532458"/>
+            <a:ext cx="571500" cy="166500"/>
+          </a:xfrm>
+          <a:prstGeom prst="rightArrow">
+            <a:avLst/>
+          </a:prstGeom>
+          <a:ln w="12700"/>
+        </p:spPr>
+        <p:style>
+          <a:lnRef idx="2">
+            <a:schemeClr val="accent1">
+              <a:shade val="15000"/>
+            </a:schemeClr>
+          </a:lnRef>
+          <a:fillRef idx="1">
+            <a:schemeClr val="accent1"/>
+          </a:fillRef>
+          <a:effectRef idx="0">
+            <a:schemeClr val="accent1"/>
+          </a:effectRef>
+          <a:fontRef idx="minor">
+            <a:schemeClr val="lt1"/>
+          </a:fontRef>
+        </p:style>
+        <p:txBody>
+          <a:bodyPr rtlCol="0" anchor="ctr"/>
+          <a:lstStyle/>
+          <a:p>
+            <a:pPr algn="ctr"/>
+            <a:endParaRPr lang="en-US"/>
+          </a:p>
+        </p:txBody>
+      </p:sp>
+      <p:sp>
+        <p:nvSpPr>
+          <p:cNvPr id="10" name="Rectangle 9">
+            <a:extLst>
+              <a:ext uri="{FF2B5EF4-FFF2-40B4-BE49-F238E27FC236}">
+                <a16:creationId xmlns:a16="http://schemas.microsoft.com/office/drawing/2014/main" id="{C05CFDFA-54CD-0359-60F9-5FFA712E9077}"/>
+              </a:ext>
+            </a:extLst>
+          </p:cNvPr>
+          <p:cNvSpPr/>
+          <p:nvPr/>
+        </p:nvSpPr>
+        <p:spPr>
+          <a:xfrm>
+            <a:off x="6017217" y="2395302"/>
+            <a:ext cx="2439080" cy="423582"/>
+          </a:xfrm>
+          <a:prstGeom prst="rect">
+            <a:avLst/>
+          </a:prstGeom>
+          <a:ln w="12700"/>
+        </p:spPr>
+        <p:style>
+          <a:lnRef idx="2">
+            <a:schemeClr val="accent1">
+              <a:shade val="15000"/>
+            </a:schemeClr>
+          </a:lnRef>
+          <a:fillRef idx="1">
+            <a:schemeClr val="accent1"/>
+          </a:fillRef>
+          <a:effectRef idx="0">
+            <a:schemeClr val="accent1"/>
+          </a:effectRef>
+          <a:fontRef idx="minor">
+            <a:schemeClr val="lt1"/>
+          </a:fontRef>
+        </p:style>
+        <p:txBody>
+          <a:bodyPr rtlCol="0" anchor="ctr"/>
+          <a:lstStyle/>
+          <a:p>
+            <a:pPr algn="ctr"/>
+            <a:r>
+              <a:rPr lang="en-US" dirty="0">
+                <a:latin typeface="Verdana" panose="020B0604030504040204" pitchFamily="34" charset="0"/>
+                <a:ea typeface="Verdana" panose="020B0604030504040204" pitchFamily="34" charset="0"/>
+              </a:rPr>
+              <a:t>Empirical evaluation</a:t>
+            </a:r>
+          </a:p>
+        </p:txBody>
+      </p:sp>
+      <p:sp>
+        <p:nvSpPr>
+          <p:cNvPr id="12" name="Arrow: Right 11">
+            <a:extLst>
+              <a:ext uri="{FF2B5EF4-FFF2-40B4-BE49-F238E27FC236}">
+                <a16:creationId xmlns:a16="http://schemas.microsoft.com/office/drawing/2014/main" id="{02B49C78-CFAB-5ECB-5516-7A3A8D9C356E}"/>
+              </a:ext>
+            </a:extLst>
+          </p:cNvPr>
+          <p:cNvSpPr/>
+          <p:nvPr/>
+        </p:nvSpPr>
+        <p:spPr>
+          <a:xfrm>
+            <a:off x="5479678" y="2532458"/>
+            <a:ext cx="491158" cy="166500"/>
+          </a:xfrm>
+          <a:prstGeom prst="rightArrow">
+            <a:avLst/>
+          </a:prstGeom>
+          <a:ln w="12700"/>
+        </p:spPr>
+        <p:style>
+          <a:lnRef idx="2">
+            <a:schemeClr val="accent1">
+              <a:shade val="15000"/>
+            </a:schemeClr>
+          </a:lnRef>
+          <a:fillRef idx="1">
+            <a:schemeClr val="accent1"/>
+          </a:fillRef>
+          <a:effectRef idx="0">
+            <a:schemeClr val="accent1"/>
+          </a:effectRef>
+          <a:fontRef idx="minor">
+            <a:schemeClr val="lt1"/>
+          </a:fontRef>
+        </p:style>
+        <p:txBody>
+          <a:bodyPr rtlCol="0" anchor="ctr"/>
+          <a:lstStyle/>
+          <a:p>
+            <a:pPr algn="ctr"/>
+            <a:endParaRPr lang="en-US"/>
+          </a:p>
+        </p:txBody>
+      </p:sp>
+      <p:sp>
+        <p:nvSpPr>
+          <p:cNvPr id="13" name="Rectangle 12">
+            <a:extLst>
+              <a:ext uri="{FF2B5EF4-FFF2-40B4-BE49-F238E27FC236}">
+                <a16:creationId xmlns:a16="http://schemas.microsoft.com/office/drawing/2014/main" id="{ACBEBA9B-3F45-C262-B5D2-CF3D44890FE0}"/>
+              </a:ext>
+            </a:extLst>
+          </p:cNvPr>
+          <p:cNvSpPr/>
+          <p:nvPr/>
+        </p:nvSpPr>
+        <p:spPr>
+          <a:xfrm>
+            <a:off x="1824049" y="1556441"/>
+            <a:ext cx="1377986" cy="255494"/>
+          </a:xfrm>
+          <a:prstGeom prst="rect">
+            <a:avLst/>
+          </a:prstGeom>
+          <a:ln/>
+        </p:spPr>
+        <p:style>
+          <a:lnRef idx="1">
+            <a:schemeClr val="accent5"/>
+          </a:lnRef>
+          <a:fillRef idx="2">
+            <a:schemeClr val="accent5"/>
+          </a:fillRef>
+          <a:effectRef idx="1">
+            <a:schemeClr val="accent5"/>
+          </a:effectRef>
+          <a:fontRef idx="minor">
+            <a:schemeClr val="dk1"/>
+          </a:fontRef>
+        </p:style>
+        <p:txBody>
+          <a:bodyPr rtlCol="0" anchor="ctr"/>
+          <a:lstStyle/>
+          <a:p>
+            <a:pPr algn="ctr"/>
+            <a:r>
+              <a:rPr lang="en-US" dirty="0" err="1"/>
+              <a:t>Metamodelling</a:t>
+            </a:r>
+            <a:endParaRPr lang="en-US" dirty="0"/>
+          </a:p>
+        </p:txBody>
+      </p:sp>
+      <p:cxnSp>
+        <p:nvCxnSpPr>
+          <p:cNvPr id="16" name="Straight Arrow Connector 15">
+            <a:extLst>
+              <a:ext uri="{FF2B5EF4-FFF2-40B4-BE49-F238E27FC236}">
+                <a16:creationId xmlns:a16="http://schemas.microsoft.com/office/drawing/2014/main" id="{EF8FFD05-402D-7127-64A8-4CD221C0D691}"/>
+              </a:ext>
+            </a:extLst>
+          </p:cNvPr>
+          <p:cNvCxnSpPr/>
+          <p:nvPr/>
+        </p:nvCxnSpPr>
+        <p:spPr>
+          <a:xfrm flipH="1" flipV="1">
+            <a:off x="2729753" y="1896035"/>
+            <a:ext cx="336176" cy="383241"/>
+          </a:xfrm>
+          <a:prstGeom prst="straightConnector1">
+            <a:avLst/>
+          </a:prstGeom>
+          <a:ln>
+            <a:tailEnd type="triangle"/>
+          </a:ln>
+        </p:spPr>
+        <p:style>
+          <a:lnRef idx="1">
+            <a:schemeClr val="accent1"/>
+          </a:lnRef>
+          <a:fillRef idx="0">
+            <a:schemeClr val="accent1"/>
+          </a:fillRef>
+          <a:effectRef idx="0">
+            <a:schemeClr val="accent1"/>
+          </a:effectRef>
+          <a:fontRef idx="minor">
+            <a:schemeClr val="tx1"/>
+          </a:fontRef>
+        </p:style>
+      </p:cxnSp>
+      <p:sp>
+        <p:nvSpPr>
+          <p:cNvPr id="17" name="Rectangle 16">
+            <a:extLst>
+              <a:ext uri="{FF2B5EF4-FFF2-40B4-BE49-F238E27FC236}">
+                <a16:creationId xmlns:a16="http://schemas.microsoft.com/office/drawing/2014/main" id="{D36B3209-DE44-4B52-5954-E2D50F3E7A7D}"/>
+              </a:ext>
+            </a:extLst>
+          </p:cNvPr>
+          <p:cNvSpPr/>
+          <p:nvPr/>
+        </p:nvSpPr>
+        <p:spPr>
+          <a:xfrm>
+            <a:off x="3497523" y="1564229"/>
+            <a:ext cx="1518230" cy="255494"/>
+          </a:xfrm>
+          <a:prstGeom prst="rect">
+            <a:avLst/>
+          </a:prstGeom>
+          <a:ln/>
+        </p:spPr>
+        <p:style>
+          <a:lnRef idx="1">
+            <a:schemeClr val="accent5"/>
+          </a:lnRef>
+          <a:fillRef idx="2">
+            <a:schemeClr val="accent5"/>
+          </a:fillRef>
+          <a:effectRef idx="1">
+            <a:schemeClr val="accent5"/>
+          </a:effectRef>
+          <a:fontRef idx="minor">
+            <a:schemeClr val="dk1"/>
+          </a:fontRef>
+        </p:style>
+        <p:txBody>
+          <a:bodyPr rtlCol="0" anchor="ctr"/>
+          <a:lstStyle/>
+          <a:p>
+            <a:pPr algn="ctr"/>
+            <a:r>
+              <a:rPr lang="en-US" dirty="0"/>
+              <a:t>Metrics analysis</a:t>
+            </a:r>
+          </a:p>
+        </p:txBody>
+      </p:sp>
+      <p:cxnSp>
+        <p:nvCxnSpPr>
+          <p:cNvPr id="19" name="Straight Arrow Connector 18">
+            <a:extLst>
+              <a:ext uri="{FF2B5EF4-FFF2-40B4-BE49-F238E27FC236}">
+                <a16:creationId xmlns:a16="http://schemas.microsoft.com/office/drawing/2014/main" id="{3D082336-A753-B6D2-CD29-FA1B5F772426}"/>
+              </a:ext>
+            </a:extLst>
+          </p:cNvPr>
+          <p:cNvCxnSpPr/>
+          <p:nvPr/>
+        </p:nvCxnSpPr>
+        <p:spPr>
+          <a:xfrm flipV="1">
+            <a:off x="4148418" y="1896035"/>
+            <a:ext cx="0" cy="383241"/>
+          </a:xfrm>
+          <a:prstGeom prst="straightConnector1">
+            <a:avLst/>
+          </a:prstGeom>
+          <a:ln>
+            <a:tailEnd type="triangle"/>
+          </a:ln>
+        </p:spPr>
+        <p:style>
+          <a:lnRef idx="1">
+            <a:schemeClr val="accent1"/>
+          </a:lnRef>
+          <a:fillRef idx="0">
+            <a:schemeClr val="accent1"/>
+          </a:fillRef>
+          <a:effectRef idx="0">
+            <a:schemeClr val="accent1"/>
+          </a:effectRef>
+          <a:fontRef idx="minor">
+            <a:schemeClr val="tx1"/>
+          </a:fontRef>
+        </p:style>
+      </p:cxnSp>
+      <p:sp>
+        <p:nvSpPr>
+          <p:cNvPr id="20" name="Rectangle 19">
+            <a:extLst>
+              <a:ext uri="{FF2B5EF4-FFF2-40B4-BE49-F238E27FC236}">
+                <a16:creationId xmlns:a16="http://schemas.microsoft.com/office/drawing/2014/main" id="{BE54F479-264E-B5E3-2687-8ADD28847147}"/>
+              </a:ext>
+            </a:extLst>
+          </p:cNvPr>
+          <p:cNvSpPr/>
+          <p:nvPr/>
+        </p:nvSpPr>
+        <p:spPr>
+          <a:xfrm>
+            <a:off x="1786079" y="3252546"/>
+            <a:ext cx="1518230" cy="255494"/>
+          </a:xfrm>
+          <a:prstGeom prst="rect">
+            <a:avLst/>
+          </a:prstGeom>
+          <a:ln/>
+        </p:spPr>
+        <p:style>
+          <a:lnRef idx="1">
+            <a:schemeClr val="accent5"/>
+          </a:lnRef>
+          <a:fillRef idx="2">
+            <a:schemeClr val="accent5"/>
+          </a:fillRef>
+          <a:effectRef idx="1">
+            <a:schemeClr val="accent5"/>
+          </a:effectRef>
+          <a:fontRef idx="minor">
+            <a:schemeClr val="dk1"/>
+          </a:fontRef>
+        </p:style>
+        <p:txBody>
+          <a:bodyPr rtlCol="0" anchor="ctr"/>
+          <a:lstStyle/>
+          <a:p>
+            <a:pPr algn="ctr"/>
+            <a:r>
+              <a:rPr lang="en-US" dirty="0"/>
+              <a:t>Metrics analysis</a:t>
+            </a:r>
+          </a:p>
+        </p:txBody>
+      </p:sp>
+      <p:sp>
+        <p:nvSpPr>
+          <p:cNvPr id="21" name="Rectangle 20">
+            <a:extLst>
+              <a:ext uri="{FF2B5EF4-FFF2-40B4-BE49-F238E27FC236}">
+                <a16:creationId xmlns:a16="http://schemas.microsoft.com/office/drawing/2014/main" id="{F6C4E048-7B70-1594-688C-F4C0ADD87734}"/>
+              </a:ext>
+            </a:extLst>
+          </p:cNvPr>
+          <p:cNvSpPr/>
+          <p:nvPr/>
+        </p:nvSpPr>
+        <p:spPr>
+          <a:xfrm>
+            <a:off x="4966142" y="3182672"/>
+            <a:ext cx="1518230" cy="423582"/>
+          </a:xfrm>
+          <a:prstGeom prst="rect">
+            <a:avLst/>
+          </a:prstGeom>
+          <a:ln/>
+        </p:spPr>
+        <p:style>
+          <a:lnRef idx="1">
+            <a:schemeClr val="accent5"/>
+          </a:lnRef>
+          <a:fillRef idx="2">
+            <a:schemeClr val="accent5"/>
+          </a:fillRef>
+          <a:effectRef idx="1">
+            <a:schemeClr val="accent5"/>
+          </a:effectRef>
+          <a:fontRef idx="minor">
+            <a:schemeClr val="dk1"/>
+          </a:fontRef>
+        </p:style>
+        <p:txBody>
+          <a:bodyPr rtlCol="0" anchor="ctr"/>
+          <a:lstStyle/>
+          <a:p>
+            <a:pPr algn="ctr"/>
+            <a:r>
+              <a:rPr lang="en-US" dirty="0"/>
+              <a:t>Contingency identification</a:t>
+            </a:r>
+          </a:p>
+        </p:txBody>
+      </p:sp>
+      <p:sp>
+        <p:nvSpPr>
+          <p:cNvPr id="22" name="Rectangle 21">
+            <a:extLst>
+              <a:ext uri="{FF2B5EF4-FFF2-40B4-BE49-F238E27FC236}">
+                <a16:creationId xmlns:a16="http://schemas.microsoft.com/office/drawing/2014/main" id="{2429E3CD-A998-972F-0888-582C28C20E8C}"/>
+              </a:ext>
+            </a:extLst>
+          </p:cNvPr>
+          <p:cNvSpPr/>
+          <p:nvPr/>
+        </p:nvSpPr>
+        <p:spPr>
+          <a:xfrm>
+            <a:off x="3376110" y="3249602"/>
+            <a:ext cx="1518230" cy="423582"/>
+          </a:xfrm>
+          <a:prstGeom prst="rect">
+            <a:avLst/>
+          </a:prstGeom>
+          <a:ln/>
+        </p:spPr>
+        <p:style>
+          <a:lnRef idx="1">
+            <a:schemeClr val="accent5"/>
+          </a:lnRef>
+          <a:fillRef idx="2">
+            <a:schemeClr val="accent5"/>
+          </a:fillRef>
+          <a:effectRef idx="1">
+            <a:schemeClr val="accent5"/>
+          </a:effectRef>
+          <a:fontRef idx="minor">
+            <a:schemeClr val="dk1"/>
+          </a:fontRef>
+        </p:style>
+        <p:txBody>
+          <a:bodyPr rtlCol="0" anchor="ctr"/>
+          <a:lstStyle/>
+          <a:p>
+            <a:pPr algn="ctr"/>
+            <a:r>
+              <a:rPr lang="en-US" dirty="0"/>
+              <a:t>Cognitive evaluation</a:t>
+            </a:r>
+          </a:p>
+        </p:txBody>
+      </p:sp>
+      <p:cxnSp>
+        <p:nvCxnSpPr>
+          <p:cNvPr id="23" name="Straight Arrow Connector 22">
+            <a:extLst>
+              <a:ext uri="{FF2B5EF4-FFF2-40B4-BE49-F238E27FC236}">
+                <a16:creationId xmlns:a16="http://schemas.microsoft.com/office/drawing/2014/main" id="{BB08944D-5CD7-1249-4277-0037A5A733B6}"/>
+              </a:ext>
+            </a:extLst>
+          </p:cNvPr>
+          <p:cNvCxnSpPr>
+            <a:cxnSpLocks/>
+          </p:cNvCxnSpPr>
+          <p:nvPr/>
+        </p:nvCxnSpPr>
+        <p:spPr>
+          <a:xfrm flipH="1">
+            <a:off x="2897841" y="2862643"/>
+            <a:ext cx="406468" cy="309448"/>
+          </a:xfrm>
+          <a:prstGeom prst="straightConnector1">
+            <a:avLst/>
+          </a:prstGeom>
+          <a:ln>
+            <a:tailEnd type="triangle"/>
+          </a:ln>
+        </p:spPr>
+        <p:style>
+          <a:lnRef idx="1">
+            <a:schemeClr val="accent1"/>
+          </a:lnRef>
+          <a:fillRef idx="0">
+            <a:schemeClr val="accent1"/>
+          </a:fillRef>
+          <a:effectRef idx="0">
+            <a:schemeClr val="accent1"/>
+          </a:effectRef>
+          <a:fontRef idx="minor">
+            <a:schemeClr val="tx1"/>
+          </a:fontRef>
+        </p:style>
+      </p:cxnSp>
+      <p:cxnSp>
+        <p:nvCxnSpPr>
+          <p:cNvPr id="28" name="Straight Arrow Connector 27">
+            <a:extLst>
+              <a:ext uri="{FF2B5EF4-FFF2-40B4-BE49-F238E27FC236}">
+                <a16:creationId xmlns:a16="http://schemas.microsoft.com/office/drawing/2014/main" id="{64F3E4AE-249B-00E3-A688-A024087C84FF}"/>
+              </a:ext>
+            </a:extLst>
+          </p:cNvPr>
+          <p:cNvCxnSpPr>
+            <a:cxnSpLocks/>
+          </p:cNvCxnSpPr>
+          <p:nvPr/>
+        </p:nvCxnSpPr>
+        <p:spPr>
+          <a:xfrm>
+            <a:off x="4111022" y="2866173"/>
+            <a:ext cx="24203" cy="316499"/>
+          </a:xfrm>
+          <a:prstGeom prst="straightConnector1">
+            <a:avLst/>
+          </a:prstGeom>
+          <a:ln>
+            <a:tailEnd type="triangle"/>
+          </a:ln>
+        </p:spPr>
+        <p:style>
+          <a:lnRef idx="1">
+            <a:schemeClr val="accent1"/>
+          </a:lnRef>
+          <a:fillRef idx="0">
+            <a:schemeClr val="accent1"/>
+          </a:fillRef>
+          <a:effectRef idx="0">
+            <a:schemeClr val="accent1"/>
+          </a:effectRef>
+          <a:fontRef idx="minor">
+            <a:schemeClr val="tx1"/>
+          </a:fontRef>
+        </p:style>
+      </p:cxnSp>
+      <p:cxnSp>
+        <p:nvCxnSpPr>
+          <p:cNvPr id="30" name="Straight Arrow Connector 29">
+            <a:extLst>
+              <a:ext uri="{FF2B5EF4-FFF2-40B4-BE49-F238E27FC236}">
+                <a16:creationId xmlns:a16="http://schemas.microsoft.com/office/drawing/2014/main" id="{C15FB88D-DE5E-12C7-9B7E-541526E5E20F}"/>
+              </a:ext>
+            </a:extLst>
+          </p:cNvPr>
+          <p:cNvCxnSpPr>
+            <a:cxnSpLocks/>
+          </p:cNvCxnSpPr>
+          <p:nvPr/>
+        </p:nvCxnSpPr>
+        <p:spPr>
+          <a:xfrm>
+            <a:off x="4941939" y="2845582"/>
+            <a:ext cx="464117" cy="267412"/>
+          </a:xfrm>
+          <a:prstGeom prst="straightConnector1">
+            <a:avLst/>
+          </a:prstGeom>
+          <a:ln>
+            <a:tailEnd type="triangle"/>
+          </a:ln>
+        </p:spPr>
+        <p:style>
+          <a:lnRef idx="1">
+            <a:schemeClr val="accent1"/>
+          </a:lnRef>
+          <a:fillRef idx="0">
+            <a:schemeClr val="accent1"/>
+          </a:fillRef>
+          <a:effectRef idx="0">
+            <a:schemeClr val="accent1"/>
+          </a:effectRef>
+          <a:fontRef idx="minor">
+            <a:schemeClr val="tx1"/>
+          </a:fontRef>
+        </p:style>
+      </p:cxnSp>
+      <p:sp>
+        <p:nvSpPr>
+          <p:cNvPr id="1024" name="Rectangle 1023">
+            <a:extLst>
+              <a:ext uri="{FF2B5EF4-FFF2-40B4-BE49-F238E27FC236}">
+                <a16:creationId xmlns:a16="http://schemas.microsoft.com/office/drawing/2014/main" id="{6C7E6764-51C8-F0C0-75D1-8BD8BA77B181}"/>
+              </a:ext>
+            </a:extLst>
+          </p:cNvPr>
+          <p:cNvSpPr/>
+          <p:nvPr/>
+        </p:nvSpPr>
+        <p:spPr>
+          <a:xfrm>
+            <a:off x="6352782" y="1556441"/>
+            <a:ext cx="834671" cy="255494"/>
+          </a:xfrm>
+          <a:prstGeom prst="rect">
+            <a:avLst/>
+          </a:prstGeom>
+          <a:ln/>
+        </p:spPr>
+        <p:style>
+          <a:lnRef idx="1">
+            <a:schemeClr val="accent5"/>
+          </a:lnRef>
+          <a:fillRef idx="2">
+            <a:schemeClr val="accent5"/>
+          </a:fillRef>
+          <a:effectRef idx="1">
+            <a:schemeClr val="accent5"/>
+          </a:effectRef>
+          <a:fontRef idx="minor">
+            <a:schemeClr val="dk1"/>
+          </a:fontRef>
+        </p:style>
+        <p:txBody>
+          <a:bodyPr rtlCol="0" anchor="ctr"/>
+          <a:lstStyle/>
+          <a:p>
+            <a:pPr algn="ctr"/>
+            <a:r>
+              <a:rPr lang="en-US" dirty="0"/>
+              <a:t>Surveys</a:t>
+            </a:r>
+          </a:p>
+        </p:txBody>
+      </p:sp>
+      <p:cxnSp>
+        <p:nvCxnSpPr>
+          <p:cNvPr id="1027" name="Straight Arrow Connector 1026">
+            <a:extLst>
+              <a:ext uri="{FF2B5EF4-FFF2-40B4-BE49-F238E27FC236}">
+                <a16:creationId xmlns:a16="http://schemas.microsoft.com/office/drawing/2014/main" id="{63D83B84-94C5-233D-CBE0-7E279B72D53D}"/>
+              </a:ext>
+            </a:extLst>
+          </p:cNvPr>
+          <p:cNvCxnSpPr/>
+          <p:nvPr/>
+        </p:nvCxnSpPr>
+        <p:spPr>
+          <a:xfrm flipH="1" flipV="1">
+            <a:off x="6911788" y="1896035"/>
+            <a:ext cx="215153" cy="383241"/>
+          </a:xfrm>
+          <a:prstGeom prst="straightConnector1">
+            <a:avLst/>
+          </a:prstGeom>
+          <a:ln>
+            <a:tailEnd type="triangle"/>
+          </a:ln>
+        </p:spPr>
+        <p:style>
+          <a:lnRef idx="1">
+            <a:schemeClr val="accent1"/>
+          </a:lnRef>
+          <a:fillRef idx="0">
+            <a:schemeClr val="accent1"/>
+          </a:fillRef>
+          <a:effectRef idx="0">
+            <a:schemeClr val="accent1"/>
+          </a:effectRef>
+          <a:fontRef idx="minor">
+            <a:schemeClr val="tx1"/>
+          </a:fontRef>
+        </p:style>
+      </p:cxnSp>
+      <p:sp>
+        <p:nvSpPr>
+          <p:cNvPr id="1028" name="Rectangle 1027">
+            <a:extLst>
+              <a:ext uri="{FF2B5EF4-FFF2-40B4-BE49-F238E27FC236}">
+                <a16:creationId xmlns:a16="http://schemas.microsoft.com/office/drawing/2014/main" id="{3CAFF3EA-6DD3-EB44-3785-E5C3671E0229}"/>
+              </a:ext>
+            </a:extLst>
+          </p:cNvPr>
+          <p:cNvSpPr/>
+          <p:nvPr/>
+        </p:nvSpPr>
+        <p:spPr>
+          <a:xfrm>
+            <a:off x="7345276" y="1468246"/>
+            <a:ext cx="1346174" cy="423582"/>
+          </a:xfrm>
+          <a:prstGeom prst="rect">
+            <a:avLst/>
+          </a:prstGeom>
+          <a:ln/>
+        </p:spPr>
+        <p:style>
+          <a:lnRef idx="1">
+            <a:schemeClr val="accent5"/>
+          </a:lnRef>
+          <a:fillRef idx="2">
+            <a:schemeClr val="accent5"/>
+          </a:fillRef>
+          <a:effectRef idx="1">
+            <a:schemeClr val="accent5"/>
+          </a:effectRef>
+          <a:fontRef idx="minor">
+            <a:schemeClr val="dk1"/>
+          </a:fontRef>
+        </p:style>
+        <p:txBody>
+          <a:bodyPr rtlCol="0" anchor="ctr"/>
+          <a:lstStyle/>
+          <a:p>
+            <a:pPr algn="ctr"/>
+            <a:r>
+              <a:rPr lang="en-US" dirty="0"/>
+              <a:t>Laboratory experiments</a:t>
+            </a:r>
+          </a:p>
+        </p:txBody>
+      </p:sp>
+      <p:cxnSp>
+        <p:nvCxnSpPr>
+          <p:cNvPr id="1030" name="Straight Arrow Connector 1029">
+            <a:extLst>
+              <a:ext uri="{FF2B5EF4-FFF2-40B4-BE49-F238E27FC236}">
+                <a16:creationId xmlns:a16="http://schemas.microsoft.com/office/drawing/2014/main" id="{6F49126E-EE0E-90D2-6F41-B7A7ADF0FCF6}"/>
+              </a:ext>
+            </a:extLst>
+          </p:cNvPr>
+          <p:cNvCxnSpPr/>
+          <p:nvPr/>
+        </p:nvCxnSpPr>
+        <p:spPr>
+          <a:xfrm flipV="1">
+            <a:off x="7933765" y="1951945"/>
+            <a:ext cx="84598" cy="363464"/>
+          </a:xfrm>
+          <a:prstGeom prst="straightConnector1">
+            <a:avLst/>
+          </a:prstGeom>
+          <a:ln>
+            <a:tailEnd type="triangle"/>
+          </a:ln>
+        </p:spPr>
+        <p:style>
+          <a:lnRef idx="1">
+            <a:schemeClr val="accent1"/>
+          </a:lnRef>
+          <a:fillRef idx="0">
+            <a:schemeClr val="accent1"/>
+          </a:fillRef>
+          <a:effectRef idx="0">
+            <a:schemeClr val="accent1"/>
+          </a:effectRef>
+          <a:fontRef idx="minor">
+            <a:schemeClr val="tx1"/>
+          </a:fontRef>
+        </p:style>
+      </p:cxnSp>
+      <p:sp>
+        <p:nvSpPr>
+          <p:cNvPr id="1031" name="Rectangle 1030">
+            <a:extLst>
+              <a:ext uri="{FF2B5EF4-FFF2-40B4-BE49-F238E27FC236}">
+                <a16:creationId xmlns:a16="http://schemas.microsoft.com/office/drawing/2014/main" id="{65214CA1-15D4-4C7A-967F-55243AA0865A}"/>
+              </a:ext>
+            </a:extLst>
+          </p:cNvPr>
+          <p:cNvSpPr/>
+          <p:nvPr/>
+        </p:nvSpPr>
+        <p:spPr>
+          <a:xfrm>
+            <a:off x="6633807" y="3226889"/>
+            <a:ext cx="1627571" cy="255494"/>
+          </a:xfrm>
+          <a:prstGeom prst="rect">
+            <a:avLst/>
+          </a:prstGeom>
+          <a:ln/>
+        </p:spPr>
+        <p:style>
+          <a:lnRef idx="1">
+            <a:schemeClr val="accent5"/>
+          </a:lnRef>
+          <a:fillRef idx="2">
+            <a:schemeClr val="accent5"/>
+          </a:fillRef>
+          <a:effectRef idx="1">
+            <a:schemeClr val="accent5"/>
+          </a:effectRef>
+          <a:fontRef idx="minor">
+            <a:schemeClr val="dk1"/>
+          </a:fontRef>
+        </p:style>
+        <p:txBody>
+          <a:bodyPr rtlCol="0" anchor="ctr"/>
+          <a:lstStyle/>
+          <a:p>
+            <a:pPr algn="ctr"/>
+            <a:r>
+              <a:rPr lang="en-US" dirty="0"/>
+              <a:t>Field experiments</a:t>
+            </a:r>
+          </a:p>
+        </p:txBody>
+      </p:sp>
+      <p:cxnSp>
+        <p:nvCxnSpPr>
+          <p:cNvPr id="1033" name="Straight Arrow Connector 1032">
+            <a:extLst>
+              <a:ext uri="{FF2B5EF4-FFF2-40B4-BE49-F238E27FC236}">
+                <a16:creationId xmlns:a16="http://schemas.microsoft.com/office/drawing/2014/main" id="{2AF22A10-C8F9-64D5-9331-CDD9EC686F71}"/>
+              </a:ext>
+            </a:extLst>
+          </p:cNvPr>
+          <p:cNvCxnSpPr/>
+          <p:nvPr/>
+        </p:nvCxnSpPr>
+        <p:spPr>
+          <a:xfrm>
+            <a:off x="6824382" y="2845582"/>
+            <a:ext cx="363071" cy="337090"/>
+          </a:xfrm>
+          <a:prstGeom prst="straightConnector1">
+            <a:avLst/>
+          </a:prstGeom>
+          <a:ln>
+            <a:tailEnd type="triangle"/>
+          </a:ln>
+        </p:spPr>
+        <p:style>
+          <a:lnRef idx="1">
+            <a:schemeClr val="accent1"/>
+          </a:lnRef>
+          <a:fillRef idx="0">
+            <a:schemeClr val="accent1"/>
+          </a:fillRef>
+          <a:effectRef idx="0">
+            <a:schemeClr val="accent1"/>
+          </a:effectRef>
+          <a:fontRef idx="minor">
+            <a:schemeClr val="tx1"/>
+          </a:fontRef>
+        </p:style>
+      </p:cxnSp>
+      <p:sp>
+        <p:nvSpPr>
+          <p:cNvPr id="1034" name="Rectangle 1033">
+            <a:extLst>
+              <a:ext uri="{FF2B5EF4-FFF2-40B4-BE49-F238E27FC236}">
+                <a16:creationId xmlns:a16="http://schemas.microsoft.com/office/drawing/2014/main" id="{48ADBCF1-E4F3-AD0A-99D2-407608DDC7DA}"/>
+              </a:ext>
+            </a:extLst>
+          </p:cNvPr>
+          <p:cNvSpPr/>
+          <p:nvPr/>
+        </p:nvSpPr>
+        <p:spPr>
+          <a:xfrm>
+            <a:off x="5214693" y="1907360"/>
+            <a:ext cx="1281187" cy="255494"/>
+          </a:xfrm>
+          <a:prstGeom prst="rect">
+            <a:avLst/>
+          </a:prstGeom>
+          <a:ln/>
+        </p:spPr>
+        <p:style>
+          <a:lnRef idx="1">
+            <a:schemeClr val="accent5"/>
+          </a:lnRef>
+          <a:fillRef idx="2">
+            <a:schemeClr val="accent5"/>
+          </a:fillRef>
+          <a:effectRef idx="1">
+            <a:schemeClr val="accent5"/>
+          </a:effectRef>
+          <a:fontRef idx="minor">
+            <a:schemeClr val="dk1"/>
+          </a:fontRef>
+        </p:style>
+        <p:txBody>
+          <a:bodyPr rtlCol="0" anchor="ctr"/>
+          <a:lstStyle/>
+          <a:p>
+            <a:pPr algn="ctr"/>
+            <a:r>
+              <a:rPr lang="en-US" dirty="0"/>
+              <a:t>Case studies</a:t>
+            </a:r>
+          </a:p>
+        </p:txBody>
+      </p:sp>
+      <p:cxnSp>
+        <p:nvCxnSpPr>
+          <p:cNvPr id="1036" name="Straight Arrow Connector 1035">
+            <a:extLst>
+              <a:ext uri="{FF2B5EF4-FFF2-40B4-BE49-F238E27FC236}">
+                <a16:creationId xmlns:a16="http://schemas.microsoft.com/office/drawing/2014/main" id="{114F0034-A373-8381-48C6-5DF00FB3A27D}"/>
+              </a:ext>
+            </a:extLst>
+          </p:cNvPr>
+          <p:cNvCxnSpPr/>
+          <p:nvPr/>
+        </p:nvCxnSpPr>
+        <p:spPr>
+          <a:xfrm flipH="1" flipV="1">
+            <a:off x="6555441" y="2133677"/>
+            <a:ext cx="268941" cy="181732"/>
+          </a:xfrm>
+          <a:prstGeom prst="straightConnector1">
+            <a:avLst/>
+          </a:prstGeom>
+          <a:ln>
+            <a:tailEnd type="triangle"/>
+          </a:ln>
+        </p:spPr>
+        <p:style>
+          <a:lnRef idx="1">
+            <a:schemeClr val="accent1"/>
+          </a:lnRef>
+          <a:fillRef idx="0">
+            <a:schemeClr val="accent1"/>
+          </a:fillRef>
+          <a:effectRef idx="0">
+            <a:schemeClr val="accent1"/>
+          </a:effectRef>
+          <a:fontRef idx="minor">
+            <a:schemeClr val="tx1"/>
+          </a:fontRef>
+        </p:style>
+      </p:cxnSp>
+      <p:sp>
+        <p:nvSpPr>
+          <p:cNvPr id="1037" name="Rectangle 1036">
+            <a:extLst>
+              <a:ext uri="{FF2B5EF4-FFF2-40B4-BE49-F238E27FC236}">
+                <a16:creationId xmlns:a16="http://schemas.microsoft.com/office/drawing/2014/main" id="{988BF73C-B61F-3D5E-0EBB-175933C0F8F8}"/>
+              </a:ext>
+            </a:extLst>
+          </p:cNvPr>
+          <p:cNvSpPr/>
+          <p:nvPr/>
+        </p:nvSpPr>
+        <p:spPr>
+          <a:xfrm>
+            <a:off x="635347" y="1413634"/>
+            <a:ext cx="1040375" cy="436390"/>
+          </a:xfrm>
+          <a:prstGeom prst="rect">
+            <a:avLst/>
+          </a:prstGeom>
+          <a:ln w="12700"/>
+        </p:spPr>
+        <p:style>
+          <a:lnRef idx="2">
+            <a:schemeClr val="accent1">
+              <a:shade val="15000"/>
+            </a:schemeClr>
+          </a:lnRef>
+          <a:fillRef idx="1">
+            <a:schemeClr val="accent1"/>
+          </a:fillRef>
+          <a:effectRef idx="0">
+            <a:schemeClr val="accent1"/>
+          </a:effectRef>
+          <a:fontRef idx="minor">
+            <a:schemeClr val="lt1"/>
+          </a:fontRef>
+        </p:style>
+        <p:txBody>
+          <a:bodyPr rtlCol="0" anchor="ctr"/>
+          <a:lstStyle/>
+          <a:p>
+            <a:pPr algn="ctr"/>
+            <a:r>
+              <a:rPr lang="en-US" dirty="0"/>
+              <a:t>Find  Problem</a:t>
+            </a:r>
+          </a:p>
+        </p:txBody>
+      </p:sp>
+      <p:sp>
+        <p:nvSpPr>
+          <p:cNvPr id="1038" name="Arrow: Right 1037">
+            <a:extLst>
+              <a:ext uri="{FF2B5EF4-FFF2-40B4-BE49-F238E27FC236}">
+                <a16:creationId xmlns:a16="http://schemas.microsoft.com/office/drawing/2014/main" id="{A77CB275-7D96-A3C7-895C-16B254B4E16F}"/>
+              </a:ext>
+            </a:extLst>
+          </p:cNvPr>
+          <p:cNvSpPr/>
+          <p:nvPr/>
+        </p:nvSpPr>
+        <p:spPr>
+          <a:xfrm rot="5400000">
+            <a:off x="969778" y="2046478"/>
+            <a:ext cx="423582" cy="166500"/>
+          </a:xfrm>
+          <a:prstGeom prst="rightArrow">
+            <a:avLst/>
+          </a:prstGeom>
+          <a:ln w="12700"/>
+        </p:spPr>
+        <p:style>
+          <a:lnRef idx="2">
+            <a:schemeClr val="accent1">
+              <a:shade val="15000"/>
+            </a:schemeClr>
+          </a:lnRef>
+          <a:fillRef idx="1">
+            <a:schemeClr val="accent1"/>
+          </a:fillRef>
+          <a:effectRef idx="0">
+            <a:schemeClr val="accent1"/>
+          </a:effectRef>
+          <a:fontRef idx="minor">
+            <a:schemeClr val="lt1"/>
+          </a:fontRef>
+        </p:style>
+        <p:txBody>
+          <a:bodyPr rtlCol="0" anchor="ctr"/>
+          <a:lstStyle/>
+          <a:p>
+            <a:pPr algn="ctr"/>
+            <a:endParaRPr lang="en-US"/>
+          </a:p>
+        </p:txBody>
+      </p:sp>
+      <p:sp>
+        <p:nvSpPr>
+          <p:cNvPr id="1039" name="Rectangle 1038">
+            <a:extLst>
+              <a:ext uri="{FF2B5EF4-FFF2-40B4-BE49-F238E27FC236}">
+                <a16:creationId xmlns:a16="http://schemas.microsoft.com/office/drawing/2014/main" id="{2E0EE275-C80C-DA4D-9342-250724D8D811}"/>
+              </a:ext>
+            </a:extLst>
+          </p:cNvPr>
+          <p:cNvSpPr/>
+          <p:nvPr/>
+        </p:nvSpPr>
+        <p:spPr>
+          <a:xfrm>
+            <a:off x="6938067" y="3906607"/>
+            <a:ext cx="1518230" cy="423582"/>
+          </a:xfrm>
+          <a:prstGeom prst="rect">
+            <a:avLst/>
+          </a:prstGeom>
+          <a:ln w="12700"/>
+        </p:spPr>
+        <p:style>
+          <a:lnRef idx="2">
+            <a:schemeClr val="accent1">
+              <a:shade val="15000"/>
+            </a:schemeClr>
+          </a:lnRef>
+          <a:fillRef idx="1">
+            <a:schemeClr val="accent1"/>
+          </a:fillRef>
+          <a:effectRef idx="0">
+            <a:schemeClr val="accent1"/>
+          </a:effectRef>
+          <a:fontRef idx="minor">
+            <a:schemeClr val="lt1"/>
+          </a:fontRef>
+        </p:style>
+        <p:txBody>
+          <a:bodyPr rtlCol="0" anchor="ctr"/>
+          <a:lstStyle/>
+          <a:p>
+            <a:pPr algn="ctr"/>
+            <a:r>
+              <a:rPr lang="en-US" dirty="0">
+                <a:latin typeface="Verdana" panose="020B0604030504040204" pitchFamily="34" charset="0"/>
+                <a:ea typeface="Verdana" panose="020B0604030504040204" pitchFamily="34" charset="0"/>
+              </a:rPr>
+              <a:t>Gap Analysis and Others</a:t>
+            </a:r>
+          </a:p>
+        </p:txBody>
+      </p:sp>
+      <p:sp>
+        <p:nvSpPr>
+          <p:cNvPr id="1040" name="Arrow: Curved Left 1039">
+            <a:extLst>
+              <a:ext uri="{FF2B5EF4-FFF2-40B4-BE49-F238E27FC236}">
+                <a16:creationId xmlns:a16="http://schemas.microsoft.com/office/drawing/2014/main" id="{4D006014-C98D-0FF0-CADF-A3A32686EBA7}"/>
+              </a:ext>
+            </a:extLst>
+          </p:cNvPr>
+          <p:cNvSpPr/>
+          <p:nvPr/>
+        </p:nvSpPr>
+        <p:spPr>
+          <a:xfrm>
+            <a:off x="8538882" y="2632838"/>
+            <a:ext cx="528576" cy="1623156"/>
+          </a:xfrm>
+          <a:prstGeom prst="curvedLeftArrow">
+            <a:avLst/>
+          </a:prstGeom>
+          <a:ln w="12700"/>
+        </p:spPr>
+        <p:style>
+          <a:lnRef idx="2">
+            <a:schemeClr val="accent1">
+              <a:shade val="15000"/>
+            </a:schemeClr>
+          </a:lnRef>
+          <a:fillRef idx="1">
+            <a:schemeClr val="accent1"/>
+          </a:fillRef>
+          <a:effectRef idx="0">
+            <a:schemeClr val="accent1"/>
+          </a:effectRef>
+          <a:fontRef idx="minor">
+            <a:schemeClr val="lt1"/>
+          </a:fontRef>
+        </p:style>
+        <p:txBody>
+          <a:bodyPr rtlCol="0" anchor="ctr"/>
+          <a:lstStyle/>
+          <a:p>
+            <a:pPr algn="ctr"/>
+            <a:endParaRPr lang="en-US">
+              <a:solidFill>
+                <a:schemeClr val="tx1"/>
+              </a:solidFill>
+            </a:endParaRPr>
+          </a:p>
+        </p:txBody>
+      </p:sp>
+      <p:sp>
+        <p:nvSpPr>
+          <p:cNvPr id="1041" name="Rectangle 1040">
+            <a:extLst>
+              <a:ext uri="{FF2B5EF4-FFF2-40B4-BE49-F238E27FC236}">
+                <a16:creationId xmlns:a16="http://schemas.microsoft.com/office/drawing/2014/main" id="{43F750B8-26FD-EB39-11FB-0A56E9D5F4AC}"/>
+              </a:ext>
+            </a:extLst>
+          </p:cNvPr>
+          <p:cNvSpPr/>
+          <p:nvPr/>
+        </p:nvSpPr>
+        <p:spPr>
+          <a:xfrm>
+            <a:off x="7281671" y="3519159"/>
+            <a:ext cx="1530978" cy="255494"/>
+          </a:xfrm>
+          <a:prstGeom prst="rect">
+            <a:avLst/>
+          </a:prstGeom>
+          <a:ln/>
+        </p:spPr>
+        <p:style>
+          <a:lnRef idx="1">
+            <a:schemeClr val="accent5"/>
+          </a:lnRef>
+          <a:fillRef idx="2">
+            <a:schemeClr val="accent5"/>
+          </a:fillRef>
+          <a:effectRef idx="1">
+            <a:schemeClr val="accent5"/>
+          </a:effectRef>
+          <a:fontRef idx="minor">
+            <a:schemeClr val="dk1"/>
+          </a:fontRef>
+        </p:style>
+        <p:txBody>
+          <a:bodyPr rtlCol="0" anchor="ctr"/>
+          <a:lstStyle/>
+          <a:p>
+            <a:pPr algn="ctr"/>
+            <a:r>
+              <a:rPr lang="en-US" dirty="0"/>
+              <a:t>Literature review</a:t>
+            </a:r>
+          </a:p>
+        </p:txBody>
+      </p:sp>
+      <p:cxnSp>
+        <p:nvCxnSpPr>
+          <p:cNvPr id="1042" name="Straight Arrow Connector 1041">
+            <a:extLst>
+              <a:ext uri="{FF2B5EF4-FFF2-40B4-BE49-F238E27FC236}">
+                <a16:creationId xmlns:a16="http://schemas.microsoft.com/office/drawing/2014/main" id="{7A2D2FAB-A247-689F-2ABE-B25E08FF8FCA}"/>
+              </a:ext>
+            </a:extLst>
+          </p:cNvPr>
+          <p:cNvCxnSpPr>
+            <a:cxnSpLocks/>
+          </p:cNvCxnSpPr>
+          <p:nvPr/>
+        </p:nvCxnSpPr>
+        <p:spPr>
+          <a:xfrm>
+            <a:off x="8119311" y="2862451"/>
+            <a:ext cx="419571" cy="581965"/>
+          </a:xfrm>
+          <a:prstGeom prst="straightConnector1">
+            <a:avLst/>
+          </a:prstGeom>
+          <a:ln>
+            <a:tailEnd type="triangle"/>
+          </a:ln>
+        </p:spPr>
+        <p:style>
+          <a:lnRef idx="1">
+            <a:schemeClr val="accent1"/>
+          </a:lnRef>
+          <a:fillRef idx="0">
+            <a:schemeClr val="accent1"/>
+          </a:fillRef>
+          <a:effectRef idx="0">
+            <a:schemeClr val="accent1"/>
+          </a:effectRef>
+          <a:fontRef idx="minor">
+            <a:schemeClr val="tx1"/>
+          </a:fontRef>
+        </p:style>
+      </p:cxnSp>
+    </p:spTree>
+    <p:extLst>
+      <p:ext uri="{BB962C8B-B14F-4D97-AF65-F5344CB8AC3E}">
+        <p14:creationId xmlns:p14="http://schemas.microsoft.com/office/powerpoint/2010/main" val="1932868176"/>
+      </p:ext>
+    </p:extLst>
+  </p:cSld>
+  <p:clrMapOvr>
+    <a:masterClrMapping/>
+  </p:clrMapOvr>
+  <p:timing>
+    <p:tnLst>
+      <p:par>
+        <p:cTn id="1" dur="indefinite" restart="never" nodeType="tmRoot"/>
+      </p:par>
+    </p:tnLst>
+  </p:timing>
 </p:sld>
 </file>
 
